--- a/IntroDataPresentation.pptx
+++ b/IntroDataPresentation.pptx
@@ -4,20 +4,37 @@
   <p:sldMasterIdLst>
     <p:sldMasterId id="2147483648" r:id="rId1"/>
   </p:sldMasterIdLst>
+  <p:notesMasterIdLst>
+    <p:notesMasterId r:id="rId29"/>
+  </p:notesMasterIdLst>
   <p:sldIdLst>
     <p:sldId id="256" r:id="rId2"/>
     <p:sldId id="263" r:id="rId3"/>
-    <p:sldId id="260" r:id="rId4"/>
-    <p:sldId id="264" r:id="rId5"/>
-    <p:sldId id="265" r:id="rId6"/>
-    <p:sldId id="266" r:id="rId7"/>
-    <p:sldId id="267" r:id="rId8"/>
+    <p:sldId id="271" r:id="rId4"/>
+    <p:sldId id="272" r:id="rId5"/>
+    <p:sldId id="273" r:id="rId6"/>
+    <p:sldId id="260" r:id="rId7"/>
+    <p:sldId id="274" r:id="rId8"/>
     <p:sldId id="268" r:id="rId9"/>
     <p:sldId id="269" r:id="rId10"/>
     <p:sldId id="270" r:id="rId11"/>
-    <p:sldId id="259" r:id="rId12"/>
-    <p:sldId id="258" r:id="rId13"/>
-    <p:sldId id="261" r:id="rId14"/>
+    <p:sldId id="264" r:id="rId12"/>
+    <p:sldId id="265" r:id="rId13"/>
+    <p:sldId id="275" r:id="rId14"/>
+    <p:sldId id="278" r:id="rId15"/>
+    <p:sldId id="277" r:id="rId16"/>
+    <p:sldId id="284" r:id="rId17"/>
+    <p:sldId id="285" r:id="rId18"/>
+    <p:sldId id="286" r:id="rId19"/>
+    <p:sldId id="276" r:id="rId20"/>
+    <p:sldId id="280" r:id="rId21"/>
+    <p:sldId id="281" r:id="rId22"/>
+    <p:sldId id="282" r:id="rId23"/>
+    <p:sldId id="283" r:id="rId24"/>
+    <p:sldId id="259" r:id="rId25"/>
+    <p:sldId id="258" r:id="rId26"/>
+    <p:sldId id="279" r:id="rId27"/>
+    <p:sldId id="261" r:id="rId28"/>
   </p:sldIdLst>
   <p:sldSz cx="12192000" cy="6858000"/>
   <p:notesSz cx="6858000" cy="9144000"/>
@@ -124,6 +141,974 @@
 </p:presentation>
 </file>
 
+<file path=ppt/notesMasters/notesMaster1.xml><?xml version="1.0" encoding="utf-8"?>
+<p:notesMaster xmlns:a="http://schemas.openxmlformats.org/drawingml/2006/main" xmlns:r="http://schemas.openxmlformats.org/officeDocument/2006/relationships" xmlns:p="http://schemas.openxmlformats.org/presentationml/2006/main">
+  <p:cSld>
+    <p:bg>
+      <p:bgRef idx="1001">
+        <a:schemeClr val="bg1"/>
+      </p:bgRef>
+    </p:bg>
+    <p:spTree>
+      <p:nvGrpSpPr>
+        <p:cNvPr id="1" name=""/>
+        <p:cNvGrpSpPr/>
+        <p:nvPr/>
+      </p:nvGrpSpPr>
+      <p:grpSpPr>
+        <a:xfrm>
+          <a:off x="0" y="0"/>
+          <a:ext cx="0" cy="0"/>
+          <a:chOff x="0" y="0"/>
+          <a:chExt cx="0" cy="0"/>
+        </a:xfrm>
+      </p:grpSpPr>
+      <p:sp>
+        <p:nvSpPr>
+          <p:cNvPr id="2" name="Header Placeholder 1"/>
+          <p:cNvSpPr>
+            <a:spLocks noGrp="1"/>
+          </p:cNvSpPr>
+          <p:nvPr>
+            <p:ph type="hdr" sz="quarter"/>
+          </p:nvPr>
+        </p:nvSpPr>
+        <p:spPr>
+          <a:xfrm>
+            <a:off x="0" y="0"/>
+            <a:ext cx="2971800" cy="458788"/>
+          </a:xfrm>
+          <a:prstGeom prst="rect">
+            <a:avLst/>
+          </a:prstGeom>
+        </p:spPr>
+        <p:txBody>
+          <a:bodyPr vert="horz" lIns="91440" tIns="45720" rIns="91440" bIns="45720" rtlCol="0"/>
+          <a:lstStyle>
+            <a:lvl1pPr algn="l">
+              <a:defRPr sz="1200"/>
+            </a:lvl1pPr>
+          </a:lstStyle>
+          <a:p>
+            <a:endParaRPr lang="en-US"/>
+          </a:p>
+        </p:txBody>
+      </p:sp>
+      <p:sp>
+        <p:nvSpPr>
+          <p:cNvPr id="3" name="Date Placeholder 2"/>
+          <p:cNvSpPr>
+            <a:spLocks noGrp="1"/>
+          </p:cNvSpPr>
+          <p:nvPr>
+            <p:ph type="dt" idx="1"/>
+          </p:nvPr>
+        </p:nvSpPr>
+        <p:spPr>
+          <a:xfrm>
+            <a:off x="3884613" y="0"/>
+            <a:ext cx="2971800" cy="458788"/>
+          </a:xfrm>
+          <a:prstGeom prst="rect">
+            <a:avLst/>
+          </a:prstGeom>
+        </p:spPr>
+        <p:txBody>
+          <a:bodyPr vert="horz" lIns="91440" tIns="45720" rIns="91440" bIns="45720" rtlCol="0"/>
+          <a:lstStyle>
+            <a:lvl1pPr algn="r">
+              <a:defRPr sz="1200"/>
+            </a:lvl1pPr>
+          </a:lstStyle>
+          <a:p>
+            <a:fld id="{DCBA5B3D-5196-4548-BAFD-84FED12329E6}" type="datetimeFigureOut">
+              <a:rPr lang="en-US" smtClean="0"/>
+              <a:t>10/16/2025</a:t>
+            </a:fld>
+            <a:endParaRPr lang="en-US"/>
+          </a:p>
+        </p:txBody>
+      </p:sp>
+      <p:sp>
+        <p:nvSpPr>
+          <p:cNvPr id="4" name="Slide Image Placeholder 3"/>
+          <p:cNvSpPr>
+            <a:spLocks noGrp="1" noRot="1" noChangeAspect="1"/>
+          </p:cNvSpPr>
+          <p:nvPr>
+            <p:ph type="sldImg" idx="2"/>
+          </p:nvPr>
+        </p:nvSpPr>
+        <p:spPr>
+          <a:xfrm>
+            <a:off x="685800" y="1143000"/>
+            <a:ext cx="5486400" cy="3086100"/>
+          </a:xfrm>
+          <a:prstGeom prst="rect">
+            <a:avLst/>
+          </a:prstGeom>
+          <a:noFill/>
+          <a:ln w="12700">
+            <a:solidFill>
+              <a:prstClr val="black"/>
+            </a:solidFill>
+          </a:ln>
+        </p:spPr>
+        <p:txBody>
+          <a:bodyPr vert="horz" lIns="91440" tIns="45720" rIns="91440" bIns="45720" rtlCol="0" anchor="ctr"/>
+          <a:lstStyle/>
+          <a:p>
+            <a:endParaRPr lang="en-US"/>
+          </a:p>
+        </p:txBody>
+      </p:sp>
+      <p:sp>
+        <p:nvSpPr>
+          <p:cNvPr id="5" name="Notes Placeholder 4"/>
+          <p:cNvSpPr>
+            <a:spLocks noGrp="1"/>
+          </p:cNvSpPr>
+          <p:nvPr>
+            <p:ph type="body" sz="quarter" idx="3"/>
+          </p:nvPr>
+        </p:nvSpPr>
+        <p:spPr>
+          <a:xfrm>
+            <a:off x="685800" y="4400550"/>
+            <a:ext cx="5486400" cy="3600450"/>
+          </a:xfrm>
+          <a:prstGeom prst="rect">
+            <a:avLst/>
+          </a:prstGeom>
+        </p:spPr>
+        <p:txBody>
+          <a:bodyPr vert="horz" lIns="91440" tIns="45720" rIns="91440" bIns="45720" rtlCol="0"/>
+          <a:lstStyle/>
+          <a:p>
+            <a:pPr lvl="0"/>
+            <a:r>
+              <a:rPr lang="en-US"/>
+              <a:t>Click to edit Master text styles</a:t>
+            </a:r>
+          </a:p>
+          <a:p>
+            <a:pPr lvl="1"/>
+            <a:r>
+              <a:rPr lang="en-US"/>
+              <a:t>Second level</a:t>
+            </a:r>
+          </a:p>
+          <a:p>
+            <a:pPr lvl="2"/>
+            <a:r>
+              <a:rPr lang="en-US"/>
+              <a:t>Third level</a:t>
+            </a:r>
+          </a:p>
+          <a:p>
+            <a:pPr lvl="3"/>
+            <a:r>
+              <a:rPr lang="en-US"/>
+              <a:t>Fourth level</a:t>
+            </a:r>
+          </a:p>
+          <a:p>
+            <a:pPr lvl="4"/>
+            <a:r>
+              <a:rPr lang="en-US"/>
+              <a:t>Fifth level</a:t>
+            </a:r>
+          </a:p>
+        </p:txBody>
+      </p:sp>
+      <p:sp>
+        <p:nvSpPr>
+          <p:cNvPr id="6" name="Footer Placeholder 5"/>
+          <p:cNvSpPr>
+            <a:spLocks noGrp="1"/>
+          </p:cNvSpPr>
+          <p:nvPr>
+            <p:ph type="ftr" sz="quarter" idx="4"/>
+          </p:nvPr>
+        </p:nvSpPr>
+        <p:spPr>
+          <a:xfrm>
+            <a:off x="0" y="8685213"/>
+            <a:ext cx="2971800" cy="458787"/>
+          </a:xfrm>
+          <a:prstGeom prst="rect">
+            <a:avLst/>
+          </a:prstGeom>
+        </p:spPr>
+        <p:txBody>
+          <a:bodyPr vert="horz" lIns="91440" tIns="45720" rIns="91440" bIns="45720" rtlCol="0" anchor="b"/>
+          <a:lstStyle>
+            <a:lvl1pPr algn="l">
+              <a:defRPr sz="1200"/>
+            </a:lvl1pPr>
+          </a:lstStyle>
+          <a:p>
+            <a:endParaRPr lang="en-US"/>
+          </a:p>
+        </p:txBody>
+      </p:sp>
+      <p:sp>
+        <p:nvSpPr>
+          <p:cNvPr id="7" name="Slide Number Placeholder 6"/>
+          <p:cNvSpPr>
+            <a:spLocks noGrp="1"/>
+          </p:cNvSpPr>
+          <p:nvPr>
+            <p:ph type="sldNum" sz="quarter" idx="5"/>
+          </p:nvPr>
+        </p:nvSpPr>
+        <p:spPr>
+          <a:xfrm>
+            <a:off x="3884613" y="8685213"/>
+            <a:ext cx="2971800" cy="458787"/>
+          </a:xfrm>
+          <a:prstGeom prst="rect">
+            <a:avLst/>
+          </a:prstGeom>
+        </p:spPr>
+        <p:txBody>
+          <a:bodyPr vert="horz" lIns="91440" tIns="45720" rIns="91440" bIns="45720" rtlCol="0" anchor="b"/>
+          <a:lstStyle>
+            <a:lvl1pPr algn="r">
+              <a:defRPr sz="1200"/>
+            </a:lvl1pPr>
+          </a:lstStyle>
+          <a:p>
+            <a:fld id="{C59DDA44-CDC0-4981-8DC5-42D6D4EBBD17}" type="slidenum">
+              <a:rPr lang="en-US" smtClean="0"/>
+              <a:t>‹#›</a:t>
+            </a:fld>
+            <a:endParaRPr lang="en-US"/>
+          </a:p>
+        </p:txBody>
+      </p:sp>
+    </p:spTree>
+    <p:extLst>
+      <p:ext uri="{BB962C8B-B14F-4D97-AF65-F5344CB8AC3E}">
+        <p14:creationId xmlns:p14="http://schemas.microsoft.com/office/powerpoint/2010/main" val="2925912332"/>
+      </p:ext>
+    </p:extLst>
+  </p:cSld>
+  <p:clrMap bg1="lt1" tx1="dk1" bg2="lt2" tx2="dk2" accent1="accent1" accent2="accent2" accent3="accent3" accent4="accent4" accent5="accent5" accent6="accent6" hlink="hlink" folHlink="folHlink"/>
+  <p:notesStyle>
+    <a:lvl1pPr marL="0" algn="l" defTabSz="914400" rtl="0" eaLnBrk="1" latinLnBrk="0" hangingPunct="1">
+      <a:defRPr sz="1200" kern="1200">
+        <a:solidFill>
+          <a:schemeClr val="tx1"/>
+        </a:solidFill>
+        <a:latin typeface="+mn-lt"/>
+        <a:ea typeface="+mn-ea"/>
+        <a:cs typeface="+mn-cs"/>
+      </a:defRPr>
+    </a:lvl1pPr>
+    <a:lvl2pPr marL="457200" algn="l" defTabSz="914400" rtl="0" eaLnBrk="1" latinLnBrk="0" hangingPunct="1">
+      <a:defRPr sz="1200" kern="1200">
+        <a:solidFill>
+          <a:schemeClr val="tx1"/>
+        </a:solidFill>
+        <a:latin typeface="+mn-lt"/>
+        <a:ea typeface="+mn-ea"/>
+        <a:cs typeface="+mn-cs"/>
+      </a:defRPr>
+    </a:lvl2pPr>
+    <a:lvl3pPr marL="914400" algn="l" defTabSz="914400" rtl="0" eaLnBrk="1" latinLnBrk="0" hangingPunct="1">
+      <a:defRPr sz="1200" kern="1200">
+        <a:solidFill>
+          <a:schemeClr val="tx1"/>
+        </a:solidFill>
+        <a:latin typeface="+mn-lt"/>
+        <a:ea typeface="+mn-ea"/>
+        <a:cs typeface="+mn-cs"/>
+      </a:defRPr>
+    </a:lvl3pPr>
+    <a:lvl4pPr marL="1371600" algn="l" defTabSz="914400" rtl="0" eaLnBrk="1" latinLnBrk="0" hangingPunct="1">
+      <a:defRPr sz="1200" kern="1200">
+        <a:solidFill>
+          <a:schemeClr val="tx1"/>
+        </a:solidFill>
+        <a:latin typeface="+mn-lt"/>
+        <a:ea typeface="+mn-ea"/>
+        <a:cs typeface="+mn-cs"/>
+      </a:defRPr>
+    </a:lvl4pPr>
+    <a:lvl5pPr marL="1828800" algn="l" defTabSz="914400" rtl="0" eaLnBrk="1" latinLnBrk="0" hangingPunct="1">
+      <a:defRPr sz="1200" kern="1200">
+        <a:solidFill>
+          <a:schemeClr val="tx1"/>
+        </a:solidFill>
+        <a:latin typeface="+mn-lt"/>
+        <a:ea typeface="+mn-ea"/>
+        <a:cs typeface="+mn-cs"/>
+      </a:defRPr>
+    </a:lvl5pPr>
+    <a:lvl6pPr marL="2286000" algn="l" defTabSz="914400" rtl="0" eaLnBrk="1" latinLnBrk="0" hangingPunct="1">
+      <a:defRPr sz="1200" kern="1200">
+        <a:solidFill>
+          <a:schemeClr val="tx1"/>
+        </a:solidFill>
+        <a:latin typeface="+mn-lt"/>
+        <a:ea typeface="+mn-ea"/>
+        <a:cs typeface="+mn-cs"/>
+      </a:defRPr>
+    </a:lvl6pPr>
+    <a:lvl7pPr marL="2743200" algn="l" defTabSz="914400" rtl="0" eaLnBrk="1" latinLnBrk="0" hangingPunct="1">
+      <a:defRPr sz="1200" kern="1200">
+        <a:solidFill>
+          <a:schemeClr val="tx1"/>
+        </a:solidFill>
+        <a:latin typeface="+mn-lt"/>
+        <a:ea typeface="+mn-ea"/>
+        <a:cs typeface="+mn-cs"/>
+      </a:defRPr>
+    </a:lvl7pPr>
+    <a:lvl8pPr marL="3200400" algn="l" defTabSz="914400" rtl="0" eaLnBrk="1" latinLnBrk="0" hangingPunct="1">
+      <a:defRPr sz="1200" kern="1200">
+        <a:solidFill>
+          <a:schemeClr val="tx1"/>
+        </a:solidFill>
+        <a:latin typeface="+mn-lt"/>
+        <a:ea typeface="+mn-ea"/>
+        <a:cs typeface="+mn-cs"/>
+      </a:defRPr>
+    </a:lvl8pPr>
+    <a:lvl9pPr marL="3657600" algn="l" defTabSz="914400" rtl="0" eaLnBrk="1" latinLnBrk="0" hangingPunct="1">
+      <a:defRPr sz="1200" kern="1200">
+        <a:solidFill>
+          <a:schemeClr val="tx1"/>
+        </a:solidFill>
+        <a:latin typeface="+mn-lt"/>
+        <a:ea typeface="+mn-ea"/>
+        <a:cs typeface="+mn-cs"/>
+      </a:defRPr>
+    </a:lvl9pPr>
+  </p:notesStyle>
+</p:notesMaster>
+</file>
+
+<file path=ppt/notesSlides/notesSlide1.xml><?xml version="1.0" encoding="utf-8"?>
+<p:notes xmlns:a="http://schemas.openxmlformats.org/drawingml/2006/main" xmlns:r="http://schemas.openxmlformats.org/officeDocument/2006/relationships" xmlns:p="http://schemas.openxmlformats.org/presentationml/2006/main">
+  <p:cSld>
+    <p:spTree>
+      <p:nvGrpSpPr>
+        <p:cNvPr id="1" name=""/>
+        <p:cNvGrpSpPr/>
+        <p:nvPr/>
+      </p:nvGrpSpPr>
+      <p:grpSpPr>
+        <a:xfrm>
+          <a:off x="0" y="0"/>
+          <a:ext cx="0" cy="0"/>
+          <a:chOff x="0" y="0"/>
+          <a:chExt cx="0" cy="0"/>
+        </a:xfrm>
+      </p:grpSpPr>
+      <p:sp>
+        <p:nvSpPr>
+          <p:cNvPr id="2" name="Slide Image Placeholder 1"/>
+          <p:cNvSpPr>
+            <a:spLocks noGrp="1" noRot="1" noChangeAspect="1"/>
+          </p:cNvSpPr>
+          <p:nvPr>
+            <p:ph type="sldImg"/>
+          </p:nvPr>
+        </p:nvSpPr>
+        <p:spPr/>
+      </p:sp>
+      <p:sp>
+        <p:nvSpPr>
+          <p:cNvPr id="3" name="Notes Placeholder 2"/>
+          <p:cNvSpPr>
+            <a:spLocks noGrp="1"/>
+          </p:cNvSpPr>
+          <p:nvPr>
+            <p:ph type="body" idx="1"/>
+          </p:nvPr>
+        </p:nvSpPr>
+        <p:spPr/>
+        <p:txBody>
+          <a:bodyPr/>
+          <a:lstStyle/>
+          <a:p>
+            <a:r>
+              <a:rPr lang="en-US" b="1" dirty="0"/>
+              <a:t>Limitations to keep in mind</a:t>
+            </a:r>
+          </a:p>
+          <a:p>
+            <a:r>
+              <a:rPr lang="en-US" b="1" dirty="0"/>
+              <a:t>Coverage is incomplete</a:t>
+            </a:r>
+            <a:r>
+              <a:rPr lang="en-US" dirty="0"/>
+              <a:t> (3,006 counties ≠ full national universe) — some county-equivalents are missing, likely due to source gaps or merges.</a:t>
+            </a:r>
+          </a:p>
+          <a:p>
+            <a:r>
+              <a:rPr lang="en-US" b="1" dirty="0"/>
+              <a:t>Time alignment is uneven:</a:t>
+            </a:r>
+            <a:r>
+              <a:rPr lang="en-US" dirty="0"/>
+              <a:t> income is by </a:t>
+            </a:r>
+            <a:r>
+              <a:rPr lang="en-US" b="1" dirty="0"/>
+              <a:t>single years (2019–2021)</a:t>
+            </a:r>
+            <a:r>
+              <a:rPr lang="en-US" dirty="0"/>
+              <a:t>, while education variables are </a:t>
+            </a:r>
+            <a:r>
+              <a:rPr lang="en-US" b="1" dirty="0"/>
+              <a:t>multi-year aggregates (2016–2020)</a:t>
+            </a:r>
+            <a:r>
+              <a:rPr lang="en-US" dirty="0"/>
+              <a:t>; </a:t>
+            </a:r>
+            <a:r>
+              <a:rPr lang="en-US" sz="1200" kern="1200" dirty="0">
+                <a:solidFill>
+                  <a:schemeClr val="tx1"/>
+                </a:solidFill>
+                <a:latin typeface="+mn-lt"/>
+                <a:ea typeface="+mn-ea"/>
+                <a:cs typeface="+mn-cs"/>
+              </a:rPr>
+              <a:t>bachelor_degree_percentage_2016_2019</a:t>
+            </a:r>
+            <a:r>
+              <a:rPr lang="en-US" dirty="0"/>
+              <a:t> also suggests a different window from the other bachelor/associate fields.</a:t>
+            </a:r>
+          </a:p>
+        </p:txBody>
+      </p:sp>
+      <p:sp>
+        <p:nvSpPr>
+          <p:cNvPr id="4" name="Slide Number Placeholder 3"/>
+          <p:cNvSpPr>
+            <a:spLocks noGrp="1"/>
+          </p:cNvSpPr>
+          <p:nvPr>
+            <p:ph type="sldNum" sz="quarter" idx="5"/>
+          </p:nvPr>
+        </p:nvSpPr>
+        <p:spPr/>
+        <p:txBody>
+          <a:bodyPr/>
+          <a:lstStyle/>
+          <a:p>
+            <a:fld id="{C59DDA44-CDC0-4981-8DC5-42D6D4EBBD17}" type="slidenum">
+              <a:rPr lang="en-US" smtClean="0"/>
+              <a:t>3</a:t>
+            </a:fld>
+            <a:endParaRPr lang="en-US"/>
+          </a:p>
+        </p:txBody>
+      </p:sp>
+    </p:spTree>
+    <p:extLst>
+      <p:ext uri="{BB962C8B-B14F-4D97-AF65-F5344CB8AC3E}">
+        <p14:creationId xmlns:p14="http://schemas.microsoft.com/office/powerpoint/2010/main" val="1155541954"/>
+      </p:ext>
+    </p:extLst>
+  </p:cSld>
+  <p:clrMapOvr>
+    <a:masterClrMapping/>
+  </p:clrMapOvr>
+</p:notes>
+</file>
+
+<file path=ppt/notesSlides/notesSlide2.xml><?xml version="1.0" encoding="utf-8"?>
+<p:notes xmlns:a="http://schemas.openxmlformats.org/drawingml/2006/main" xmlns:r="http://schemas.openxmlformats.org/officeDocument/2006/relationships" xmlns:p="http://schemas.openxmlformats.org/presentationml/2006/main">
+  <p:cSld>
+    <p:spTree>
+      <p:nvGrpSpPr>
+        <p:cNvPr id="1" name=""/>
+        <p:cNvGrpSpPr/>
+        <p:nvPr/>
+      </p:nvGrpSpPr>
+      <p:grpSpPr>
+        <a:xfrm>
+          <a:off x="0" y="0"/>
+          <a:ext cx="0" cy="0"/>
+          <a:chOff x="0" y="0"/>
+          <a:chExt cx="0" cy="0"/>
+        </a:xfrm>
+      </p:grpSpPr>
+      <p:sp>
+        <p:nvSpPr>
+          <p:cNvPr id="2" name="Slide Image Placeholder 1"/>
+          <p:cNvSpPr>
+            <a:spLocks noGrp="1" noRot="1" noChangeAspect="1"/>
+          </p:cNvSpPr>
+          <p:nvPr>
+            <p:ph type="sldImg"/>
+          </p:nvPr>
+        </p:nvSpPr>
+        <p:spPr/>
+      </p:sp>
+      <p:sp>
+        <p:nvSpPr>
+          <p:cNvPr id="3" name="Notes Placeholder 2"/>
+          <p:cNvSpPr>
+            <a:spLocks noGrp="1"/>
+          </p:cNvSpPr>
+          <p:nvPr>
+            <p:ph type="body" idx="1"/>
+          </p:nvPr>
+        </p:nvSpPr>
+        <p:spPr/>
+        <p:txBody>
+          <a:bodyPr/>
+          <a:lstStyle/>
+          <a:p>
+            <a:r>
+              <a:rPr lang="en-US" b="0" dirty="0"/>
+              <a:t>all three QQ plots scream non-normal with a strong right tail. That’s expected at county level.</a:t>
+            </a:r>
+          </a:p>
+          <a:p>
+            <a:r>
+              <a:rPr lang="en-US" b="0" dirty="0"/>
+              <a:t>doing EDA + hypothesis tests, not regression. Normality of the raw variables is not required for:</a:t>
+            </a:r>
+          </a:p>
+          <a:p>
+            <a:r>
+              <a:rPr lang="en-US" b="0" dirty="0"/>
+              <a:t>χ² tests (no normality assumption) or ANNOVA</a:t>
+            </a:r>
+          </a:p>
+          <a:p>
+            <a:endParaRPr lang="en-US" b="0" dirty="0"/>
+          </a:p>
+        </p:txBody>
+      </p:sp>
+      <p:sp>
+        <p:nvSpPr>
+          <p:cNvPr id="4" name="Slide Number Placeholder 3"/>
+          <p:cNvSpPr>
+            <a:spLocks noGrp="1"/>
+          </p:cNvSpPr>
+          <p:nvPr>
+            <p:ph type="sldNum" sz="quarter" idx="5"/>
+          </p:nvPr>
+        </p:nvSpPr>
+        <p:spPr/>
+        <p:txBody>
+          <a:bodyPr/>
+          <a:lstStyle/>
+          <a:p>
+            <a:fld id="{C59DDA44-CDC0-4981-8DC5-42D6D4EBBD17}" type="slidenum">
+              <a:rPr lang="en-US" smtClean="0"/>
+              <a:t>7</a:t>
+            </a:fld>
+            <a:endParaRPr lang="en-US"/>
+          </a:p>
+        </p:txBody>
+      </p:sp>
+    </p:spTree>
+    <p:extLst>
+      <p:ext uri="{BB962C8B-B14F-4D97-AF65-F5344CB8AC3E}">
+        <p14:creationId xmlns:p14="http://schemas.microsoft.com/office/powerpoint/2010/main" val="3122996159"/>
+      </p:ext>
+    </p:extLst>
+  </p:cSld>
+  <p:clrMapOvr>
+    <a:masterClrMapping/>
+  </p:clrMapOvr>
+</p:notes>
+</file>
+
+<file path=ppt/notesSlides/notesSlide3.xml><?xml version="1.0" encoding="utf-8"?>
+<p:notes xmlns:a="http://schemas.openxmlformats.org/drawingml/2006/main" xmlns:r="http://schemas.openxmlformats.org/officeDocument/2006/relationships" xmlns:p="http://schemas.openxmlformats.org/presentationml/2006/main">
+  <p:cSld>
+    <p:spTree>
+      <p:nvGrpSpPr>
+        <p:cNvPr id="1" name=""/>
+        <p:cNvGrpSpPr/>
+        <p:nvPr/>
+      </p:nvGrpSpPr>
+      <p:grpSpPr>
+        <a:xfrm>
+          <a:off x="0" y="0"/>
+          <a:ext cx="0" cy="0"/>
+          <a:chOff x="0" y="0"/>
+          <a:chExt cx="0" cy="0"/>
+        </a:xfrm>
+      </p:grpSpPr>
+      <p:sp>
+        <p:nvSpPr>
+          <p:cNvPr id="2" name="Slide Image Placeholder 1"/>
+          <p:cNvSpPr>
+            <a:spLocks noGrp="1" noRot="1" noChangeAspect="1"/>
+          </p:cNvSpPr>
+          <p:nvPr>
+            <p:ph type="sldImg"/>
+          </p:nvPr>
+        </p:nvSpPr>
+        <p:spPr/>
+      </p:sp>
+      <p:sp>
+        <p:nvSpPr>
+          <p:cNvPr id="3" name="Notes Placeholder 2"/>
+          <p:cNvSpPr>
+            <a:spLocks noGrp="1"/>
+          </p:cNvSpPr>
+          <p:nvPr>
+            <p:ph type="body" idx="1"/>
+          </p:nvPr>
+        </p:nvSpPr>
+        <p:spPr/>
+        <p:txBody>
+          <a:bodyPr/>
+          <a:lstStyle/>
+          <a:p>
+            <a:endParaRPr lang="en-US" dirty="0"/>
+          </a:p>
+        </p:txBody>
+      </p:sp>
+      <p:sp>
+        <p:nvSpPr>
+          <p:cNvPr id="4" name="Slide Number Placeholder 3"/>
+          <p:cNvSpPr>
+            <a:spLocks noGrp="1"/>
+          </p:cNvSpPr>
+          <p:nvPr>
+            <p:ph type="sldNum" sz="quarter" idx="5"/>
+          </p:nvPr>
+        </p:nvSpPr>
+        <p:spPr/>
+        <p:txBody>
+          <a:bodyPr/>
+          <a:lstStyle/>
+          <a:p>
+            <a:fld id="{C59DDA44-CDC0-4981-8DC5-42D6D4EBBD17}" type="slidenum">
+              <a:rPr lang="en-US" smtClean="0"/>
+              <a:t>12</a:t>
+            </a:fld>
+            <a:endParaRPr lang="en-US"/>
+          </a:p>
+        </p:txBody>
+      </p:sp>
+    </p:spTree>
+    <p:extLst>
+      <p:ext uri="{BB962C8B-B14F-4D97-AF65-F5344CB8AC3E}">
+        <p14:creationId xmlns:p14="http://schemas.microsoft.com/office/powerpoint/2010/main" val="1807372970"/>
+      </p:ext>
+    </p:extLst>
+  </p:cSld>
+  <p:clrMapOvr>
+    <a:masterClrMapping/>
+  </p:clrMapOvr>
+</p:notes>
+</file>
+
+<file path=ppt/notesSlides/notesSlide4.xml><?xml version="1.0" encoding="utf-8"?>
+<p:notes xmlns:a="http://schemas.openxmlformats.org/drawingml/2006/main" xmlns:r="http://schemas.openxmlformats.org/officeDocument/2006/relationships" xmlns:p="http://schemas.openxmlformats.org/presentationml/2006/main">
+  <p:cSld>
+    <p:spTree>
+      <p:nvGrpSpPr>
+        <p:cNvPr id="1" name=""/>
+        <p:cNvGrpSpPr/>
+        <p:nvPr/>
+      </p:nvGrpSpPr>
+      <p:grpSpPr>
+        <a:xfrm>
+          <a:off x="0" y="0"/>
+          <a:ext cx="0" cy="0"/>
+          <a:chOff x="0" y="0"/>
+          <a:chExt cx="0" cy="0"/>
+        </a:xfrm>
+      </p:grpSpPr>
+      <p:sp>
+        <p:nvSpPr>
+          <p:cNvPr id="2" name="Slide Image Placeholder 1"/>
+          <p:cNvSpPr>
+            <a:spLocks noGrp="1" noRot="1" noChangeAspect="1"/>
+          </p:cNvSpPr>
+          <p:nvPr>
+            <p:ph type="sldImg"/>
+          </p:nvPr>
+        </p:nvSpPr>
+        <p:spPr/>
+      </p:sp>
+      <p:sp>
+        <p:nvSpPr>
+          <p:cNvPr id="3" name="Notes Placeholder 2"/>
+          <p:cNvSpPr>
+            <a:spLocks noGrp="1"/>
+          </p:cNvSpPr>
+          <p:nvPr>
+            <p:ph type="body" idx="1"/>
+          </p:nvPr>
+        </p:nvSpPr>
+        <p:spPr/>
+        <p:txBody>
+          <a:bodyPr/>
+          <a:lstStyle/>
+          <a:p>
+            <a:r>
+              <a:rPr lang="en-US" b="1" dirty="0"/>
+              <a:t>After trimming:</a:t>
+            </a:r>
+            <a:endParaRPr lang="en-US" dirty="0"/>
+          </a:p>
+          <a:p>
+            <a:r>
+              <a:rPr lang="en-US" b="1" dirty="0"/>
+              <a:t>Income (2020):</a:t>
+            </a:r>
+            <a:r>
+              <a:rPr lang="en-US" dirty="0"/>
+              <a:t> Central quantiles align reasonably with normality; </a:t>
+            </a:r>
+            <a:r>
+              <a:rPr lang="en-US" b="1" dirty="0"/>
+              <a:t>upper tail still heavy</a:t>
+            </a:r>
+            <a:r>
+              <a:rPr lang="en-US" dirty="0"/>
+              <a:t>.</a:t>
+            </a:r>
+          </a:p>
+          <a:p>
+            <a:r>
+              <a:rPr lang="en-US" b="1" dirty="0"/>
+              <a:t>Degree counts (2020):</a:t>
+            </a:r>
+            <a:r>
+              <a:rPr lang="en-US" dirty="0"/>
+              <a:t> </a:t>
+            </a:r>
+            <a:r>
+              <a:rPr lang="en-US" b="1" dirty="0"/>
+              <a:t>S-curve persists</a:t>
+            </a:r>
+            <a:r>
+              <a:rPr lang="en-US" dirty="0"/>
+              <a:t>—still markedly right-skewed; trimming reduces extremes but not the structural skew from population size.</a:t>
+            </a:r>
+          </a:p>
+          <a:p>
+            <a:endParaRPr lang="en-US" dirty="0"/>
+          </a:p>
+        </p:txBody>
+      </p:sp>
+      <p:sp>
+        <p:nvSpPr>
+          <p:cNvPr id="4" name="Slide Number Placeholder 3"/>
+          <p:cNvSpPr>
+            <a:spLocks noGrp="1"/>
+          </p:cNvSpPr>
+          <p:nvPr>
+            <p:ph type="sldNum" sz="quarter" idx="5"/>
+          </p:nvPr>
+        </p:nvSpPr>
+        <p:spPr/>
+        <p:txBody>
+          <a:bodyPr/>
+          <a:lstStyle/>
+          <a:p>
+            <a:fld id="{C59DDA44-CDC0-4981-8DC5-42D6D4EBBD17}" type="slidenum">
+              <a:rPr lang="en-US" smtClean="0"/>
+              <a:t>13</a:t>
+            </a:fld>
+            <a:endParaRPr lang="en-US"/>
+          </a:p>
+        </p:txBody>
+      </p:sp>
+    </p:spTree>
+    <p:extLst>
+      <p:ext uri="{BB962C8B-B14F-4D97-AF65-F5344CB8AC3E}">
+        <p14:creationId xmlns:p14="http://schemas.microsoft.com/office/powerpoint/2010/main" val="2336456193"/>
+      </p:ext>
+    </p:extLst>
+  </p:cSld>
+  <p:clrMapOvr>
+    <a:masterClrMapping/>
+  </p:clrMapOvr>
+</p:notes>
+</file>
+
+<file path=ppt/notesSlides/notesSlide5.xml><?xml version="1.0" encoding="utf-8"?>
+<p:notes xmlns:a="http://schemas.openxmlformats.org/drawingml/2006/main" xmlns:r="http://schemas.openxmlformats.org/officeDocument/2006/relationships" xmlns:p="http://schemas.openxmlformats.org/presentationml/2006/main">
+  <p:cSld>
+    <p:spTree>
+      <p:nvGrpSpPr>
+        <p:cNvPr id="1" name=""/>
+        <p:cNvGrpSpPr/>
+        <p:nvPr/>
+      </p:nvGrpSpPr>
+      <p:grpSpPr>
+        <a:xfrm>
+          <a:off x="0" y="0"/>
+          <a:ext cx="0" cy="0"/>
+          <a:chOff x="0" y="0"/>
+          <a:chExt cx="0" cy="0"/>
+        </a:xfrm>
+      </p:grpSpPr>
+      <p:sp>
+        <p:nvSpPr>
+          <p:cNvPr id="2" name="Slide Image Placeholder 1"/>
+          <p:cNvSpPr>
+            <a:spLocks noGrp="1" noRot="1" noChangeAspect="1"/>
+          </p:cNvSpPr>
+          <p:nvPr>
+            <p:ph type="sldImg"/>
+          </p:nvPr>
+        </p:nvSpPr>
+        <p:spPr/>
+      </p:sp>
+      <p:sp>
+        <p:nvSpPr>
+          <p:cNvPr id="3" name="Notes Placeholder 2"/>
+          <p:cNvSpPr>
+            <a:spLocks noGrp="1"/>
+          </p:cNvSpPr>
+          <p:nvPr>
+            <p:ph type="body" idx="1"/>
+          </p:nvPr>
+        </p:nvSpPr>
+        <p:spPr/>
+        <p:txBody>
+          <a:bodyPr/>
+          <a:lstStyle/>
+          <a:p>
+            <a:endParaRPr lang="en-US" dirty="0"/>
+          </a:p>
+        </p:txBody>
+      </p:sp>
+      <p:sp>
+        <p:nvSpPr>
+          <p:cNvPr id="4" name="Slide Number Placeholder 3"/>
+          <p:cNvSpPr>
+            <a:spLocks noGrp="1"/>
+          </p:cNvSpPr>
+          <p:nvPr>
+            <p:ph type="sldNum" sz="quarter" idx="5"/>
+          </p:nvPr>
+        </p:nvSpPr>
+        <p:spPr/>
+        <p:txBody>
+          <a:bodyPr/>
+          <a:lstStyle/>
+          <a:p>
+            <a:fld id="{C59DDA44-CDC0-4981-8DC5-42D6D4EBBD17}" type="slidenum">
+              <a:rPr lang="en-US" smtClean="0"/>
+              <a:t>14</a:t>
+            </a:fld>
+            <a:endParaRPr lang="en-US"/>
+          </a:p>
+        </p:txBody>
+      </p:sp>
+    </p:spTree>
+    <p:extLst>
+      <p:ext uri="{BB962C8B-B14F-4D97-AF65-F5344CB8AC3E}">
+        <p14:creationId xmlns:p14="http://schemas.microsoft.com/office/powerpoint/2010/main" val="2666943780"/>
+      </p:ext>
+    </p:extLst>
+  </p:cSld>
+  <p:clrMapOvr>
+    <a:masterClrMapping/>
+  </p:clrMapOvr>
+</p:notes>
+</file>
+
+<file path=ppt/notesSlides/notesSlide6.xml><?xml version="1.0" encoding="utf-8"?>
+<p:notes xmlns:a="http://schemas.openxmlformats.org/drawingml/2006/main" xmlns:r="http://schemas.openxmlformats.org/officeDocument/2006/relationships" xmlns:p="http://schemas.openxmlformats.org/presentationml/2006/main">
+  <p:cSld>
+    <p:spTree>
+      <p:nvGrpSpPr>
+        <p:cNvPr id="1" name=""/>
+        <p:cNvGrpSpPr/>
+        <p:nvPr/>
+      </p:nvGrpSpPr>
+      <p:grpSpPr>
+        <a:xfrm>
+          <a:off x="0" y="0"/>
+          <a:ext cx="0" cy="0"/>
+          <a:chOff x="0" y="0"/>
+          <a:chExt cx="0" cy="0"/>
+        </a:xfrm>
+      </p:grpSpPr>
+      <p:sp>
+        <p:nvSpPr>
+          <p:cNvPr id="2" name="Slide Image Placeholder 1"/>
+          <p:cNvSpPr>
+            <a:spLocks noGrp="1" noRot="1" noChangeAspect="1"/>
+          </p:cNvSpPr>
+          <p:nvPr>
+            <p:ph type="sldImg"/>
+          </p:nvPr>
+        </p:nvSpPr>
+        <p:spPr/>
+      </p:sp>
+      <p:sp>
+        <p:nvSpPr>
+          <p:cNvPr id="3" name="Notes Placeholder 2"/>
+          <p:cNvSpPr>
+            <a:spLocks noGrp="1"/>
+          </p:cNvSpPr>
+          <p:nvPr>
+            <p:ph type="body" idx="1"/>
+          </p:nvPr>
+        </p:nvSpPr>
+        <p:spPr/>
+        <p:txBody>
+          <a:bodyPr/>
+          <a:lstStyle/>
+          <a:p>
+            <a:endParaRPr lang="en-US" dirty="0"/>
+          </a:p>
+        </p:txBody>
+      </p:sp>
+      <p:sp>
+        <p:nvSpPr>
+          <p:cNvPr id="4" name="Slide Number Placeholder 3"/>
+          <p:cNvSpPr>
+            <a:spLocks noGrp="1"/>
+          </p:cNvSpPr>
+          <p:nvPr>
+            <p:ph type="sldNum" sz="quarter" idx="5"/>
+          </p:nvPr>
+        </p:nvSpPr>
+        <p:spPr/>
+        <p:txBody>
+          <a:bodyPr/>
+          <a:lstStyle/>
+          <a:p>
+            <a:fld id="{C59DDA44-CDC0-4981-8DC5-42D6D4EBBD17}" type="slidenum">
+              <a:rPr lang="en-US" smtClean="0"/>
+              <a:t>18</a:t>
+            </a:fld>
+            <a:endParaRPr lang="en-US"/>
+          </a:p>
+        </p:txBody>
+      </p:sp>
+    </p:spTree>
+    <p:extLst>
+      <p:ext uri="{BB962C8B-B14F-4D97-AF65-F5344CB8AC3E}">
+        <p14:creationId xmlns:p14="http://schemas.microsoft.com/office/powerpoint/2010/main" val="4152931972"/>
+      </p:ext>
+    </p:extLst>
+  </p:cSld>
+  <p:clrMapOvr>
+    <a:masterClrMapping/>
+  </p:clrMapOvr>
+</p:notes>
+</file>
+
 <file path=ppt/slideLayouts/slideLayout1.xml><?xml version="1.0" encoding="utf-8"?>
 <p:sldLayout xmlns:a="http://schemas.openxmlformats.org/drawingml/2006/main" xmlns:r="http://schemas.openxmlformats.org/officeDocument/2006/relationships" xmlns:p="http://schemas.openxmlformats.org/presentationml/2006/main" type="title" preserve="1">
   <p:cSld name="Title Slide">
@@ -271,7 +1256,7 @@
           <a:p>
             <a:fld id="{56EED88D-98BC-BA4F-9DD3-682B834C7B40}" type="datetimeFigureOut">
               <a:rPr lang="en-US" smtClean="0"/>
-              <a:t>10/15/2025</a:t>
+              <a:t>10/16/2025</a:t>
             </a:fld>
             <a:endParaRPr lang="en-US"/>
           </a:p>
@@ -469,7 +1454,7 @@
           <a:p>
             <a:fld id="{56EED88D-98BC-BA4F-9DD3-682B834C7B40}" type="datetimeFigureOut">
               <a:rPr lang="en-US" smtClean="0"/>
-              <a:t>10/15/2025</a:t>
+              <a:t>10/16/2025</a:t>
             </a:fld>
             <a:endParaRPr lang="en-US"/>
           </a:p>
@@ -677,7 +1662,7 @@
           <a:p>
             <a:fld id="{56EED88D-98BC-BA4F-9DD3-682B834C7B40}" type="datetimeFigureOut">
               <a:rPr lang="en-US" smtClean="0"/>
-              <a:t>10/15/2025</a:t>
+              <a:t>10/16/2025</a:t>
             </a:fld>
             <a:endParaRPr lang="en-US"/>
           </a:p>
@@ -875,7 +1860,7 @@
           <a:p>
             <a:fld id="{56EED88D-98BC-BA4F-9DD3-682B834C7B40}" type="datetimeFigureOut">
               <a:rPr lang="en-US" smtClean="0"/>
-              <a:t>10/15/2025</a:t>
+              <a:t>10/16/2025</a:t>
             </a:fld>
             <a:endParaRPr lang="en-US"/>
           </a:p>
@@ -1150,7 +2135,7 @@
           <a:p>
             <a:fld id="{56EED88D-98BC-BA4F-9DD3-682B834C7B40}" type="datetimeFigureOut">
               <a:rPr lang="en-US" smtClean="0"/>
-              <a:t>10/15/2025</a:t>
+              <a:t>10/16/2025</a:t>
             </a:fld>
             <a:endParaRPr lang="en-US"/>
           </a:p>
@@ -1415,7 +2400,7 @@
           <a:p>
             <a:fld id="{56EED88D-98BC-BA4F-9DD3-682B834C7B40}" type="datetimeFigureOut">
               <a:rPr lang="en-US" smtClean="0"/>
-              <a:t>10/15/2025</a:t>
+              <a:t>10/16/2025</a:t>
             </a:fld>
             <a:endParaRPr lang="en-US"/>
           </a:p>
@@ -1827,7 +2812,7 @@
           <a:p>
             <a:fld id="{56EED88D-98BC-BA4F-9DD3-682B834C7B40}" type="datetimeFigureOut">
               <a:rPr lang="en-US" smtClean="0"/>
-              <a:t>10/15/2025</a:t>
+              <a:t>10/16/2025</a:t>
             </a:fld>
             <a:endParaRPr lang="en-US"/>
           </a:p>
@@ -1968,7 +2953,7 @@
           <a:p>
             <a:fld id="{56EED88D-98BC-BA4F-9DD3-682B834C7B40}" type="datetimeFigureOut">
               <a:rPr lang="en-US" smtClean="0"/>
-              <a:t>10/15/2025</a:t>
+              <a:t>10/16/2025</a:t>
             </a:fld>
             <a:endParaRPr lang="en-US"/>
           </a:p>
@@ -2081,7 +3066,7 @@
           <a:p>
             <a:fld id="{56EED88D-98BC-BA4F-9DD3-682B834C7B40}" type="datetimeFigureOut">
               <a:rPr lang="en-US" smtClean="0"/>
-              <a:t>10/15/2025</a:t>
+              <a:t>10/16/2025</a:t>
             </a:fld>
             <a:endParaRPr lang="en-US"/>
           </a:p>
@@ -2392,7 +3377,7 @@
           <a:p>
             <a:fld id="{56EED88D-98BC-BA4F-9DD3-682B834C7B40}" type="datetimeFigureOut">
               <a:rPr lang="en-US" smtClean="0"/>
-              <a:t>10/15/2025</a:t>
+              <a:t>10/16/2025</a:t>
             </a:fld>
             <a:endParaRPr lang="en-US"/>
           </a:p>
@@ -2680,7 +3665,7 @@
           <a:p>
             <a:fld id="{56EED88D-98BC-BA4F-9DD3-682B834C7B40}" type="datetimeFigureOut">
               <a:rPr lang="en-US" smtClean="0"/>
-              <a:t>10/15/2025</a:t>
+              <a:t>10/16/2025</a:t>
             </a:fld>
             <a:endParaRPr lang="en-US"/>
           </a:p>
@@ -2921,7 +3906,7 @@
           <a:p>
             <a:fld id="{56EED88D-98BC-BA4F-9DD3-682B834C7B40}" type="datetimeFigureOut">
               <a:rPr lang="en-US" smtClean="0"/>
-              <a:t>10/15/2025</a:t>
+              <a:t>10/16/2025</a:t>
             </a:fld>
             <a:endParaRPr lang="en-US"/>
           </a:p>
@@ -3468,88 +4453,14 @@
         </p:blipFill>
         <p:spPr>
           <a:xfrm>
-            <a:off x="4299857" y="1502228"/>
-            <a:ext cx="7892143" cy="5355772"/>
+            <a:off x="1444487" y="200441"/>
+            <a:ext cx="9515061" cy="6457118"/>
           </a:xfrm>
           <a:prstGeom prst="rect">
             <a:avLst/>
           </a:prstGeom>
         </p:spPr>
       </p:pic>
-      <p:pic>
-        <p:nvPicPr>
-          <p:cNvPr id="5" name="Picture 4">
-            <a:extLst>
-              <a:ext uri="{FF2B5EF4-FFF2-40B4-BE49-F238E27FC236}">
-                <a16:creationId xmlns:a16="http://schemas.microsoft.com/office/drawing/2014/main" id="{5A86555C-A796-2655-F57E-20180B8CF3F9}"/>
-              </a:ext>
-            </a:extLst>
-          </p:cNvPr>
-          <p:cNvPicPr>
-            <a:picLocks noChangeAspect="1"/>
-          </p:cNvPicPr>
-          <p:nvPr/>
-        </p:nvPicPr>
-        <p:blipFill>
-          <a:blip r:embed="rId3"/>
-          <a:stretch>
-            <a:fillRect/>
-          </a:stretch>
-        </p:blipFill>
-        <p:spPr>
-          <a:xfrm>
-            <a:off x="0" y="113401"/>
-            <a:ext cx="9135750" cy="952633"/>
-          </a:xfrm>
-          <a:prstGeom prst="rect">
-            <a:avLst/>
-          </a:prstGeom>
-        </p:spPr>
-      </p:pic>
-      <p:sp>
-        <p:nvSpPr>
-          <p:cNvPr id="7" name="TextBox 6">
-            <a:extLst>
-              <a:ext uri="{FF2B5EF4-FFF2-40B4-BE49-F238E27FC236}">
-                <a16:creationId xmlns:a16="http://schemas.microsoft.com/office/drawing/2014/main" id="{2518C13A-2577-2009-6DD1-F0028C5F962A}"/>
-              </a:ext>
-            </a:extLst>
-          </p:cNvPr>
-          <p:cNvSpPr txBox="1"/>
-          <p:nvPr/>
-        </p:nvSpPr>
-        <p:spPr>
-          <a:xfrm>
-            <a:off x="97972" y="1318736"/>
-            <a:ext cx="3701143" cy="2308324"/>
-          </a:xfrm>
-          <a:prstGeom prst="rect">
-            <a:avLst/>
-          </a:prstGeom>
-          <a:noFill/>
-        </p:spPr>
-        <p:txBody>
-          <a:bodyPr wrap="square">
-            <a:spAutoFit/>
-          </a:bodyPr>
-          <a:lstStyle/>
-          <a:p>
-            <a:r>
-              <a:rPr lang="en-US" dirty="0"/>
-              <a:t>Null Hypothesis: The Mean number of associate’s degrees between states is the same in 2020.</a:t>
-            </a:r>
-          </a:p>
-          <a:p>
-            <a:endParaRPr lang="en-US" dirty="0"/>
-          </a:p>
-          <a:p>
-            <a:r>
-              <a:rPr lang="en-US" dirty="0"/>
-              <a:t>Alternative Hypothesis:  At least one state has a different mean number of associate’s degrees in 2020.</a:t>
-            </a:r>
-          </a:p>
-        </p:txBody>
-      </p:sp>
     </p:spTree>
     <p:extLst>
       <p:ext uri="{BB962C8B-B14F-4D97-AF65-F5344CB8AC3E}">
@@ -3564,6 +4475,1399 @@
 </file>
 
 <file path=ppt/slides/slide11.xml><?xml version="1.0" encoding="utf-8"?>
+<p:sld xmlns:a="http://schemas.openxmlformats.org/drawingml/2006/main" xmlns:r="http://schemas.openxmlformats.org/officeDocument/2006/relationships" xmlns:p="http://schemas.openxmlformats.org/presentationml/2006/main">
+  <p:cSld>
+    <p:spTree>
+      <p:nvGrpSpPr>
+        <p:cNvPr id="1" name=""/>
+        <p:cNvGrpSpPr/>
+        <p:nvPr/>
+      </p:nvGrpSpPr>
+      <p:grpSpPr>
+        <a:xfrm>
+          <a:off x="0" y="0"/>
+          <a:ext cx="0" cy="0"/>
+          <a:chOff x="0" y="0"/>
+          <a:chExt cx="0" cy="0"/>
+        </a:xfrm>
+      </p:grpSpPr>
+      <p:pic>
+        <p:nvPicPr>
+          <p:cNvPr id="4" name="Picture 3">
+            <a:extLst>
+              <a:ext uri="{FF2B5EF4-FFF2-40B4-BE49-F238E27FC236}">
+                <a16:creationId xmlns:a16="http://schemas.microsoft.com/office/drawing/2014/main" id="{30BA890B-CB88-29A6-7AE0-5C4472F17E97}"/>
+              </a:ext>
+            </a:extLst>
+          </p:cNvPr>
+          <p:cNvPicPr>
+            <a:picLocks noChangeAspect="1"/>
+          </p:cNvPicPr>
+          <p:nvPr/>
+        </p:nvPicPr>
+        <p:blipFill>
+          <a:blip r:embed="rId2"/>
+          <a:stretch>
+            <a:fillRect/>
+          </a:stretch>
+        </p:blipFill>
+        <p:spPr>
+          <a:xfrm>
+            <a:off x="1834326" y="176951"/>
+            <a:ext cx="8920759" cy="6504098"/>
+          </a:xfrm>
+          <a:prstGeom prst="rect">
+            <a:avLst/>
+          </a:prstGeom>
+        </p:spPr>
+      </p:pic>
+    </p:spTree>
+    <p:extLst>
+      <p:ext uri="{BB962C8B-B14F-4D97-AF65-F5344CB8AC3E}">
+        <p14:creationId xmlns:p14="http://schemas.microsoft.com/office/powerpoint/2010/main" val="1655655953"/>
+      </p:ext>
+    </p:extLst>
+  </p:cSld>
+  <p:clrMapOvr>
+    <a:masterClrMapping/>
+  </p:clrMapOvr>
+</p:sld>
+</file>
+
+<file path=ppt/slides/slide12.xml><?xml version="1.0" encoding="utf-8"?>
+<p:sld xmlns:a="http://schemas.openxmlformats.org/drawingml/2006/main" xmlns:r="http://schemas.openxmlformats.org/officeDocument/2006/relationships" xmlns:p="http://schemas.openxmlformats.org/presentationml/2006/main">
+  <p:cSld>
+    <p:spTree>
+      <p:nvGrpSpPr>
+        <p:cNvPr id="1" name=""/>
+        <p:cNvGrpSpPr/>
+        <p:nvPr/>
+      </p:nvGrpSpPr>
+      <p:grpSpPr>
+        <a:xfrm>
+          <a:off x="0" y="0"/>
+          <a:ext cx="0" cy="0"/>
+          <a:chOff x="0" y="0"/>
+          <a:chExt cx="0" cy="0"/>
+        </a:xfrm>
+      </p:grpSpPr>
+      <p:sp>
+        <p:nvSpPr>
+          <p:cNvPr id="2" name="AutoShape 2">
+            <a:extLst>
+              <a:ext uri="{FF2B5EF4-FFF2-40B4-BE49-F238E27FC236}">
+                <a16:creationId xmlns:a16="http://schemas.microsoft.com/office/drawing/2014/main" id="{6B5878F7-F569-ED1A-3533-9A6D4BF03E5F}"/>
+              </a:ext>
+            </a:extLst>
+          </p:cNvPr>
+          <p:cNvSpPr>
+            <a:spLocks noChangeAspect="1" noChangeArrowheads="1"/>
+          </p:cNvSpPr>
+          <p:nvPr/>
+        </p:nvSpPr>
+        <p:spPr bwMode="auto">
+          <a:xfrm>
+            <a:off x="5943600" y="3276600"/>
+            <a:ext cx="304800" cy="304800"/>
+          </a:xfrm>
+          <a:prstGeom prst="rect">
+            <a:avLst/>
+          </a:prstGeom>
+          <a:noFill/>
+          <a:extLst>
+            <a:ext uri="{909E8E84-426E-40DD-AFC4-6F175D3DCCD1}">
+              <a14:hiddenFill xmlns:a14="http://schemas.microsoft.com/office/drawing/2010/main">
+                <a:solidFill>
+                  <a:srgbClr val="FFFFFF"/>
+                </a:solidFill>
+              </a14:hiddenFill>
+            </a:ext>
+          </a:extLst>
+        </p:spPr>
+        <p:txBody>
+          <a:bodyPr vert="horz" wrap="square" lIns="91440" tIns="45720" rIns="91440" bIns="45720" numCol="1" anchor="t" anchorCtr="0" compatLnSpc="1">
+            <a:prstTxWarp prst="textNoShape">
+              <a:avLst/>
+            </a:prstTxWarp>
+          </a:bodyPr>
+          <a:lstStyle/>
+          <a:p>
+            <a:endParaRPr lang="en-US"/>
+          </a:p>
+        </p:txBody>
+      </p:sp>
+      <p:pic>
+        <p:nvPicPr>
+          <p:cNvPr id="5" name="Picture 4">
+            <a:extLst>
+              <a:ext uri="{FF2B5EF4-FFF2-40B4-BE49-F238E27FC236}">
+                <a16:creationId xmlns:a16="http://schemas.microsoft.com/office/drawing/2014/main" id="{2A3197B1-339B-311B-7CF7-BE9B1271B969}"/>
+              </a:ext>
+            </a:extLst>
+          </p:cNvPr>
+          <p:cNvPicPr>
+            <a:picLocks noChangeAspect="1"/>
+          </p:cNvPicPr>
+          <p:nvPr/>
+        </p:nvPicPr>
+        <p:blipFill>
+          <a:blip r:embed="rId3"/>
+          <a:stretch>
+            <a:fillRect/>
+          </a:stretch>
+        </p:blipFill>
+        <p:spPr>
+          <a:xfrm>
+            <a:off x="1768349" y="107929"/>
+            <a:ext cx="9193566" cy="6642141"/>
+          </a:xfrm>
+          <a:prstGeom prst="rect">
+            <a:avLst/>
+          </a:prstGeom>
+        </p:spPr>
+      </p:pic>
+    </p:spTree>
+    <p:extLst>
+      <p:ext uri="{BB962C8B-B14F-4D97-AF65-F5344CB8AC3E}">
+        <p14:creationId xmlns:p14="http://schemas.microsoft.com/office/powerpoint/2010/main" val="1650843969"/>
+      </p:ext>
+    </p:extLst>
+  </p:cSld>
+  <p:clrMapOvr>
+    <a:masterClrMapping/>
+  </p:clrMapOvr>
+</p:sld>
+</file>
+
+<file path=ppt/slides/slide13.xml><?xml version="1.0" encoding="utf-8"?>
+<p:sld xmlns:a="http://schemas.openxmlformats.org/drawingml/2006/main" xmlns:r="http://schemas.openxmlformats.org/officeDocument/2006/relationships" xmlns:p="http://schemas.openxmlformats.org/presentationml/2006/main">
+  <p:cSld>
+    <p:spTree>
+      <p:nvGrpSpPr>
+        <p:cNvPr id="1" name="">
+          <a:extLst>
+            <a:ext uri="{FF2B5EF4-FFF2-40B4-BE49-F238E27FC236}">
+              <a16:creationId xmlns:a16="http://schemas.microsoft.com/office/drawing/2014/main" id="{426BB517-0746-1F20-4C12-CE83BCD196C9}"/>
+            </a:ext>
+          </a:extLst>
+        </p:cNvPr>
+        <p:cNvGrpSpPr/>
+        <p:nvPr/>
+      </p:nvGrpSpPr>
+      <p:grpSpPr>
+        <a:xfrm>
+          <a:off x="0" y="0"/>
+          <a:ext cx="0" cy="0"/>
+          <a:chOff x="0" y="0"/>
+          <a:chExt cx="0" cy="0"/>
+        </a:xfrm>
+      </p:grpSpPr>
+      <p:sp>
+        <p:nvSpPr>
+          <p:cNvPr id="4" name="TextBox 3">
+            <a:extLst>
+              <a:ext uri="{FF2B5EF4-FFF2-40B4-BE49-F238E27FC236}">
+                <a16:creationId xmlns:a16="http://schemas.microsoft.com/office/drawing/2014/main" id="{704A5934-A5B8-D0BA-FF93-098042F74F60}"/>
+              </a:ext>
+            </a:extLst>
+          </p:cNvPr>
+          <p:cNvSpPr txBox="1"/>
+          <p:nvPr/>
+        </p:nvSpPr>
+        <p:spPr>
+          <a:xfrm>
+            <a:off x="461736" y="395514"/>
+            <a:ext cx="5157759" cy="584775"/>
+          </a:xfrm>
+          <a:prstGeom prst="rect">
+            <a:avLst/>
+          </a:prstGeom>
+          <a:noFill/>
+        </p:spPr>
+        <p:txBody>
+          <a:bodyPr wrap="none" rtlCol="0">
+            <a:spAutoFit/>
+          </a:bodyPr>
+          <a:lstStyle/>
+          <a:p>
+            <a:r>
+              <a:rPr lang="en-US" sz="3200" b="1" u="sng" dirty="0">
+                <a:latin typeface="Times New Roman" panose="02020603050405020304" pitchFamily="18" charset="0"/>
+                <a:cs typeface="Times New Roman" panose="02020603050405020304" pitchFamily="18" charset="0"/>
+              </a:rPr>
+              <a:t>Excluding the extreme value</a:t>
+            </a:r>
+          </a:p>
+        </p:txBody>
+      </p:sp>
+      <p:pic>
+        <p:nvPicPr>
+          <p:cNvPr id="3" name="Picture 2">
+            <a:extLst>
+              <a:ext uri="{FF2B5EF4-FFF2-40B4-BE49-F238E27FC236}">
+                <a16:creationId xmlns:a16="http://schemas.microsoft.com/office/drawing/2014/main" id="{AA36CE13-50BD-824A-CB51-56CDAEE34553}"/>
+              </a:ext>
+            </a:extLst>
+          </p:cNvPr>
+          <p:cNvPicPr>
+            <a:picLocks noChangeAspect="1"/>
+          </p:cNvPicPr>
+          <p:nvPr/>
+        </p:nvPicPr>
+        <p:blipFill>
+          <a:blip r:embed="rId3"/>
+          <a:stretch>
+            <a:fillRect/>
+          </a:stretch>
+        </p:blipFill>
+        <p:spPr>
+          <a:xfrm>
+            <a:off x="0" y="1229922"/>
+            <a:ext cx="12192000" cy="2917700"/>
+          </a:xfrm>
+          <a:prstGeom prst="rect">
+            <a:avLst/>
+          </a:prstGeom>
+        </p:spPr>
+      </p:pic>
+      <p:sp>
+        <p:nvSpPr>
+          <p:cNvPr id="5" name="TextBox 4">
+            <a:extLst>
+              <a:ext uri="{FF2B5EF4-FFF2-40B4-BE49-F238E27FC236}">
+                <a16:creationId xmlns:a16="http://schemas.microsoft.com/office/drawing/2014/main" id="{5A7A03FD-07D6-1A62-8155-0905D92BBECA}"/>
+              </a:ext>
+            </a:extLst>
+          </p:cNvPr>
+          <p:cNvSpPr txBox="1"/>
+          <p:nvPr/>
+        </p:nvSpPr>
+        <p:spPr>
+          <a:xfrm>
+            <a:off x="461736" y="4313208"/>
+            <a:ext cx="11459970" cy="1477328"/>
+          </a:xfrm>
+          <a:prstGeom prst="rect">
+            <a:avLst/>
+          </a:prstGeom>
+          <a:noFill/>
+        </p:spPr>
+        <p:txBody>
+          <a:bodyPr wrap="square" rtlCol="0">
+            <a:spAutoFit/>
+          </a:bodyPr>
+          <a:lstStyle/>
+          <a:p>
+            <a:r>
+              <a:rPr lang="en-US" b="1" dirty="0"/>
+              <a:t>After removing extreme value:</a:t>
+            </a:r>
+            <a:endParaRPr lang="en-US" dirty="0"/>
+          </a:p>
+          <a:p>
+            <a:pPr marL="285750" indent="-285750">
+              <a:buFont typeface="Arial" panose="020B0604020202020204" pitchFamily="34" charset="0"/>
+              <a:buChar char="•"/>
+            </a:pPr>
+            <a:r>
+              <a:rPr lang="en-US" b="1" dirty="0"/>
+              <a:t>Income (2020):</a:t>
+            </a:r>
+            <a:r>
+              <a:rPr lang="en-US" dirty="0"/>
+              <a:t> Central quantiles align reasonably with normality; upper tail still heavy.</a:t>
+            </a:r>
+          </a:p>
+          <a:p>
+            <a:pPr marL="285750" indent="-285750">
+              <a:buFont typeface="Arial" panose="020B0604020202020204" pitchFamily="34" charset="0"/>
+              <a:buChar char="•"/>
+            </a:pPr>
+            <a:endParaRPr lang="en-US" dirty="0"/>
+          </a:p>
+          <a:p>
+            <a:pPr marL="285750" indent="-285750">
+              <a:buFont typeface="Arial" panose="020B0604020202020204" pitchFamily="34" charset="0"/>
+              <a:buChar char="•"/>
+            </a:pPr>
+            <a:r>
+              <a:rPr lang="en-US" b="1" dirty="0"/>
+              <a:t>Degree counts (2020):</a:t>
+            </a:r>
+            <a:r>
+              <a:rPr lang="en-US" dirty="0"/>
+              <a:t> S-curve persists, still markedly right-skewed; trimming reduces extremes but not the structural skew from population size.</a:t>
+            </a:r>
+          </a:p>
+        </p:txBody>
+      </p:sp>
+    </p:spTree>
+    <p:extLst>
+      <p:ext uri="{BB962C8B-B14F-4D97-AF65-F5344CB8AC3E}">
+        <p14:creationId xmlns:p14="http://schemas.microsoft.com/office/powerpoint/2010/main" val="793297126"/>
+      </p:ext>
+    </p:extLst>
+  </p:cSld>
+  <p:clrMapOvr>
+    <a:masterClrMapping/>
+  </p:clrMapOvr>
+</p:sld>
+</file>
+
+<file path=ppt/slides/slide14.xml><?xml version="1.0" encoding="utf-8"?>
+<p:sld xmlns:a="http://schemas.openxmlformats.org/drawingml/2006/main" xmlns:r="http://schemas.openxmlformats.org/officeDocument/2006/relationships" xmlns:p="http://schemas.openxmlformats.org/presentationml/2006/main">
+  <p:cSld>
+    <p:spTree>
+      <p:nvGrpSpPr>
+        <p:cNvPr id="1" name="">
+          <a:extLst>
+            <a:ext uri="{FF2B5EF4-FFF2-40B4-BE49-F238E27FC236}">
+              <a16:creationId xmlns:a16="http://schemas.microsoft.com/office/drawing/2014/main" id="{AF8DEFB0-D577-D9D5-04DC-847B065C0A45}"/>
+            </a:ext>
+          </a:extLst>
+        </p:cNvPr>
+        <p:cNvGrpSpPr/>
+        <p:nvPr/>
+      </p:nvGrpSpPr>
+      <p:grpSpPr>
+        <a:xfrm>
+          <a:off x="0" y="0"/>
+          <a:ext cx="0" cy="0"/>
+          <a:chOff x="0" y="0"/>
+          <a:chExt cx="0" cy="0"/>
+        </a:xfrm>
+      </p:grpSpPr>
+      <p:sp>
+        <p:nvSpPr>
+          <p:cNvPr id="4" name="TextBox 3">
+            <a:extLst>
+              <a:ext uri="{FF2B5EF4-FFF2-40B4-BE49-F238E27FC236}">
+                <a16:creationId xmlns:a16="http://schemas.microsoft.com/office/drawing/2014/main" id="{3DE1A63A-F993-2F79-1855-AE631CE5D42E}"/>
+              </a:ext>
+            </a:extLst>
+          </p:cNvPr>
+          <p:cNvSpPr txBox="1"/>
+          <p:nvPr/>
+        </p:nvSpPr>
+        <p:spPr>
+          <a:xfrm>
+            <a:off x="461736" y="395514"/>
+            <a:ext cx="5157759" cy="584775"/>
+          </a:xfrm>
+          <a:prstGeom prst="rect">
+            <a:avLst/>
+          </a:prstGeom>
+          <a:noFill/>
+        </p:spPr>
+        <p:txBody>
+          <a:bodyPr wrap="none" rtlCol="0">
+            <a:spAutoFit/>
+          </a:bodyPr>
+          <a:lstStyle/>
+          <a:p>
+            <a:r>
+              <a:rPr lang="en-US" sz="3200" b="1" u="sng" dirty="0">
+                <a:latin typeface="Times New Roman" panose="02020603050405020304" pitchFamily="18" charset="0"/>
+                <a:cs typeface="Times New Roman" panose="02020603050405020304" pitchFamily="18" charset="0"/>
+              </a:rPr>
+              <a:t>Excluding the extreme value</a:t>
+            </a:r>
+          </a:p>
+        </p:txBody>
+      </p:sp>
+      <p:pic>
+        <p:nvPicPr>
+          <p:cNvPr id="5" name="Picture 4">
+            <a:extLst>
+              <a:ext uri="{FF2B5EF4-FFF2-40B4-BE49-F238E27FC236}">
+                <a16:creationId xmlns:a16="http://schemas.microsoft.com/office/drawing/2014/main" id="{34CE59DC-2D74-2FE2-10E4-CB9F5A8F2293}"/>
+              </a:ext>
+            </a:extLst>
+          </p:cNvPr>
+          <p:cNvPicPr>
+            <a:picLocks noChangeAspect="1"/>
+          </p:cNvPicPr>
+          <p:nvPr/>
+        </p:nvPicPr>
+        <p:blipFill>
+          <a:blip r:embed="rId3"/>
+          <a:stretch>
+            <a:fillRect/>
+          </a:stretch>
+        </p:blipFill>
+        <p:spPr>
+          <a:xfrm>
+            <a:off x="2239946" y="980289"/>
+            <a:ext cx="7712108" cy="5502117"/>
+          </a:xfrm>
+          <a:prstGeom prst="rect">
+            <a:avLst/>
+          </a:prstGeom>
+        </p:spPr>
+      </p:pic>
+    </p:spTree>
+    <p:extLst>
+      <p:ext uri="{BB962C8B-B14F-4D97-AF65-F5344CB8AC3E}">
+        <p14:creationId xmlns:p14="http://schemas.microsoft.com/office/powerpoint/2010/main" val="2325908634"/>
+      </p:ext>
+    </p:extLst>
+  </p:cSld>
+  <p:clrMapOvr>
+    <a:masterClrMapping/>
+  </p:clrMapOvr>
+</p:sld>
+</file>
+
+<file path=ppt/slides/slide15.xml><?xml version="1.0" encoding="utf-8"?>
+<p:sld xmlns:a="http://schemas.openxmlformats.org/drawingml/2006/main" xmlns:r="http://schemas.openxmlformats.org/officeDocument/2006/relationships" xmlns:p="http://schemas.openxmlformats.org/presentationml/2006/main">
+  <p:cSld>
+    <p:spTree>
+      <p:nvGrpSpPr>
+        <p:cNvPr id="1" name="">
+          <a:extLst>
+            <a:ext uri="{FF2B5EF4-FFF2-40B4-BE49-F238E27FC236}">
+              <a16:creationId xmlns:a16="http://schemas.microsoft.com/office/drawing/2014/main" id="{FA90A1CC-024D-51BC-EB88-E2348F595C14}"/>
+            </a:ext>
+          </a:extLst>
+        </p:cNvPr>
+        <p:cNvGrpSpPr/>
+        <p:nvPr/>
+      </p:nvGrpSpPr>
+      <p:grpSpPr>
+        <a:xfrm>
+          <a:off x="0" y="0"/>
+          <a:ext cx="0" cy="0"/>
+          <a:chOff x="0" y="0"/>
+          <a:chExt cx="0" cy="0"/>
+        </a:xfrm>
+      </p:grpSpPr>
+      <p:sp>
+        <p:nvSpPr>
+          <p:cNvPr id="4" name="TextBox 3">
+            <a:extLst>
+              <a:ext uri="{FF2B5EF4-FFF2-40B4-BE49-F238E27FC236}">
+                <a16:creationId xmlns:a16="http://schemas.microsoft.com/office/drawing/2014/main" id="{1C8F0F4A-9AD3-16B7-EE24-6BC577379290}"/>
+              </a:ext>
+            </a:extLst>
+          </p:cNvPr>
+          <p:cNvSpPr txBox="1"/>
+          <p:nvPr/>
+        </p:nvSpPr>
+        <p:spPr>
+          <a:xfrm>
+            <a:off x="461736" y="395514"/>
+            <a:ext cx="5157759" cy="584775"/>
+          </a:xfrm>
+          <a:prstGeom prst="rect">
+            <a:avLst/>
+          </a:prstGeom>
+          <a:noFill/>
+        </p:spPr>
+        <p:txBody>
+          <a:bodyPr wrap="none" rtlCol="0">
+            <a:spAutoFit/>
+          </a:bodyPr>
+          <a:lstStyle/>
+          <a:p>
+            <a:r>
+              <a:rPr lang="en-US" sz="3200" b="1" u="sng" dirty="0">
+                <a:latin typeface="Times New Roman" panose="02020603050405020304" pitchFamily="18" charset="0"/>
+                <a:cs typeface="Times New Roman" panose="02020603050405020304" pitchFamily="18" charset="0"/>
+              </a:rPr>
+              <a:t>Excluding the extreme value</a:t>
+            </a:r>
+          </a:p>
+        </p:txBody>
+      </p:sp>
+      <p:pic>
+        <p:nvPicPr>
+          <p:cNvPr id="5" name="Picture 4">
+            <a:extLst>
+              <a:ext uri="{FF2B5EF4-FFF2-40B4-BE49-F238E27FC236}">
+                <a16:creationId xmlns:a16="http://schemas.microsoft.com/office/drawing/2014/main" id="{AF32D7AA-AB4A-F390-632C-1AAE9A06DDDD}"/>
+              </a:ext>
+            </a:extLst>
+          </p:cNvPr>
+          <p:cNvPicPr>
+            <a:picLocks noChangeAspect="1"/>
+          </p:cNvPicPr>
+          <p:nvPr/>
+        </p:nvPicPr>
+        <p:blipFill>
+          <a:blip r:embed="rId2"/>
+          <a:stretch>
+            <a:fillRect/>
+          </a:stretch>
+        </p:blipFill>
+        <p:spPr>
+          <a:xfrm>
+            <a:off x="1924107" y="1114148"/>
+            <a:ext cx="8343785" cy="5743852"/>
+          </a:xfrm>
+          <a:prstGeom prst="rect">
+            <a:avLst/>
+          </a:prstGeom>
+        </p:spPr>
+      </p:pic>
+    </p:spTree>
+    <p:extLst>
+      <p:ext uri="{BB962C8B-B14F-4D97-AF65-F5344CB8AC3E}">
+        <p14:creationId xmlns:p14="http://schemas.microsoft.com/office/powerpoint/2010/main" val="2605151604"/>
+      </p:ext>
+    </p:extLst>
+  </p:cSld>
+  <p:clrMapOvr>
+    <a:masterClrMapping/>
+  </p:clrMapOvr>
+</p:sld>
+</file>
+
+<file path=ppt/slides/slide16.xml><?xml version="1.0" encoding="utf-8"?>
+<p:sld xmlns:a="http://schemas.openxmlformats.org/drawingml/2006/main" xmlns:r="http://schemas.openxmlformats.org/officeDocument/2006/relationships" xmlns:p="http://schemas.openxmlformats.org/presentationml/2006/main">
+  <p:cSld>
+    <p:spTree>
+      <p:nvGrpSpPr>
+        <p:cNvPr id="1" name=""/>
+        <p:cNvGrpSpPr/>
+        <p:nvPr/>
+      </p:nvGrpSpPr>
+      <p:grpSpPr>
+        <a:xfrm>
+          <a:off x="0" y="0"/>
+          <a:ext cx="0" cy="0"/>
+          <a:chOff x="0" y="0"/>
+          <a:chExt cx="0" cy="0"/>
+        </a:xfrm>
+      </p:grpSpPr>
+      <p:pic>
+        <p:nvPicPr>
+          <p:cNvPr id="3" name="Picture 2" descr="A graph of a number of people in the state&#10;&#10;AI-generated content may be incorrect.">
+            <a:extLst>
+              <a:ext uri="{FF2B5EF4-FFF2-40B4-BE49-F238E27FC236}">
+                <a16:creationId xmlns:a16="http://schemas.microsoft.com/office/drawing/2014/main" id="{C9255FAE-767E-FFB3-B615-06ABF038049A}"/>
+              </a:ext>
+            </a:extLst>
+          </p:cNvPr>
+          <p:cNvPicPr>
+            <a:picLocks noChangeAspect="1"/>
+          </p:cNvPicPr>
+          <p:nvPr/>
+        </p:nvPicPr>
+        <p:blipFill>
+          <a:blip r:embed="rId2"/>
+          <a:stretch>
+            <a:fillRect/>
+          </a:stretch>
+        </p:blipFill>
+        <p:spPr>
+          <a:xfrm>
+            <a:off x="1916483" y="246336"/>
+            <a:ext cx="8705588" cy="6365328"/>
+          </a:xfrm>
+          <a:prstGeom prst="rect">
+            <a:avLst/>
+          </a:prstGeom>
+        </p:spPr>
+      </p:pic>
+    </p:spTree>
+    <p:extLst>
+      <p:ext uri="{BB962C8B-B14F-4D97-AF65-F5344CB8AC3E}">
+        <p14:creationId xmlns:p14="http://schemas.microsoft.com/office/powerpoint/2010/main" val="2244918165"/>
+      </p:ext>
+    </p:extLst>
+  </p:cSld>
+  <p:clrMapOvr>
+    <a:masterClrMapping/>
+  </p:clrMapOvr>
+</p:sld>
+</file>
+
+<file path=ppt/slides/slide17.xml><?xml version="1.0" encoding="utf-8"?>
+<p:sld xmlns:a="http://schemas.openxmlformats.org/drawingml/2006/main" xmlns:r="http://schemas.openxmlformats.org/officeDocument/2006/relationships" xmlns:p="http://schemas.openxmlformats.org/presentationml/2006/main">
+  <p:cSld>
+    <p:spTree>
+      <p:nvGrpSpPr>
+        <p:cNvPr id="1" name=""/>
+        <p:cNvGrpSpPr/>
+        <p:nvPr/>
+      </p:nvGrpSpPr>
+      <p:grpSpPr>
+        <a:xfrm>
+          <a:off x="0" y="0"/>
+          <a:ext cx="0" cy="0"/>
+          <a:chOff x="0" y="0"/>
+          <a:chExt cx="0" cy="0"/>
+        </a:xfrm>
+      </p:grpSpPr>
+      <p:pic>
+        <p:nvPicPr>
+          <p:cNvPr id="3" name="Picture 2" descr="A graph of a number of bachelor degree&#10;&#10;AI-generated content may be incorrect.">
+            <a:extLst>
+              <a:ext uri="{FF2B5EF4-FFF2-40B4-BE49-F238E27FC236}">
+                <a16:creationId xmlns:a16="http://schemas.microsoft.com/office/drawing/2014/main" id="{F7CFF1CD-8BC7-2D1C-30CD-92B604106EAC}"/>
+              </a:ext>
+            </a:extLst>
+          </p:cNvPr>
+          <p:cNvPicPr>
+            <a:picLocks noChangeAspect="1"/>
+          </p:cNvPicPr>
+          <p:nvPr/>
+        </p:nvPicPr>
+        <p:blipFill>
+          <a:blip r:embed="rId2"/>
+          <a:stretch>
+            <a:fillRect/>
+          </a:stretch>
+        </p:blipFill>
+        <p:spPr>
+          <a:xfrm>
+            <a:off x="2099687" y="364629"/>
+            <a:ext cx="8171656" cy="6128742"/>
+          </a:xfrm>
+          <a:prstGeom prst="rect">
+            <a:avLst/>
+          </a:prstGeom>
+        </p:spPr>
+      </p:pic>
+    </p:spTree>
+    <p:extLst>
+      <p:ext uri="{BB962C8B-B14F-4D97-AF65-F5344CB8AC3E}">
+        <p14:creationId xmlns:p14="http://schemas.microsoft.com/office/powerpoint/2010/main" val="1449077112"/>
+      </p:ext>
+    </p:extLst>
+  </p:cSld>
+  <p:clrMapOvr>
+    <a:masterClrMapping/>
+  </p:clrMapOvr>
+</p:sld>
+</file>
+
+<file path=ppt/slides/slide18.xml><?xml version="1.0" encoding="utf-8"?>
+<p:sld xmlns:a="http://schemas.openxmlformats.org/drawingml/2006/main" xmlns:r="http://schemas.openxmlformats.org/officeDocument/2006/relationships" xmlns:p="http://schemas.openxmlformats.org/presentationml/2006/main">
+  <p:cSld>
+    <p:spTree>
+      <p:nvGrpSpPr>
+        <p:cNvPr id="1" name=""/>
+        <p:cNvGrpSpPr/>
+        <p:nvPr/>
+      </p:nvGrpSpPr>
+      <p:grpSpPr>
+        <a:xfrm>
+          <a:off x="0" y="0"/>
+          <a:ext cx="0" cy="0"/>
+          <a:chOff x="0" y="0"/>
+          <a:chExt cx="0" cy="0"/>
+        </a:xfrm>
+      </p:grpSpPr>
+      <p:pic>
+        <p:nvPicPr>
+          <p:cNvPr id="3" name="Picture 2" descr="A graph of the number of associate degree from 2016-2020&#10;&#10;AI-generated content may be incorrect.">
+            <a:extLst>
+              <a:ext uri="{FF2B5EF4-FFF2-40B4-BE49-F238E27FC236}">
+                <a16:creationId xmlns:a16="http://schemas.microsoft.com/office/drawing/2014/main" id="{702BFC59-2F60-D1DA-A934-81C58629354C}"/>
+              </a:ext>
+            </a:extLst>
+          </p:cNvPr>
+          <p:cNvPicPr>
+            <a:picLocks noChangeAspect="1"/>
+          </p:cNvPicPr>
+          <p:nvPr/>
+        </p:nvPicPr>
+        <p:blipFill>
+          <a:blip r:embed="rId3"/>
+          <a:stretch>
+            <a:fillRect/>
+          </a:stretch>
+        </p:blipFill>
+        <p:spPr>
+          <a:xfrm>
+            <a:off x="2112212" y="522579"/>
+            <a:ext cx="8159130" cy="6119348"/>
+          </a:xfrm>
+          <a:prstGeom prst="rect">
+            <a:avLst/>
+          </a:prstGeom>
+        </p:spPr>
+      </p:pic>
+    </p:spTree>
+    <p:extLst>
+      <p:ext uri="{BB962C8B-B14F-4D97-AF65-F5344CB8AC3E}">
+        <p14:creationId xmlns:p14="http://schemas.microsoft.com/office/powerpoint/2010/main" val="2907142624"/>
+      </p:ext>
+    </p:extLst>
+  </p:cSld>
+  <p:clrMapOvr>
+    <a:masterClrMapping/>
+  </p:clrMapOvr>
+</p:sld>
+</file>
+
+<file path=ppt/slides/slide19.xml><?xml version="1.0" encoding="utf-8"?>
+<p:sld xmlns:a="http://schemas.openxmlformats.org/drawingml/2006/main" xmlns:r="http://schemas.openxmlformats.org/officeDocument/2006/relationships" xmlns:p="http://schemas.openxmlformats.org/presentationml/2006/main">
+  <p:cSld>
+    <p:spTree>
+      <p:nvGrpSpPr>
+        <p:cNvPr id="1" name="">
+          <a:extLst>
+            <a:ext uri="{FF2B5EF4-FFF2-40B4-BE49-F238E27FC236}">
+              <a16:creationId xmlns:a16="http://schemas.microsoft.com/office/drawing/2014/main" id="{2A488B0E-5D6B-CAAB-01D3-011481FC5E01}"/>
+            </a:ext>
+          </a:extLst>
+        </p:cNvPr>
+        <p:cNvGrpSpPr/>
+        <p:nvPr/>
+      </p:nvGrpSpPr>
+      <p:grpSpPr>
+        <a:xfrm>
+          <a:off x="0" y="0"/>
+          <a:ext cx="0" cy="0"/>
+          <a:chOff x="0" y="0"/>
+          <a:chExt cx="0" cy="0"/>
+        </a:xfrm>
+      </p:grpSpPr>
+      <p:sp>
+        <p:nvSpPr>
+          <p:cNvPr id="4" name="TextBox 3">
+            <a:extLst>
+              <a:ext uri="{FF2B5EF4-FFF2-40B4-BE49-F238E27FC236}">
+                <a16:creationId xmlns:a16="http://schemas.microsoft.com/office/drawing/2014/main" id="{49E3C3E4-4D4C-29A8-B402-44A48381F90D}"/>
+              </a:ext>
+            </a:extLst>
+          </p:cNvPr>
+          <p:cNvSpPr txBox="1"/>
+          <p:nvPr/>
+        </p:nvSpPr>
+        <p:spPr>
+          <a:xfrm>
+            <a:off x="461736" y="395514"/>
+            <a:ext cx="4607352" cy="584775"/>
+          </a:xfrm>
+          <a:prstGeom prst="rect">
+            <a:avLst/>
+          </a:prstGeom>
+          <a:noFill/>
+        </p:spPr>
+        <p:txBody>
+          <a:bodyPr wrap="none" rtlCol="0">
+            <a:spAutoFit/>
+          </a:bodyPr>
+          <a:lstStyle/>
+          <a:p>
+            <a:r>
+              <a:rPr lang="en-US" sz="3200" b="1" u="sng" dirty="0">
+                <a:latin typeface="Times New Roman" panose="02020603050405020304" pitchFamily="18" charset="0"/>
+                <a:cs typeface="Times New Roman" panose="02020603050405020304" pitchFamily="18" charset="0"/>
+              </a:rPr>
+              <a:t>95% Confidence Interval</a:t>
+            </a:r>
+          </a:p>
+        </p:txBody>
+      </p:sp>
+      <p:pic>
+        <p:nvPicPr>
+          <p:cNvPr id="3" name="Picture 2">
+            <a:extLst>
+              <a:ext uri="{FF2B5EF4-FFF2-40B4-BE49-F238E27FC236}">
+                <a16:creationId xmlns:a16="http://schemas.microsoft.com/office/drawing/2014/main" id="{4A50AED7-D87C-AD51-0442-35C869918FE7}"/>
+              </a:ext>
+            </a:extLst>
+          </p:cNvPr>
+          <p:cNvPicPr>
+            <a:picLocks noChangeAspect="1"/>
+          </p:cNvPicPr>
+          <p:nvPr/>
+        </p:nvPicPr>
+        <p:blipFill>
+          <a:blip r:embed="rId2"/>
+          <a:srcRect l="4615" t="8237" r="3966" b="7923"/>
+          <a:stretch>
+            <a:fillRect/>
+          </a:stretch>
+        </p:blipFill>
+        <p:spPr>
+          <a:xfrm>
+            <a:off x="257235" y="1329813"/>
+            <a:ext cx="11839417" cy="4198374"/>
+          </a:xfrm>
+          <a:prstGeom prst="rect">
+            <a:avLst/>
+          </a:prstGeom>
+        </p:spPr>
+      </p:pic>
+    </p:spTree>
+    <p:extLst>
+      <p:ext uri="{BB962C8B-B14F-4D97-AF65-F5344CB8AC3E}">
+        <p14:creationId xmlns:p14="http://schemas.microsoft.com/office/powerpoint/2010/main" val="1555466971"/>
+      </p:ext>
+    </p:extLst>
+  </p:cSld>
+  <p:clrMapOvr>
+    <a:masterClrMapping/>
+  </p:clrMapOvr>
+</p:sld>
+</file>
+
+<file path=ppt/slides/slide2.xml><?xml version="1.0" encoding="utf-8"?>
+<p:sld xmlns:a="http://schemas.openxmlformats.org/drawingml/2006/main" xmlns:r="http://schemas.openxmlformats.org/officeDocument/2006/relationships" xmlns:p="http://schemas.openxmlformats.org/presentationml/2006/main">
+  <p:cSld>
+    <p:spTree>
+      <p:nvGrpSpPr>
+        <p:cNvPr id="1" name=""/>
+        <p:cNvGrpSpPr/>
+        <p:nvPr/>
+      </p:nvGrpSpPr>
+      <p:grpSpPr>
+        <a:xfrm>
+          <a:off x="0" y="0"/>
+          <a:ext cx="0" cy="0"/>
+          <a:chOff x="0" y="0"/>
+          <a:chExt cx="0" cy="0"/>
+        </a:xfrm>
+      </p:grpSpPr>
+      <p:sp>
+        <p:nvSpPr>
+          <p:cNvPr id="4" name="TextBox 3">
+            <a:extLst>
+              <a:ext uri="{FF2B5EF4-FFF2-40B4-BE49-F238E27FC236}">
+                <a16:creationId xmlns:a16="http://schemas.microsoft.com/office/drawing/2014/main" id="{02681B5D-FCF3-79FD-E7FC-4EFF68A946E2}"/>
+              </a:ext>
+            </a:extLst>
+          </p:cNvPr>
+          <p:cNvSpPr txBox="1"/>
+          <p:nvPr/>
+        </p:nvSpPr>
+        <p:spPr>
+          <a:xfrm>
+            <a:off x="461736" y="395514"/>
+            <a:ext cx="3301930" cy="584775"/>
+          </a:xfrm>
+          <a:prstGeom prst="rect">
+            <a:avLst/>
+          </a:prstGeom>
+          <a:noFill/>
+        </p:spPr>
+        <p:txBody>
+          <a:bodyPr wrap="none" rtlCol="0">
+            <a:spAutoFit/>
+          </a:bodyPr>
+          <a:lstStyle/>
+          <a:p>
+            <a:r>
+              <a:rPr lang="en-US" sz="3200" b="1" u="sng" dirty="0">
+                <a:latin typeface="Times New Roman" panose="02020603050405020304" pitchFamily="18" charset="0"/>
+                <a:cs typeface="Times New Roman" panose="02020603050405020304" pitchFamily="18" charset="0"/>
+              </a:rPr>
+              <a:t>Dataset Overview</a:t>
+            </a:r>
+          </a:p>
+        </p:txBody>
+      </p:sp>
+      <p:pic>
+        <p:nvPicPr>
+          <p:cNvPr id="9" name="Picture 8">
+            <a:extLst>
+              <a:ext uri="{FF2B5EF4-FFF2-40B4-BE49-F238E27FC236}">
+                <a16:creationId xmlns:a16="http://schemas.microsoft.com/office/drawing/2014/main" id="{5D7148E2-4CFC-F71B-5139-B66C76EBFB03}"/>
+              </a:ext>
+            </a:extLst>
+          </p:cNvPr>
+          <p:cNvPicPr>
+            <a:picLocks noChangeAspect="1"/>
+          </p:cNvPicPr>
+          <p:nvPr/>
+        </p:nvPicPr>
+        <p:blipFill>
+          <a:blip r:embed="rId2"/>
+          <a:stretch>
+            <a:fillRect/>
+          </a:stretch>
+        </p:blipFill>
+        <p:spPr>
+          <a:xfrm>
+            <a:off x="461736" y="1234440"/>
+            <a:ext cx="11364504" cy="5120640"/>
+          </a:xfrm>
+          <a:prstGeom prst="rect">
+            <a:avLst/>
+          </a:prstGeom>
+        </p:spPr>
+      </p:pic>
+    </p:spTree>
+    <p:extLst>
+      <p:ext uri="{BB962C8B-B14F-4D97-AF65-F5344CB8AC3E}">
+        <p14:creationId xmlns:p14="http://schemas.microsoft.com/office/powerpoint/2010/main" val="614491175"/>
+      </p:ext>
+    </p:extLst>
+  </p:cSld>
+  <p:clrMapOvr>
+    <a:masterClrMapping/>
+  </p:clrMapOvr>
+</p:sld>
+</file>
+
+<file path=ppt/slides/slide20.xml><?xml version="1.0" encoding="utf-8"?>
+<p:sld xmlns:a="http://schemas.openxmlformats.org/drawingml/2006/main" xmlns:r="http://schemas.openxmlformats.org/officeDocument/2006/relationships" xmlns:p="http://schemas.openxmlformats.org/presentationml/2006/main">
+  <p:cSld>
+    <p:spTree>
+      <p:nvGrpSpPr>
+        <p:cNvPr id="1" name=""/>
+        <p:cNvGrpSpPr/>
+        <p:nvPr/>
+      </p:nvGrpSpPr>
+      <p:grpSpPr>
+        <a:xfrm>
+          <a:off x="0" y="0"/>
+          <a:ext cx="0" cy="0"/>
+          <a:chOff x="0" y="0"/>
+          <a:chExt cx="0" cy="0"/>
+        </a:xfrm>
+      </p:grpSpPr>
+      <p:sp>
+        <p:nvSpPr>
+          <p:cNvPr id="3" name="TextBox 2">
+            <a:extLst>
+              <a:ext uri="{FF2B5EF4-FFF2-40B4-BE49-F238E27FC236}">
+                <a16:creationId xmlns:a16="http://schemas.microsoft.com/office/drawing/2014/main" id="{02BD265F-EF7D-5918-4C16-560706280362}"/>
+              </a:ext>
+            </a:extLst>
+          </p:cNvPr>
+          <p:cNvSpPr txBox="1"/>
+          <p:nvPr/>
+        </p:nvSpPr>
+        <p:spPr>
+          <a:xfrm>
+            <a:off x="266176" y="516790"/>
+            <a:ext cx="9679488" cy="584775"/>
+          </a:xfrm>
+          <a:prstGeom prst="rect">
+            <a:avLst/>
+          </a:prstGeom>
+          <a:noFill/>
+        </p:spPr>
+        <p:txBody>
+          <a:bodyPr wrap="square">
+            <a:spAutoFit/>
+          </a:bodyPr>
+          <a:lstStyle/>
+          <a:p>
+            <a:r>
+              <a:rPr lang="en-US" sz="3200" b="1" u="sng" dirty="0">
+                <a:latin typeface="Times New Roman" panose="02020603050405020304" pitchFamily="18" charset="0"/>
+                <a:cs typeface="Times New Roman" panose="02020603050405020304" pitchFamily="18" charset="0"/>
+              </a:rPr>
+              <a:t>Per Capita Income Between Years</a:t>
+            </a:r>
+          </a:p>
+        </p:txBody>
+      </p:sp>
+      <p:sp>
+        <p:nvSpPr>
+          <p:cNvPr id="4" name="TextBox 3">
+            <a:extLst>
+              <a:ext uri="{FF2B5EF4-FFF2-40B4-BE49-F238E27FC236}">
+                <a16:creationId xmlns:a16="http://schemas.microsoft.com/office/drawing/2014/main" id="{35D6AACA-3753-6F90-1446-4E33183FCEFF}"/>
+              </a:ext>
+            </a:extLst>
+          </p:cNvPr>
+          <p:cNvSpPr txBox="1"/>
+          <p:nvPr/>
+        </p:nvSpPr>
+        <p:spPr>
+          <a:xfrm>
+            <a:off x="266176" y="1703540"/>
+            <a:ext cx="10193057" cy="4031873"/>
+          </a:xfrm>
+          <a:prstGeom prst="rect">
+            <a:avLst/>
+          </a:prstGeom>
+          <a:noFill/>
+        </p:spPr>
+        <p:txBody>
+          <a:bodyPr wrap="square" rtlCol="0">
+            <a:spAutoFit/>
+          </a:bodyPr>
+          <a:lstStyle/>
+          <a:p>
+            <a:r>
+              <a:rPr lang="en-US" sz="3200" b="1" dirty="0"/>
+              <a:t>ANOVA Test Assumptions:</a:t>
+            </a:r>
+          </a:p>
+          <a:p>
+            <a:endParaRPr lang="en-US" sz="3200" dirty="0"/>
+          </a:p>
+          <a:p>
+            <a:pPr marL="342900" indent="-342900">
+              <a:buAutoNum type="arabicPeriod"/>
+            </a:pPr>
+            <a:r>
+              <a:rPr lang="en-US" sz="3200" b="1" dirty="0"/>
+              <a:t>Normality</a:t>
+            </a:r>
+          </a:p>
+          <a:p>
+            <a:pPr marL="342900" indent="-342900">
+              <a:buAutoNum type="arabicPeriod"/>
+            </a:pPr>
+            <a:endParaRPr lang="en-US" sz="3200" b="1" dirty="0"/>
+          </a:p>
+          <a:p>
+            <a:r>
+              <a:rPr lang="en-US" sz="3200" b="1" dirty="0"/>
+              <a:t>2. Homogeneity of variances</a:t>
+            </a:r>
+          </a:p>
+          <a:p>
+            <a:endParaRPr lang="en-US" sz="3200" b="1" dirty="0"/>
+          </a:p>
+          <a:p>
+            <a:r>
+              <a:rPr lang="en-US" sz="3200" b="1" dirty="0"/>
+              <a:t>3. Independence of error (Can be assumed when sample is randomly selected)</a:t>
+            </a:r>
+            <a:endParaRPr lang="en-US" sz="3200" dirty="0"/>
+          </a:p>
+        </p:txBody>
+      </p:sp>
+    </p:spTree>
+    <p:extLst>
+      <p:ext uri="{BB962C8B-B14F-4D97-AF65-F5344CB8AC3E}">
+        <p14:creationId xmlns:p14="http://schemas.microsoft.com/office/powerpoint/2010/main" val="2565440189"/>
+      </p:ext>
+    </p:extLst>
+  </p:cSld>
+  <p:clrMapOvr>
+    <a:masterClrMapping/>
+  </p:clrMapOvr>
+</p:sld>
+</file>
+
+<file path=ppt/slides/slide21.xml><?xml version="1.0" encoding="utf-8"?>
+<p:sld xmlns:a="http://schemas.openxmlformats.org/drawingml/2006/main" xmlns:r="http://schemas.openxmlformats.org/officeDocument/2006/relationships" xmlns:p="http://schemas.openxmlformats.org/presentationml/2006/main">
+  <p:cSld>
+    <p:spTree>
+      <p:nvGrpSpPr>
+        <p:cNvPr id="1" name=""/>
+        <p:cNvGrpSpPr/>
+        <p:nvPr/>
+      </p:nvGrpSpPr>
+      <p:grpSpPr>
+        <a:xfrm>
+          <a:off x="0" y="0"/>
+          <a:ext cx="0" cy="0"/>
+          <a:chOff x="0" y="0"/>
+          <a:chExt cx="0" cy="0"/>
+        </a:xfrm>
+      </p:grpSpPr>
+      <p:sp>
+        <p:nvSpPr>
+          <p:cNvPr id="3" name="TextBox 2">
+            <a:extLst>
+              <a:ext uri="{FF2B5EF4-FFF2-40B4-BE49-F238E27FC236}">
+                <a16:creationId xmlns:a16="http://schemas.microsoft.com/office/drawing/2014/main" id="{ACA00EA7-63ED-CF8D-E497-6578CC522C01}"/>
+              </a:ext>
+            </a:extLst>
+          </p:cNvPr>
+          <p:cNvSpPr txBox="1"/>
+          <p:nvPr/>
+        </p:nvSpPr>
+        <p:spPr>
+          <a:xfrm>
+            <a:off x="391438" y="366479"/>
+            <a:ext cx="6093912" cy="584775"/>
+          </a:xfrm>
+          <a:prstGeom prst="rect">
+            <a:avLst/>
+          </a:prstGeom>
+          <a:noFill/>
+        </p:spPr>
+        <p:txBody>
+          <a:bodyPr wrap="square">
+            <a:spAutoFit/>
+          </a:bodyPr>
+          <a:lstStyle/>
+          <a:p>
+            <a:r>
+              <a:rPr lang="en-US" sz="3200" b="1" dirty="0"/>
+              <a:t>Normality</a:t>
+            </a:r>
+            <a:endParaRPr lang="en-US" sz="3200" dirty="0"/>
+          </a:p>
+        </p:txBody>
+      </p:sp>
+      <p:pic>
+        <p:nvPicPr>
+          <p:cNvPr id="5" name="Picture 4" descr="A graph with a red line&#10;&#10;AI-generated content may be incorrect.">
+            <a:extLst>
+              <a:ext uri="{FF2B5EF4-FFF2-40B4-BE49-F238E27FC236}">
+                <a16:creationId xmlns:a16="http://schemas.microsoft.com/office/drawing/2014/main" id="{90C8DB12-46B3-8CA7-77F5-A357738B9E6B}"/>
+              </a:ext>
+            </a:extLst>
+          </p:cNvPr>
+          <p:cNvPicPr>
+            <a:picLocks noChangeAspect="1"/>
+          </p:cNvPicPr>
+          <p:nvPr/>
+        </p:nvPicPr>
+        <p:blipFill>
+          <a:blip r:embed="rId2"/>
+          <a:stretch>
+            <a:fillRect/>
+          </a:stretch>
+        </p:blipFill>
+        <p:spPr>
+          <a:xfrm>
+            <a:off x="0" y="951254"/>
+            <a:ext cx="6093911" cy="4615841"/>
+          </a:xfrm>
+          <a:prstGeom prst="rect">
+            <a:avLst/>
+          </a:prstGeom>
+        </p:spPr>
+      </p:pic>
+      <p:pic>
+        <p:nvPicPr>
+          <p:cNvPr id="7" name="Picture 6" descr="A graph with a red line&#10;&#10;AI-generated content may be incorrect.">
+            <a:extLst>
+              <a:ext uri="{FF2B5EF4-FFF2-40B4-BE49-F238E27FC236}">
+                <a16:creationId xmlns:a16="http://schemas.microsoft.com/office/drawing/2014/main" id="{6E65D9CD-DEA4-C822-B134-E3431095CCBE}"/>
+              </a:ext>
+            </a:extLst>
+          </p:cNvPr>
+          <p:cNvPicPr>
+            <a:picLocks noChangeAspect="1"/>
+          </p:cNvPicPr>
+          <p:nvPr/>
+        </p:nvPicPr>
+        <p:blipFill>
+          <a:blip r:embed="rId3"/>
+          <a:stretch>
+            <a:fillRect/>
+          </a:stretch>
+        </p:blipFill>
+        <p:spPr>
+          <a:xfrm>
+            <a:off x="5646107" y="951253"/>
+            <a:ext cx="6154455" cy="4615841"/>
+          </a:xfrm>
+          <a:prstGeom prst="rect">
+            <a:avLst/>
+          </a:prstGeom>
+        </p:spPr>
+      </p:pic>
+    </p:spTree>
+    <p:extLst>
+      <p:ext uri="{BB962C8B-B14F-4D97-AF65-F5344CB8AC3E}">
+        <p14:creationId xmlns:p14="http://schemas.microsoft.com/office/powerpoint/2010/main" val="2278360767"/>
+      </p:ext>
+    </p:extLst>
+  </p:cSld>
+  <p:clrMapOvr>
+    <a:masterClrMapping/>
+  </p:clrMapOvr>
+</p:sld>
+</file>
+
+<file path=ppt/slides/slide22.xml><?xml version="1.0" encoding="utf-8"?>
+<p:sld xmlns:a="http://schemas.openxmlformats.org/drawingml/2006/main" xmlns:r="http://schemas.openxmlformats.org/officeDocument/2006/relationships" xmlns:p="http://schemas.openxmlformats.org/presentationml/2006/main">
+  <p:cSld>
+    <p:spTree>
+      <p:nvGrpSpPr>
+        <p:cNvPr id="1" name=""/>
+        <p:cNvGrpSpPr/>
+        <p:nvPr/>
+      </p:nvGrpSpPr>
+      <p:grpSpPr>
+        <a:xfrm>
+          <a:off x="0" y="0"/>
+          <a:ext cx="0" cy="0"/>
+          <a:chOff x="0" y="0"/>
+          <a:chExt cx="0" cy="0"/>
+        </a:xfrm>
+      </p:grpSpPr>
+      <p:sp>
+        <p:nvSpPr>
+          <p:cNvPr id="3" name="TextBox 2">
+            <a:extLst>
+              <a:ext uri="{FF2B5EF4-FFF2-40B4-BE49-F238E27FC236}">
+                <a16:creationId xmlns:a16="http://schemas.microsoft.com/office/drawing/2014/main" id="{C4402B0E-EEE4-33F7-EEAF-A5D0BB771624}"/>
+              </a:ext>
+            </a:extLst>
+          </p:cNvPr>
+          <p:cNvSpPr txBox="1"/>
+          <p:nvPr/>
+        </p:nvSpPr>
+        <p:spPr>
+          <a:xfrm>
+            <a:off x="178496" y="191114"/>
+            <a:ext cx="6093912" cy="584775"/>
+          </a:xfrm>
+          <a:prstGeom prst="rect">
+            <a:avLst/>
+          </a:prstGeom>
+          <a:noFill/>
+        </p:spPr>
+        <p:txBody>
+          <a:bodyPr wrap="square">
+            <a:spAutoFit/>
+          </a:bodyPr>
+          <a:lstStyle/>
+          <a:p>
+            <a:r>
+              <a:rPr lang="en-US" sz="3200" b="1" dirty="0"/>
+              <a:t> Homogeneity of variances</a:t>
+            </a:r>
+          </a:p>
+        </p:txBody>
+      </p:sp>
+      <p:pic>
+        <p:nvPicPr>
+          <p:cNvPr id="5" name="Picture 4">
+            <a:extLst>
+              <a:ext uri="{FF2B5EF4-FFF2-40B4-BE49-F238E27FC236}">
+                <a16:creationId xmlns:a16="http://schemas.microsoft.com/office/drawing/2014/main" id="{153D3488-C886-4C4D-5DF0-321881B4D598}"/>
+              </a:ext>
+            </a:extLst>
+          </p:cNvPr>
+          <p:cNvPicPr>
+            <a:picLocks noChangeAspect="1"/>
+          </p:cNvPicPr>
+          <p:nvPr/>
+        </p:nvPicPr>
+        <p:blipFill>
+          <a:blip r:embed="rId2"/>
+          <a:stretch>
+            <a:fillRect/>
+          </a:stretch>
+        </p:blipFill>
+        <p:spPr>
+          <a:xfrm>
+            <a:off x="0" y="3316266"/>
+            <a:ext cx="12199829" cy="2445752"/>
+          </a:xfrm>
+          <a:prstGeom prst="rect">
+            <a:avLst/>
+          </a:prstGeom>
+        </p:spPr>
+      </p:pic>
+      <p:sp>
+        <p:nvSpPr>
+          <p:cNvPr id="6" name="TextBox 5">
+            <a:extLst>
+              <a:ext uri="{FF2B5EF4-FFF2-40B4-BE49-F238E27FC236}">
+                <a16:creationId xmlns:a16="http://schemas.microsoft.com/office/drawing/2014/main" id="{B9534755-CEF5-F637-1484-8AAA9DBE776D}"/>
+              </a:ext>
+            </a:extLst>
+          </p:cNvPr>
+          <p:cNvSpPr txBox="1"/>
+          <p:nvPr/>
+        </p:nvSpPr>
+        <p:spPr>
+          <a:xfrm>
+            <a:off x="563670" y="1418176"/>
+            <a:ext cx="8993687" cy="1569660"/>
+          </a:xfrm>
+          <a:prstGeom prst="rect">
+            <a:avLst/>
+          </a:prstGeom>
+          <a:noFill/>
+        </p:spPr>
+        <p:txBody>
+          <a:bodyPr wrap="square" rtlCol="0">
+            <a:spAutoFit/>
+          </a:bodyPr>
+          <a:lstStyle/>
+          <a:p>
+            <a:r>
+              <a:rPr lang="en-US" sz="3200" dirty="0"/>
+              <a:t>Null Hypothesis: Variances are equal across years</a:t>
+            </a:r>
+          </a:p>
+          <a:p>
+            <a:endParaRPr lang="en-US" sz="3200" dirty="0"/>
+          </a:p>
+          <a:p>
+            <a:r>
+              <a:rPr lang="en-US" sz="3200" dirty="0"/>
+              <a:t>Alternative Hypothesis: Variances are not equal</a:t>
+            </a:r>
+          </a:p>
+        </p:txBody>
+      </p:sp>
+    </p:spTree>
+    <p:extLst>
+      <p:ext uri="{BB962C8B-B14F-4D97-AF65-F5344CB8AC3E}">
+        <p14:creationId xmlns:p14="http://schemas.microsoft.com/office/powerpoint/2010/main" val="623740820"/>
+      </p:ext>
+    </p:extLst>
+  </p:cSld>
+  <p:clrMapOvr>
+    <a:masterClrMapping/>
+  </p:clrMapOvr>
+</p:sld>
+</file>
+
+<file path=ppt/slides/slide23.xml><?xml version="1.0" encoding="utf-8"?>
+<p:sld xmlns:a="http://schemas.openxmlformats.org/drawingml/2006/main" xmlns:r="http://schemas.openxmlformats.org/officeDocument/2006/relationships" xmlns:p="http://schemas.openxmlformats.org/presentationml/2006/main">
+  <p:cSld>
+    <p:spTree>
+      <p:nvGrpSpPr>
+        <p:cNvPr id="1" name=""/>
+        <p:cNvGrpSpPr/>
+        <p:nvPr/>
+      </p:nvGrpSpPr>
+      <p:grpSpPr>
+        <a:xfrm>
+          <a:off x="0" y="0"/>
+          <a:ext cx="0" cy="0"/>
+          <a:chOff x="0" y="0"/>
+          <a:chExt cx="0" cy="0"/>
+        </a:xfrm>
+      </p:grpSpPr>
+      <p:pic>
+        <p:nvPicPr>
+          <p:cNvPr id="3" name="Picture 2" descr="A graph of a number of blue squares&#10;&#10;AI-generated content may be incorrect.">
+            <a:extLst>
+              <a:ext uri="{FF2B5EF4-FFF2-40B4-BE49-F238E27FC236}">
+                <a16:creationId xmlns:a16="http://schemas.microsoft.com/office/drawing/2014/main" id="{060B7FE0-5D16-C642-8289-2ADA180D98A0}"/>
+              </a:ext>
+            </a:extLst>
+          </p:cNvPr>
+          <p:cNvPicPr>
+            <a:picLocks noChangeAspect="1"/>
+          </p:cNvPicPr>
+          <p:nvPr/>
+        </p:nvPicPr>
+        <p:blipFill>
+          <a:blip r:embed="rId2"/>
+          <a:stretch>
+            <a:fillRect/>
+          </a:stretch>
+        </p:blipFill>
+        <p:spPr>
+          <a:xfrm>
+            <a:off x="2122906" y="449179"/>
+            <a:ext cx="7946188" cy="5959641"/>
+          </a:xfrm>
+          <a:prstGeom prst="rect">
+            <a:avLst/>
+          </a:prstGeom>
+        </p:spPr>
+      </p:pic>
+    </p:spTree>
+    <p:extLst>
+      <p:ext uri="{BB962C8B-B14F-4D97-AF65-F5344CB8AC3E}">
+        <p14:creationId xmlns:p14="http://schemas.microsoft.com/office/powerpoint/2010/main" val="229396946"/>
+      </p:ext>
+    </p:extLst>
+  </p:cSld>
+  <p:clrMapOvr>
+    <a:masterClrMapping/>
+  </p:clrMapOvr>
+</p:sld>
+</file>
+
+<file path=ppt/slides/slide24.xml><?xml version="1.0" encoding="utf-8"?>
 <p:sld xmlns:a="http://schemas.openxmlformats.org/drawingml/2006/main" xmlns:r="http://schemas.openxmlformats.org/officeDocument/2006/relationships" xmlns:p="http://schemas.openxmlformats.org/presentationml/2006/main">
   <p:cSld>
     <p:bg>
@@ -3854,7 +6158,7 @@
 </p:sld>
 </file>
 
-<file path=ppt/slides/slide12.xml><?xml version="1.0" encoding="utf-8"?>
+<file path=ppt/slides/slide25.xml><?xml version="1.0" encoding="utf-8"?>
 <p:sld xmlns:a="http://schemas.openxmlformats.org/drawingml/2006/main" xmlns:r="http://schemas.openxmlformats.org/officeDocument/2006/relationships" xmlns:p="http://schemas.openxmlformats.org/presentationml/2006/main">
   <p:cSld>
     <p:spTree>
@@ -4160,7 +6464,617 @@
 </p:sld>
 </file>
 
-<file path=ppt/slides/slide13.xml><?xml version="1.0" encoding="utf-8"?>
+<file path=ppt/slides/slide26.xml><?xml version="1.0" encoding="utf-8"?>
+<p:sld xmlns:a="http://schemas.openxmlformats.org/drawingml/2006/main" xmlns:r="http://schemas.openxmlformats.org/officeDocument/2006/relationships" xmlns:p="http://schemas.openxmlformats.org/presentationml/2006/main">
+  <p:cSld>
+    <p:spTree>
+      <p:nvGrpSpPr>
+        <p:cNvPr id="1" name="">
+          <a:extLst>
+            <a:ext uri="{FF2B5EF4-FFF2-40B4-BE49-F238E27FC236}">
+              <a16:creationId xmlns:a16="http://schemas.microsoft.com/office/drawing/2014/main" id="{B59FAA6C-C120-C1D3-8FB0-21E03A0270E4}"/>
+            </a:ext>
+          </a:extLst>
+        </p:cNvPr>
+        <p:cNvGrpSpPr/>
+        <p:nvPr/>
+      </p:nvGrpSpPr>
+      <p:grpSpPr>
+        <a:xfrm>
+          <a:off x="0" y="0"/>
+          <a:ext cx="0" cy="0"/>
+          <a:chOff x="0" y="0"/>
+          <a:chExt cx="0" cy="0"/>
+        </a:xfrm>
+      </p:grpSpPr>
+      <p:sp>
+        <p:nvSpPr>
+          <p:cNvPr id="9" name="TextBox 8">
+            <a:extLst>
+              <a:ext uri="{FF2B5EF4-FFF2-40B4-BE49-F238E27FC236}">
+                <a16:creationId xmlns:a16="http://schemas.microsoft.com/office/drawing/2014/main" id="{F7D9041A-EF35-BD7E-9D9B-441F924E1670}"/>
+              </a:ext>
+            </a:extLst>
+          </p:cNvPr>
+          <p:cNvSpPr txBox="1"/>
+          <p:nvPr/>
+        </p:nvSpPr>
+        <p:spPr>
+          <a:xfrm>
+            <a:off x="461736" y="395514"/>
+            <a:ext cx="3176191" cy="584775"/>
+          </a:xfrm>
+          <a:prstGeom prst="rect">
+            <a:avLst/>
+          </a:prstGeom>
+          <a:noFill/>
+        </p:spPr>
+        <p:txBody>
+          <a:bodyPr wrap="none" rtlCol="0">
+            <a:spAutoFit/>
+          </a:bodyPr>
+          <a:lstStyle/>
+          <a:p>
+            <a:r>
+              <a:rPr lang="en-US" sz="3200" b="1" u="sng" dirty="0">
+                <a:latin typeface="Times New Roman" panose="02020603050405020304" pitchFamily="18" charset="0"/>
+                <a:cs typeface="Times New Roman" panose="02020603050405020304" pitchFamily="18" charset="0"/>
+              </a:rPr>
+              <a:t>Chi-Squares Test</a:t>
+            </a:r>
+          </a:p>
+        </p:txBody>
+      </p:sp>
+      <p:sp>
+        <p:nvSpPr>
+          <p:cNvPr id="10" name="TextBox 9">
+            <a:extLst>
+              <a:ext uri="{FF2B5EF4-FFF2-40B4-BE49-F238E27FC236}">
+                <a16:creationId xmlns:a16="http://schemas.microsoft.com/office/drawing/2014/main" id="{A0FC1E1E-6A3C-E742-0BA7-3821B1104C97}"/>
+              </a:ext>
+            </a:extLst>
+          </p:cNvPr>
+          <p:cNvSpPr txBox="1"/>
+          <p:nvPr/>
+        </p:nvSpPr>
+        <p:spPr>
+          <a:xfrm>
+            <a:off x="461736" y="1134773"/>
+            <a:ext cx="3462936" cy="400110"/>
+          </a:xfrm>
+          <a:prstGeom prst="rect">
+            <a:avLst/>
+          </a:prstGeom>
+          <a:noFill/>
+        </p:spPr>
+        <p:txBody>
+          <a:bodyPr wrap="none" rtlCol="0">
+            <a:spAutoFit/>
+          </a:bodyPr>
+          <a:lstStyle/>
+          <a:p>
+            <a:r>
+              <a:rPr lang="en-US" sz="2000" b="1" i="1" dirty="0">
+                <a:solidFill>
+                  <a:schemeClr val="tx2">
+                    <a:lumMod val="75000"/>
+                    <a:lumOff val="25000"/>
+                  </a:schemeClr>
+                </a:solidFill>
+              </a:rPr>
+              <a:t>Personal Income vs. Gender</a:t>
+            </a:r>
+          </a:p>
+        </p:txBody>
+      </p:sp>
+      <p:sp>
+        <p:nvSpPr>
+          <p:cNvPr id="5" name="TextBox 4">
+            <a:extLst>
+              <a:ext uri="{FF2B5EF4-FFF2-40B4-BE49-F238E27FC236}">
+                <a16:creationId xmlns:a16="http://schemas.microsoft.com/office/drawing/2014/main" id="{FBBBCA05-C604-B110-D755-5E3A3302B9C5}"/>
+              </a:ext>
+            </a:extLst>
+          </p:cNvPr>
+          <p:cNvSpPr txBox="1"/>
+          <p:nvPr/>
+        </p:nvSpPr>
+        <p:spPr>
+          <a:xfrm>
+            <a:off x="461736" y="1534883"/>
+            <a:ext cx="5516154" cy="1477328"/>
+          </a:xfrm>
+          <a:prstGeom prst="rect">
+            <a:avLst/>
+          </a:prstGeom>
+          <a:noFill/>
+        </p:spPr>
+        <p:txBody>
+          <a:bodyPr wrap="square">
+            <a:spAutoFit/>
+          </a:bodyPr>
+          <a:lstStyle/>
+          <a:p>
+            <a:r>
+              <a:rPr lang="en-US" b="1" dirty="0"/>
+              <a:t>Hypotheses</a:t>
+            </a:r>
+          </a:p>
+          <a:p>
+            <a:r>
+              <a:rPr lang="en-US" dirty="0"/>
+              <a:t>H0: Gender composition is the same in every income quartile</a:t>
+            </a:r>
+          </a:p>
+          <a:p>
+            <a:r>
+              <a:rPr lang="en-US" dirty="0"/>
+              <a:t>H1: Gender composition differs for at least one income quartile.</a:t>
+            </a:r>
+          </a:p>
+        </p:txBody>
+      </p:sp>
+      <p:pic>
+        <p:nvPicPr>
+          <p:cNvPr id="11" name="Picture 10">
+            <a:extLst>
+              <a:ext uri="{FF2B5EF4-FFF2-40B4-BE49-F238E27FC236}">
+                <a16:creationId xmlns:a16="http://schemas.microsoft.com/office/drawing/2014/main" id="{4D35476A-8AC6-987C-BB88-8994BD9C25D8}"/>
+              </a:ext>
+            </a:extLst>
+          </p:cNvPr>
+          <p:cNvPicPr>
+            <a:picLocks noChangeAspect="1"/>
+          </p:cNvPicPr>
+          <p:nvPr/>
+        </p:nvPicPr>
+        <p:blipFill>
+          <a:blip r:embed="rId2"/>
+          <a:stretch>
+            <a:fillRect/>
+          </a:stretch>
+        </p:blipFill>
+        <p:spPr>
+          <a:xfrm>
+            <a:off x="461736" y="3166695"/>
+            <a:ext cx="5052096" cy="1076475"/>
+          </a:xfrm>
+          <a:prstGeom prst="rect">
+            <a:avLst/>
+          </a:prstGeom>
+        </p:spPr>
+      </p:pic>
+      <p:graphicFrame>
+        <p:nvGraphicFramePr>
+          <p:cNvPr id="18" name="Table 17">
+            <a:extLst>
+              <a:ext uri="{FF2B5EF4-FFF2-40B4-BE49-F238E27FC236}">
+                <a16:creationId xmlns:a16="http://schemas.microsoft.com/office/drawing/2014/main" id="{7340DA83-D9EF-0D31-C155-281C3BF4D901}"/>
+              </a:ext>
+            </a:extLst>
+          </p:cNvPr>
+          <p:cNvGraphicFramePr>
+            <a:graphicFrameLocks noGrp="1"/>
+          </p:cNvGraphicFramePr>
+          <p:nvPr>
+            <p:extLst>
+              <p:ext uri="{D42A27DB-BD31-4B8C-83A1-F6EECF244321}">
+                <p14:modId xmlns:p14="http://schemas.microsoft.com/office/powerpoint/2010/main" val="3182785267"/>
+              </p:ext>
+            </p:extLst>
+          </p:nvPr>
+        </p:nvGraphicFramePr>
+        <p:xfrm>
+          <a:off x="461736" y="4476534"/>
+          <a:ext cx="5516154" cy="2103120"/>
+        </p:xfrm>
+        <a:graphic>
+          <a:graphicData uri="http://schemas.openxmlformats.org/drawingml/2006/table">
+            <a:tbl>
+              <a:tblPr firstRow="1" bandRow="1">
+                <a:tableStyleId>{9D7B26C5-4107-4FEC-AEDC-1716B250A1EF}</a:tableStyleId>
+              </a:tblPr>
+              <a:tblGrid>
+                <a:gridCol w="1838718">
+                  <a:extLst>
+                    <a:ext uri="{9D8B030D-6E8A-4147-A177-3AD203B41FA5}">
+                      <a16:colId xmlns:a16="http://schemas.microsoft.com/office/drawing/2014/main" val="3517993907"/>
+                    </a:ext>
+                  </a:extLst>
+                </a:gridCol>
+                <a:gridCol w="1838718">
+                  <a:extLst>
+                    <a:ext uri="{9D8B030D-6E8A-4147-A177-3AD203B41FA5}">
+                      <a16:colId xmlns:a16="http://schemas.microsoft.com/office/drawing/2014/main" val="98985856"/>
+                    </a:ext>
+                  </a:extLst>
+                </a:gridCol>
+                <a:gridCol w="1838718">
+                  <a:extLst>
+                    <a:ext uri="{9D8B030D-6E8A-4147-A177-3AD203B41FA5}">
+                      <a16:colId xmlns:a16="http://schemas.microsoft.com/office/drawing/2014/main" val="2839522248"/>
+                    </a:ext>
+                  </a:extLst>
+                </a:gridCol>
+              </a:tblGrid>
+              <a:tr h="358097">
+                <a:tc>
+                  <a:txBody>
+                    <a:bodyPr/>
+                    <a:lstStyle/>
+                    <a:p>
+                      <a:pPr algn="ctr"/>
+                      <a:r>
+                        <a:rPr lang="en-US" dirty="0"/>
+                        <a:t>Income Quartile</a:t>
+                      </a:r>
+                    </a:p>
+                  </a:txBody>
+                  <a:tcPr/>
+                </a:tc>
+                <a:tc>
+                  <a:txBody>
+                    <a:bodyPr/>
+                    <a:lstStyle/>
+                    <a:p>
+                      <a:pPr algn="ctr"/>
+                      <a:r>
+                        <a:rPr lang="en-US" dirty="0"/>
+                        <a:t>Male Share (%)</a:t>
+                      </a:r>
+                    </a:p>
+                  </a:txBody>
+                  <a:tcPr/>
+                </a:tc>
+                <a:tc>
+                  <a:txBody>
+                    <a:bodyPr/>
+                    <a:lstStyle/>
+                    <a:p>
+                      <a:pPr algn="ctr"/>
+                      <a:r>
+                        <a:rPr lang="en-US" dirty="0"/>
+                        <a:t>Female Share (%)</a:t>
+                      </a:r>
+                    </a:p>
+                  </a:txBody>
+                  <a:tcPr/>
+                </a:tc>
+                <a:extLst>
+                  <a:ext uri="{0D108BD9-81ED-4DB2-BD59-A6C34878D82A}">
+                    <a16:rowId xmlns:a16="http://schemas.microsoft.com/office/drawing/2014/main" val="3727262382"/>
+                  </a:ext>
+                </a:extLst>
+              </a:tr>
+              <a:tr h="358097">
+                <a:tc>
+                  <a:txBody>
+                    <a:bodyPr/>
+                    <a:lstStyle/>
+                    <a:p>
+                      <a:r>
+                        <a:rPr lang="en-US" dirty="0"/>
+                        <a:t>Q1 (Lowest)</a:t>
+                      </a:r>
+                    </a:p>
+                  </a:txBody>
+                  <a:tcPr/>
+                </a:tc>
+                <a:tc>
+                  <a:txBody>
+                    <a:bodyPr/>
+                    <a:lstStyle/>
+                    <a:p>
+                      <a:pPr algn="r"/>
+                      <a:r>
+                        <a:rPr lang="en-US" dirty="0"/>
+                        <a:t>50.1</a:t>
+                      </a:r>
+                    </a:p>
+                  </a:txBody>
+                  <a:tcPr/>
+                </a:tc>
+                <a:tc>
+                  <a:txBody>
+                    <a:bodyPr/>
+                    <a:lstStyle/>
+                    <a:p>
+                      <a:pPr algn="r"/>
+                      <a:r>
+                        <a:rPr lang="en-US" dirty="0"/>
+                        <a:t>49.9</a:t>
+                      </a:r>
+                    </a:p>
+                  </a:txBody>
+                  <a:tcPr/>
+                </a:tc>
+                <a:extLst>
+                  <a:ext uri="{0D108BD9-81ED-4DB2-BD59-A6C34878D82A}">
+                    <a16:rowId xmlns:a16="http://schemas.microsoft.com/office/drawing/2014/main" val="3945038220"/>
+                  </a:ext>
+                </a:extLst>
+              </a:tr>
+              <a:tr h="358097">
+                <a:tc>
+                  <a:txBody>
+                    <a:bodyPr/>
+                    <a:lstStyle/>
+                    <a:p>
+                      <a:r>
+                        <a:rPr lang="en-US" dirty="0"/>
+                        <a:t>Q2</a:t>
+                      </a:r>
+                    </a:p>
+                  </a:txBody>
+                  <a:tcPr/>
+                </a:tc>
+                <a:tc>
+                  <a:txBody>
+                    <a:bodyPr/>
+                    <a:lstStyle/>
+                    <a:p>
+                      <a:pPr algn="r"/>
+                      <a:r>
+                        <a:rPr lang="en-US" dirty="0"/>
+                        <a:t>49.7</a:t>
+                      </a:r>
+                    </a:p>
+                  </a:txBody>
+                  <a:tcPr/>
+                </a:tc>
+                <a:tc>
+                  <a:txBody>
+                    <a:bodyPr/>
+                    <a:lstStyle/>
+                    <a:p>
+                      <a:pPr algn="r"/>
+                      <a:r>
+                        <a:rPr lang="en-US" dirty="0"/>
+                        <a:t>50.3</a:t>
+                      </a:r>
+                    </a:p>
+                  </a:txBody>
+                  <a:tcPr/>
+                </a:tc>
+                <a:extLst>
+                  <a:ext uri="{0D108BD9-81ED-4DB2-BD59-A6C34878D82A}">
+                    <a16:rowId xmlns:a16="http://schemas.microsoft.com/office/drawing/2014/main" val="2722600623"/>
+                  </a:ext>
+                </a:extLst>
+              </a:tr>
+              <a:tr h="358097">
+                <a:tc>
+                  <a:txBody>
+                    <a:bodyPr/>
+                    <a:lstStyle/>
+                    <a:p>
+                      <a:r>
+                        <a:rPr lang="en-US" dirty="0"/>
+                        <a:t>Q3</a:t>
+                      </a:r>
+                    </a:p>
+                  </a:txBody>
+                  <a:tcPr/>
+                </a:tc>
+                <a:tc>
+                  <a:txBody>
+                    <a:bodyPr/>
+                    <a:lstStyle/>
+                    <a:p>
+                      <a:pPr algn="r"/>
+                      <a:r>
+                        <a:rPr lang="en-US" dirty="0"/>
+                        <a:t>49.5</a:t>
+                      </a:r>
+                    </a:p>
+                  </a:txBody>
+                  <a:tcPr/>
+                </a:tc>
+                <a:tc>
+                  <a:txBody>
+                    <a:bodyPr/>
+                    <a:lstStyle/>
+                    <a:p>
+                      <a:pPr algn="r"/>
+                      <a:r>
+                        <a:rPr lang="en-US" dirty="0"/>
+                        <a:t>50.5</a:t>
+                      </a:r>
+                    </a:p>
+                  </a:txBody>
+                  <a:tcPr/>
+                </a:tc>
+                <a:extLst>
+                  <a:ext uri="{0D108BD9-81ED-4DB2-BD59-A6C34878D82A}">
+                    <a16:rowId xmlns:a16="http://schemas.microsoft.com/office/drawing/2014/main" val="2469761539"/>
+                  </a:ext>
+                </a:extLst>
+              </a:tr>
+              <a:tr h="358097">
+                <a:tc>
+                  <a:txBody>
+                    <a:bodyPr/>
+                    <a:lstStyle/>
+                    <a:p>
+                      <a:r>
+                        <a:rPr lang="en-US" dirty="0"/>
+                        <a:t>Q4 (highest)</a:t>
+                      </a:r>
+                    </a:p>
+                  </a:txBody>
+                  <a:tcPr/>
+                </a:tc>
+                <a:tc>
+                  <a:txBody>
+                    <a:bodyPr/>
+                    <a:lstStyle/>
+                    <a:p>
+                      <a:pPr algn="r"/>
+                      <a:r>
+                        <a:rPr lang="en-US" dirty="0"/>
+                        <a:t>49.4</a:t>
+                      </a:r>
+                    </a:p>
+                  </a:txBody>
+                  <a:tcPr/>
+                </a:tc>
+                <a:tc>
+                  <a:txBody>
+                    <a:bodyPr/>
+                    <a:lstStyle/>
+                    <a:p>
+                      <a:pPr algn="r"/>
+                      <a:r>
+                        <a:rPr lang="en-US" dirty="0"/>
+                        <a:t>50.6</a:t>
+                      </a:r>
+                    </a:p>
+                  </a:txBody>
+                  <a:tcPr/>
+                </a:tc>
+                <a:extLst>
+                  <a:ext uri="{0D108BD9-81ED-4DB2-BD59-A6C34878D82A}">
+                    <a16:rowId xmlns:a16="http://schemas.microsoft.com/office/drawing/2014/main" val="179703881"/>
+                  </a:ext>
+                </a:extLst>
+              </a:tr>
+            </a:tbl>
+          </a:graphicData>
+        </a:graphic>
+      </p:graphicFrame>
+      <p:sp>
+        <p:nvSpPr>
+          <p:cNvPr id="22" name="TextBox 21">
+            <a:extLst>
+              <a:ext uri="{FF2B5EF4-FFF2-40B4-BE49-F238E27FC236}">
+                <a16:creationId xmlns:a16="http://schemas.microsoft.com/office/drawing/2014/main" id="{B49B8D93-5FF4-F07E-A334-9C4BB69F6A65}"/>
+              </a:ext>
+            </a:extLst>
+          </p:cNvPr>
+          <p:cNvSpPr txBox="1"/>
+          <p:nvPr/>
+        </p:nvSpPr>
+        <p:spPr>
+          <a:xfrm>
+            <a:off x="6294846" y="1134773"/>
+            <a:ext cx="3010952" cy="400110"/>
+          </a:xfrm>
+          <a:prstGeom prst="rect">
+            <a:avLst/>
+          </a:prstGeom>
+          <a:noFill/>
+        </p:spPr>
+        <p:txBody>
+          <a:bodyPr wrap="none" rtlCol="0">
+            <a:spAutoFit/>
+          </a:bodyPr>
+          <a:lstStyle/>
+          <a:p>
+            <a:r>
+              <a:rPr lang="en-US" sz="2000" b="1" i="1" dirty="0">
+                <a:solidFill>
+                  <a:schemeClr val="tx2">
+                    <a:lumMod val="75000"/>
+                    <a:lumOff val="25000"/>
+                  </a:schemeClr>
+                </a:solidFill>
+              </a:rPr>
+              <a:t>Personal Income vs. age</a:t>
+            </a:r>
+          </a:p>
+        </p:txBody>
+      </p:sp>
+      <p:sp>
+        <p:nvSpPr>
+          <p:cNvPr id="23" name="TextBox 22">
+            <a:extLst>
+              <a:ext uri="{FF2B5EF4-FFF2-40B4-BE49-F238E27FC236}">
+                <a16:creationId xmlns:a16="http://schemas.microsoft.com/office/drawing/2014/main" id="{7CF1A91F-B77A-8880-58D5-C9DC6438B861}"/>
+              </a:ext>
+            </a:extLst>
+          </p:cNvPr>
+          <p:cNvSpPr txBox="1"/>
+          <p:nvPr/>
+        </p:nvSpPr>
+        <p:spPr>
+          <a:xfrm>
+            <a:off x="6294846" y="1534883"/>
+            <a:ext cx="5516154" cy="1477328"/>
+          </a:xfrm>
+          <a:prstGeom prst="rect">
+            <a:avLst/>
+          </a:prstGeom>
+          <a:noFill/>
+        </p:spPr>
+        <p:txBody>
+          <a:bodyPr wrap="square">
+            <a:spAutoFit/>
+          </a:bodyPr>
+          <a:lstStyle/>
+          <a:p>
+            <a:r>
+              <a:rPr lang="en-US" b="1" dirty="0"/>
+              <a:t>Hypotheses</a:t>
+            </a:r>
+          </a:p>
+          <a:p>
+            <a:r>
+              <a:rPr lang="en-US" dirty="0"/>
+              <a:t>H0: Income-quartile and median-age–quartile are independent (county counts spread the same)</a:t>
+            </a:r>
+          </a:p>
+          <a:p>
+            <a:r>
+              <a:rPr lang="en-US" dirty="0"/>
+              <a:t>H1: Median age differs for at least one income quartile.</a:t>
+            </a:r>
+          </a:p>
+        </p:txBody>
+      </p:sp>
+      <p:pic>
+        <p:nvPicPr>
+          <p:cNvPr id="25" name="Picture 24">
+            <a:extLst>
+              <a:ext uri="{FF2B5EF4-FFF2-40B4-BE49-F238E27FC236}">
+                <a16:creationId xmlns:a16="http://schemas.microsoft.com/office/drawing/2014/main" id="{8E6236D4-231F-A00B-0056-936F988AA5B7}"/>
+              </a:ext>
+            </a:extLst>
+          </p:cNvPr>
+          <p:cNvPicPr>
+            <a:picLocks noChangeAspect="1"/>
+          </p:cNvPicPr>
+          <p:nvPr/>
+        </p:nvPicPr>
+        <p:blipFill>
+          <a:blip r:embed="rId3"/>
+          <a:stretch>
+            <a:fillRect/>
+          </a:stretch>
+        </p:blipFill>
+        <p:spPr>
+          <a:xfrm>
+            <a:off x="6294846" y="3252715"/>
+            <a:ext cx="4077269" cy="1038370"/>
+          </a:xfrm>
+          <a:prstGeom prst="rect">
+            <a:avLst/>
+          </a:prstGeom>
+        </p:spPr>
+      </p:pic>
+    </p:spTree>
+    <p:extLst>
+      <p:ext uri="{BB962C8B-B14F-4D97-AF65-F5344CB8AC3E}">
+        <p14:creationId xmlns:p14="http://schemas.microsoft.com/office/powerpoint/2010/main" val="458098233"/>
+      </p:ext>
+    </p:extLst>
+  </p:cSld>
+  <p:clrMapOvr>
+    <a:masterClrMapping/>
+  </p:clrMapOvr>
+</p:sld>
+</file>
+
+<file path=ppt/slides/slide27.xml><?xml version="1.0" encoding="utf-8"?>
 <p:sld xmlns:a="http://schemas.openxmlformats.org/drawingml/2006/main" xmlns:r="http://schemas.openxmlformats.org/officeDocument/2006/relationships" xmlns:p="http://schemas.openxmlformats.org/presentationml/2006/main">
   <p:cSld>
     <p:spTree>
@@ -4336,12 +7250,18 @@
 </p:sld>
 </file>
 
-<file path=ppt/slides/slide2.xml><?xml version="1.0" encoding="utf-8"?>
+<file path=ppt/slides/slide3.xml><?xml version="1.0" encoding="utf-8"?>
 <p:sld xmlns:a="http://schemas.openxmlformats.org/drawingml/2006/main" xmlns:r="http://schemas.openxmlformats.org/officeDocument/2006/relationships" xmlns:p="http://schemas.openxmlformats.org/presentationml/2006/main">
   <p:cSld>
     <p:spTree>
       <p:nvGrpSpPr>
-        <p:cNvPr id="1" name=""/>
+        <p:cNvPr id="1" name="">
+          <a:extLst>
+            <a:ext uri="{FF2B5EF4-FFF2-40B4-BE49-F238E27FC236}">
+              <a16:creationId xmlns:a16="http://schemas.microsoft.com/office/drawing/2014/main" id="{29026615-67A6-B4AB-5B02-F92659179BDD}"/>
+            </a:ext>
+          </a:extLst>
+        </p:cNvPr>
         <p:cNvGrpSpPr/>
         <p:nvPr/>
       </p:nvGrpSpPr>
@@ -4358,7 +7278,7 @@
           <p:cNvPr id="4" name="TextBox 3">
             <a:extLst>
               <a:ext uri="{FF2B5EF4-FFF2-40B4-BE49-F238E27FC236}">
-                <a16:creationId xmlns:a16="http://schemas.microsoft.com/office/drawing/2014/main" id="{02681B5D-FCF3-79FD-E7FC-4EFF68A946E2}"/>
+                <a16:creationId xmlns:a16="http://schemas.microsoft.com/office/drawing/2014/main" id="{E54A05B0-2CCA-5563-A8B2-C86BCB89774E}"/>
               </a:ext>
             </a:extLst>
           </p:cNvPr>
@@ -4368,7 +7288,7 @@
         <p:spPr>
           <a:xfrm>
             <a:off x="461736" y="395514"/>
-            <a:ext cx="3301930" cy="584775"/>
+            <a:ext cx="6849952" cy="584775"/>
           </a:xfrm>
           <a:prstGeom prst="rect">
             <a:avLst/>
@@ -4386,17 +7306,393 @@
                 <a:latin typeface="Times New Roman" panose="02020603050405020304" pitchFamily="18" charset="0"/>
                 <a:cs typeface="Times New Roman" panose="02020603050405020304" pitchFamily="18" charset="0"/>
               </a:rPr>
-              <a:t>Dataset Overview</a:t>
+              <a:t>What do we know about this data set?</a:t>
+            </a:r>
+          </a:p>
+        </p:txBody>
+      </p:sp>
+      <p:sp>
+        <p:nvSpPr>
+          <p:cNvPr id="6" name="TextBox 5">
+            <a:extLst>
+              <a:ext uri="{FF2B5EF4-FFF2-40B4-BE49-F238E27FC236}">
+                <a16:creationId xmlns:a16="http://schemas.microsoft.com/office/drawing/2014/main" id="{BE81DA13-DC53-DF4D-3F45-B0A0F1BE223B}"/>
+              </a:ext>
+            </a:extLst>
+          </p:cNvPr>
+          <p:cNvSpPr txBox="1"/>
+          <p:nvPr/>
+        </p:nvSpPr>
+        <p:spPr>
+          <a:xfrm>
+            <a:off x="461736" y="1219201"/>
+            <a:ext cx="11196864" cy="2554545"/>
+          </a:xfrm>
+          <a:prstGeom prst="rect">
+            <a:avLst/>
+          </a:prstGeom>
+          <a:noFill/>
+        </p:spPr>
+        <p:txBody>
+          <a:bodyPr wrap="square" rtlCol="0">
+            <a:spAutoFit/>
+          </a:bodyPr>
+          <a:lstStyle/>
+          <a:p>
+            <a:r>
+              <a:rPr lang="en-US" sz="2000" b="1" dirty="0"/>
+              <a:t>Unit of observation:</a:t>
+            </a:r>
+            <a:r>
+              <a:rPr lang="en-US" sz="2000" dirty="0"/>
+              <a:t> U.S. county (identified by </a:t>
+            </a:r>
+            <a:r>
+              <a:rPr lang="en-US" sz="2000" dirty="0" err="1"/>
+              <a:t>county_FIPS</a:t>
+            </a:r>
+            <a:r>
+              <a:rPr lang="en-US" sz="2000" dirty="0"/>
+              <a:t>, with state and county names).</a:t>
+            </a:r>
+          </a:p>
+          <a:p>
+            <a:endParaRPr lang="en-US" sz="2000" dirty="0"/>
+          </a:p>
+          <a:p>
+            <a:r>
+              <a:rPr lang="en-US" sz="2000" b="1" dirty="0"/>
+              <a:t>Size:</a:t>
+            </a:r>
+            <a:r>
+              <a:rPr lang="en-US" sz="2000" dirty="0"/>
+              <a:t> </a:t>
+            </a:r>
+            <a:r>
+              <a:rPr lang="en-US" sz="2000" b="1" dirty="0"/>
+              <a:t>3,006 rows × 17 columns</a:t>
+            </a:r>
+          </a:p>
+          <a:p>
+            <a:endParaRPr lang="en-US" sz="2000" dirty="0"/>
+          </a:p>
+          <a:p>
+            <a:r>
+              <a:rPr lang="en-US" sz="2000" b="1" dirty="0"/>
+              <a:t>Variables:</a:t>
+            </a:r>
+            <a:endParaRPr lang="en-US" sz="2000" dirty="0"/>
+          </a:p>
+          <a:p>
+            <a:pPr marL="285750" indent="-285750">
+              <a:buFont typeface="Arial" panose="020B0604020202020204" pitchFamily="34" charset="0"/>
+              <a:buChar char="•"/>
+            </a:pPr>
+            <a:r>
+              <a:rPr lang="en-US" sz="2000" dirty="0"/>
+              <a:t>Income</a:t>
+            </a:r>
+          </a:p>
+          <a:p>
+            <a:pPr marL="285750" indent="-285750">
+              <a:buFont typeface="Arial" panose="020B0604020202020204" pitchFamily="34" charset="0"/>
+              <a:buChar char="•"/>
+            </a:pPr>
+            <a:r>
+              <a:rPr lang="en-US" sz="2000" dirty="0"/>
+              <a:t>Education (levels): </a:t>
+            </a:r>
+          </a:p>
+          <a:p>
+            <a:pPr marL="285750" indent="-285750">
+              <a:buFont typeface="Arial" panose="020B0604020202020204" pitchFamily="34" charset="0"/>
+              <a:buChar char="•"/>
+            </a:pPr>
+            <a:r>
+              <a:rPr lang="en-US" sz="2000" dirty="0"/>
+              <a:t>Population &amp; age structure</a:t>
+            </a:r>
+          </a:p>
+        </p:txBody>
+      </p:sp>
+    </p:spTree>
+    <p:extLst>
+      <p:ext uri="{BB962C8B-B14F-4D97-AF65-F5344CB8AC3E}">
+        <p14:creationId xmlns:p14="http://schemas.microsoft.com/office/powerpoint/2010/main" val="1446437119"/>
+      </p:ext>
+    </p:extLst>
+  </p:cSld>
+  <p:clrMapOvr>
+    <a:masterClrMapping/>
+  </p:clrMapOvr>
+</p:sld>
+</file>
+
+<file path=ppt/slides/slide4.xml><?xml version="1.0" encoding="utf-8"?>
+<p:sld xmlns:a="http://schemas.openxmlformats.org/drawingml/2006/main" xmlns:r="http://schemas.openxmlformats.org/officeDocument/2006/relationships" xmlns:p="http://schemas.openxmlformats.org/presentationml/2006/main">
+  <p:cSld>
+    <p:spTree>
+      <p:nvGrpSpPr>
+        <p:cNvPr id="1" name="">
+          <a:extLst>
+            <a:ext uri="{FF2B5EF4-FFF2-40B4-BE49-F238E27FC236}">
+              <a16:creationId xmlns:a16="http://schemas.microsoft.com/office/drawing/2014/main" id="{A4C467A9-F27E-ADE3-2AD4-90748BC23D30}"/>
+            </a:ext>
+          </a:extLst>
+        </p:cNvPr>
+        <p:cNvGrpSpPr/>
+        <p:nvPr/>
+      </p:nvGrpSpPr>
+      <p:grpSpPr>
+        <a:xfrm>
+          <a:off x="0" y="0"/>
+          <a:ext cx="0" cy="0"/>
+          <a:chOff x="0" y="0"/>
+          <a:chExt cx="0" cy="0"/>
+        </a:xfrm>
+      </p:grpSpPr>
+      <p:sp>
+        <p:nvSpPr>
+          <p:cNvPr id="4" name="TextBox 3">
+            <a:extLst>
+              <a:ext uri="{FF2B5EF4-FFF2-40B4-BE49-F238E27FC236}">
+                <a16:creationId xmlns:a16="http://schemas.microsoft.com/office/drawing/2014/main" id="{445BF9D2-BA99-BA7B-C591-F4F93906A57C}"/>
+              </a:ext>
+            </a:extLst>
+          </p:cNvPr>
+          <p:cNvSpPr txBox="1"/>
+          <p:nvPr/>
+        </p:nvSpPr>
+        <p:spPr>
+          <a:xfrm>
+            <a:off x="461736" y="395514"/>
+            <a:ext cx="2581732" cy="584775"/>
+          </a:xfrm>
+          <a:prstGeom prst="rect">
+            <a:avLst/>
+          </a:prstGeom>
+          <a:noFill/>
+        </p:spPr>
+        <p:txBody>
+          <a:bodyPr wrap="none" rtlCol="0">
+            <a:spAutoFit/>
+          </a:bodyPr>
+          <a:lstStyle/>
+          <a:p>
+            <a:r>
+              <a:rPr lang="en-US" sz="3200" b="1" u="sng" dirty="0">
+                <a:latin typeface="Times New Roman" panose="02020603050405020304" pitchFamily="18" charset="0"/>
+                <a:cs typeface="Times New Roman" panose="02020603050405020304" pitchFamily="18" charset="0"/>
+              </a:rPr>
+              <a:t>Our Question</a:t>
+            </a:r>
+          </a:p>
+        </p:txBody>
+      </p:sp>
+      <p:sp>
+        <p:nvSpPr>
+          <p:cNvPr id="3" name="TextBox 2">
+            <a:extLst>
+              <a:ext uri="{FF2B5EF4-FFF2-40B4-BE49-F238E27FC236}">
+                <a16:creationId xmlns:a16="http://schemas.microsoft.com/office/drawing/2014/main" id="{A89EDD72-E6A5-26F0-B5C8-88F9017F4899}"/>
+              </a:ext>
+            </a:extLst>
+          </p:cNvPr>
+          <p:cNvSpPr txBox="1"/>
+          <p:nvPr/>
+        </p:nvSpPr>
+        <p:spPr>
+          <a:xfrm>
+            <a:off x="545621" y="1539860"/>
+            <a:ext cx="11202426" cy="492443"/>
+          </a:xfrm>
+          <a:prstGeom prst="rect">
+            <a:avLst/>
+          </a:prstGeom>
+          <a:noFill/>
+        </p:spPr>
+        <p:txBody>
+          <a:bodyPr wrap="none" rtlCol="0">
+            <a:spAutoFit/>
+          </a:bodyPr>
+          <a:lstStyle/>
+          <a:p>
+            <a:r>
+              <a:rPr lang="en-US" sz="2600" b="1" i="1" dirty="0"/>
+              <a:t>Return of education on income, controlling for population &amp; age structure</a:t>
+            </a:r>
+          </a:p>
+        </p:txBody>
+      </p:sp>
+      <p:sp>
+        <p:nvSpPr>
+          <p:cNvPr id="7" name="TextBox 6">
+            <a:extLst>
+              <a:ext uri="{FF2B5EF4-FFF2-40B4-BE49-F238E27FC236}">
+                <a16:creationId xmlns:a16="http://schemas.microsoft.com/office/drawing/2014/main" id="{EF9A55FF-BAE5-B077-059A-E3DD55658E6A}"/>
+              </a:ext>
+            </a:extLst>
+          </p:cNvPr>
+          <p:cNvSpPr txBox="1"/>
+          <p:nvPr/>
+        </p:nvSpPr>
+        <p:spPr>
+          <a:xfrm>
+            <a:off x="545621" y="2711989"/>
+            <a:ext cx="11315700" cy="1754326"/>
+          </a:xfrm>
+          <a:prstGeom prst="rect">
+            <a:avLst/>
+          </a:prstGeom>
+          <a:noFill/>
+        </p:spPr>
+        <p:txBody>
+          <a:bodyPr wrap="square">
+            <a:spAutoFit/>
+          </a:bodyPr>
+          <a:lstStyle/>
+          <a:p>
+            <a:r>
+              <a:rPr lang="en-US" sz="1800" b="1" dirty="0"/>
+              <a:t>Data </a:t>
+            </a:r>
+            <a:r>
+              <a:rPr lang="en-US" b="1" dirty="0"/>
+              <a:t>l</a:t>
+            </a:r>
+            <a:r>
+              <a:rPr lang="en-US" sz="1800" b="1" dirty="0"/>
+              <a:t>imitations:</a:t>
+            </a:r>
+          </a:p>
+          <a:p>
+            <a:pPr marL="342900" indent="-342900">
+              <a:buFont typeface="Arial" panose="020B0604020202020204" pitchFamily="34" charset="0"/>
+              <a:buChar char="•"/>
+            </a:pPr>
+            <a:r>
+              <a:rPr lang="en-US" sz="1800" b="1" dirty="0"/>
+              <a:t>Incomplete coverage</a:t>
+            </a:r>
+            <a:r>
+              <a:rPr lang="en-US" sz="1800" dirty="0"/>
+              <a:t> (3,006 counties ≠ full national universe)</a:t>
+            </a:r>
+          </a:p>
+          <a:p>
+            <a:pPr marL="285750" indent="-285750">
+              <a:buFont typeface="Arial" panose="020B0604020202020204" pitchFamily="34" charset="0"/>
+              <a:buChar char="•"/>
+            </a:pPr>
+            <a:r>
+              <a:rPr lang="en-US" sz="1800" b="1" dirty="0"/>
+              <a:t>Uneven time alignment:</a:t>
+            </a:r>
+            <a:r>
+              <a:rPr lang="en-US" sz="1800" dirty="0"/>
+              <a:t> income is by single years (2019–2021), while education variables are multi-year aggregates (2016–2020)</a:t>
+            </a:r>
+          </a:p>
+          <a:p>
+            <a:pPr marL="285750" indent="-285750">
+              <a:buFont typeface="Arial" panose="020B0604020202020204" pitchFamily="34" charset="0"/>
+              <a:buChar char="•"/>
+            </a:pPr>
+            <a:endParaRPr lang="en-US" sz="1800" dirty="0"/>
+          </a:p>
+          <a:p>
+            <a:r>
+              <a:rPr lang="en-US" sz="1800" b="1" dirty="0"/>
+              <a:t>Additional useful information: </a:t>
+            </a:r>
+            <a:r>
+              <a:rPr lang="en-US" sz="1800" dirty="0"/>
+              <a:t>race, number of firms in a county, spending on education per capita</a:t>
+            </a:r>
+            <a:endParaRPr lang="en-US" sz="1800" b="1" dirty="0"/>
+          </a:p>
+        </p:txBody>
+      </p:sp>
+    </p:spTree>
+    <p:extLst>
+      <p:ext uri="{BB962C8B-B14F-4D97-AF65-F5344CB8AC3E}">
+        <p14:creationId xmlns:p14="http://schemas.microsoft.com/office/powerpoint/2010/main" val="2284373482"/>
+      </p:ext>
+    </p:extLst>
+  </p:cSld>
+  <p:clrMapOvr>
+    <a:masterClrMapping/>
+  </p:clrMapOvr>
+</p:sld>
+</file>
+
+<file path=ppt/slides/slide5.xml><?xml version="1.0" encoding="utf-8"?>
+<p:sld xmlns:a="http://schemas.openxmlformats.org/drawingml/2006/main" xmlns:r="http://schemas.openxmlformats.org/officeDocument/2006/relationships" xmlns:p="http://schemas.openxmlformats.org/presentationml/2006/main">
+  <p:cSld>
+    <p:spTree>
+      <p:nvGrpSpPr>
+        <p:cNvPr id="1" name="">
+          <a:extLst>
+            <a:ext uri="{FF2B5EF4-FFF2-40B4-BE49-F238E27FC236}">
+              <a16:creationId xmlns:a16="http://schemas.microsoft.com/office/drawing/2014/main" id="{93B85EFF-98A6-F227-1035-572FDC81865E}"/>
+            </a:ext>
+          </a:extLst>
+        </p:cNvPr>
+        <p:cNvGrpSpPr/>
+        <p:nvPr/>
+      </p:nvGrpSpPr>
+      <p:grpSpPr>
+        <a:xfrm>
+          <a:off x="0" y="0"/>
+          <a:ext cx="0" cy="0"/>
+          <a:chOff x="0" y="0"/>
+          <a:chExt cx="0" cy="0"/>
+        </a:xfrm>
+      </p:grpSpPr>
+      <p:sp>
+        <p:nvSpPr>
+          <p:cNvPr id="4" name="TextBox 3">
+            <a:extLst>
+              <a:ext uri="{FF2B5EF4-FFF2-40B4-BE49-F238E27FC236}">
+                <a16:creationId xmlns:a16="http://schemas.microsoft.com/office/drawing/2014/main" id="{1C09EBC5-ACE6-AE42-C249-ED3EAE489778}"/>
+              </a:ext>
+            </a:extLst>
+          </p:cNvPr>
+          <p:cNvSpPr txBox="1"/>
+          <p:nvPr/>
+        </p:nvSpPr>
+        <p:spPr>
+          <a:xfrm>
+            <a:off x="461736" y="395514"/>
+            <a:ext cx="3523722" cy="584775"/>
+          </a:xfrm>
+          <a:prstGeom prst="rect">
+            <a:avLst/>
+          </a:prstGeom>
+          <a:noFill/>
+        </p:spPr>
+        <p:txBody>
+          <a:bodyPr wrap="none" rtlCol="0">
+            <a:spAutoFit/>
+          </a:bodyPr>
+          <a:lstStyle/>
+          <a:p>
+            <a:r>
+              <a:rPr lang="en-US" sz="3200" b="1" u="sng" dirty="0">
+                <a:latin typeface="Times New Roman" panose="02020603050405020304" pitchFamily="18" charset="0"/>
+                <a:cs typeface="Times New Roman" panose="02020603050405020304" pitchFamily="18" charset="0"/>
+              </a:rPr>
+              <a:t>Summary statistics</a:t>
             </a:r>
           </a:p>
         </p:txBody>
       </p:sp>
       <p:pic>
         <p:nvPicPr>
-          <p:cNvPr id="9" name="Picture 8">
-            <a:extLst>
-              <a:ext uri="{FF2B5EF4-FFF2-40B4-BE49-F238E27FC236}">
-                <a16:creationId xmlns:a16="http://schemas.microsoft.com/office/drawing/2014/main" id="{5D7148E2-4CFC-F71B-5139-B66C76EBFB03}"/>
+          <p:cNvPr id="3" name="Picture 2">
+            <a:extLst>
+              <a:ext uri="{FF2B5EF4-FFF2-40B4-BE49-F238E27FC236}">
+                <a16:creationId xmlns:a16="http://schemas.microsoft.com/office/drawing/2014/main" id="{460C09E6-0F88-0C84-75E3-AB3C0AB6315D}"/>
               </a:ext>
             </a:extLst>
           </p:cNvPr>
@@ -4413,8 +7709,39 @@
         </p:blipFill>
         <p:spPr>
           <a:xfrm>
-            <a:off x="461736" y="1234440"/>
-            <a:ext cx="11364504" cy="5120640"/>
+            <a:off x="92620" y="1113792"/>
+            <a:ext cx="5922286" cy="5613577"/>
+          </a:xfrm>
+          <a:prstGeom prst="rect">
+            <a:avLst/>
+          </a:prstGeom>
+        </p:spPr>
+      </p:pic>
+      <p:pic>
+        <p:nvPicPr>
+          <p:cNvPr id="6" name="Picture 5">
+            <a:extLst>
+              <a:ext uri="{FF2B5EF4-FFF2-40B4-BE49-F238E27FC236}">
+                <a16:creationId xmlns:a16="http://schemas.microsoft.com/office/drawing/2014/main" id="{0D831035-B0F9-D51B-F088-A270599F8790}"/>
+              </a:ext>
+            </a:extLst>
+          </p:cNvPr>
+          <p:cNvPicPr>
+            <a:picLocks noChangeAspect="1"/>
+          </p:cNvPicPr>
+          <p:nvPr/>
+        </p:nvPicPr>
+        <p:blipFill>
+          <a:blip r:embed="rId3"/>
+          <a:srcRect r="8924"/>
+          <a:stretch>
+            <a:fillRect/>
+          </a:stretch>
+        </p:blipFill>
+        <p:spPr>
+          <a:xfrm>
+            <a:off x="6014906" y="1210339"/>
+            <a:ext cx="6003380" cy="5420481"/>
           </a:xfrm>
           <a:prstGeom prst="rect">
             <a:avLst/>
@@ -4424,7 +7751,7 @@
     </p:spTree>
     <p:extLst>
       <p:ext uri="{BB962C8B-B14F-4D97-AF65-F5344CB8AC3E}">
-        <p14:creationId xmlns:p14="http://schemas.microsoft.com/office/powerpoint/2010/main" val="614491175"/>
+        <p14:creationId xmlns:p14="http://schemas.microsoft.com/office/powerpoint/2010/main" val="3519393868"/>
       </p:ext>
     </p:extLst>
   </p:cSld>
@@ -4434,7 +7761,7 @@
 </p:sld>
 </file>
 
-<file path=ppt/slides/slide3.xml><?xml version="1.0" encoding="utf-8"?>
+<file path=ppt/slides/slide6.xml><?xml version="1.0" encoding="utf-8"?>
 <p:sld xmlns:a="http://schemas.openxmlformats.org/drawingml/2006/main" xmlns:r="http://schemas.openxmlformats.org/officeDocument/2006/relationships" xmlns:p="http://schemas.openxmlformats.org/presentationml/2006/main" showMasterSp="0">
   <p:cSld>
     <p:spTree>
@@ -4626,12 +7953,18 @@
 </p:sld>
 </file>
 
-<file path=ppt/slides/slide4.xml><?xml version="1.0" encoding="utf-8"?>
+<file path=ppt/slides/slide7.xml><?xml version="1.0" encoding="utf-8"?>
 <p:sld xmlns:a="http://schemas.openxmlformats.org/drawingml/2006/main" xmlns:r="http://schemas.openxmlformats.org/officeDocument/2006/relationships" xmlns:p="http://schemas.openxmlformats.org/presentationml/2006/main">
   <p:cSld>
     <p:spTree>
       <p:nvGrpSpPr>
-        <p:cNvPr id="1" name=""/>
+        <p:cNvPr id="1" name="">
+          <a:extLst>
+            <a:ext uri="{FF2B5EF4-FFF2-40B4-BE49-F238E27FC236}">
+              <a16:creationId xmlns:a16="http://schemas.microsoft.com/office/drawing/2014/main" id="{43C09FBB-BD43-76DC-7917-A120C21EAE29}"/>
+            </a:ext>
+          </a:extLst>
+        </p:cNvPr>
         <p:cNvGrpSpPr/>
         <p:nvPr/>
       </p:nvGrpSpPr>
@@ -4643,12 +7976,50 @@
           <a:chExt cx="0" cy="0"/>
         </a:xfrm>
       </p:grpSpPr>
+      <p:sp>
+        <p:nvSpPr>
+          <p:cNvPr id="4" name="TextBox 3">
+            <a:extLst>
+              <a:ext uri="{FF2B5EF4-FFF2-40B4-BE49-F238E27FC236}">
+                <a16:creationId xmlns:a16="http://schemas.microsoft.com/office/drawing/2014/main" id="{BC61B393-9F33-1479-1DAE-DAA8C1639076}"/>
+              </a:ext>
+            </a:extLst>
+          </p:cNvPr>
+          <p:cNvSpPr txBox="1"/>
+          <p:nvPr/>
+        </p:nvSpPr>
+        <p:spPr>
+          <a:xfrm>
+            <a:off x="461736" y="303235"/>
+            <a:ext cx="3969100" cy="584775"/>
+          </a:xfrm>
+          <a:prstGeom prst="rect">
+            <a:avLst/>
+          </a:prstGeom>
+          <a:noFill/>
+        </p:spPr>
+        <p:txBody>
+          <a:bodyPr wrap="none" rtlCol="0">
+            <a:spAutoFit/>
+          </a:bodyPr>
+          <a:lstStyle/>
+          <a:p>
+            <a:r>
+              <a:rPr lang="en-US" sz="3200" b="1" u="sng" dirty="0">
+                <a:latin typeface="Times New Roman" panose="02020603050405020304" pitchFamily="18" charset="0"/>
+                <a:cs typeface="Times New Roman" panose="02020603050405020304" pitchFamily="18" charset="0"/>
+              </a:rPr>
+              <a:t>Testing for Normality</a:t>
+            </a:r>
+          </a:p>
+        </p:txBody>
+      </p:sp>
       <p:pic>
         <p:nvPicPr>
-          <p:cNvPr id="3" name="Picture 2" descr="A graph of a number of bachelor's degree numbers&#10;&#10;AI-generated content may be incorrect.">
-            <a:extLst>
-              <a:ext uri="{FF2B5EF4-FFF2-40B4-BE49-F238E27FC236}">
-                <a16:creationId xmlns:a16="http://schemas.microsoft.com/office/drawing/2014/main" id="{2A0DF04A-502E-68C3-C734-D83B890D469D}"/>
+          <p:cNvPr id="10" name="Picture 9">
+            <a:extLst>
+              <a:ext uri="{FF2B5EF4-FFF2-40B4-BE49-F238E27FC236}">
+                <a16:creationId xmlns:a16="http://schemas.microsoft.com/office/drawing/2014/main" id="{2E879EF6-439E-83C8-2AF7-3F8ED227AF6D}"/>
               </a:ext>
             </a:extLst>
           </p:cNvPr>
@@ -4658,250 +8029,82 @@
           <p:nvPr/>
         </p:nvPicPr>
         <p:blipFill>
-          <a:blip r:embed="rId2"/>
+          <a:blip r:embed="rId3"/>
+          <a:srcRect r="2500" b="4587"/>
           <a:stretch>
             <a:fillRect/>
           </a:stretch>
         </p:blipFill>
         <p:spPr>
           <a:xfrm>
-            <a:off x="1421176" y="171938"/>
-            <a:ext cx="9596044" cy="6514123"/>
+            <a:off x="33996" y="1186482"/>
+            <a:ext cx="12124007" cy="3006546"/>
           </a:xfrm>
           <a:prstGeom prst="rect">
             <a:avLst/>
           </a:prstGeom>
         </p:spPr>
       </p:pic>
-    </p:spTree>
-    <p:extLst>
-      <p:ext uri="{BB962C8B-B14F-4D97-AF65-F5344CB8AC3E}">
-        <p14:creationId xmlns:p14="http://schemas.microsoft.com/office/powerpoint/2010/main" val="1655655953"/>
-      </p:ext>
-    </p:extLst>
-  </p:cSld>
-  <p:clrMapOvr>
-    <a:masterClrMapping/>
-  </p:clrMapOvr>
-</p:sld>
-</file>
-
-<file path=ppt/slides/slide5.xml><?xml version="1.0" encoding="utf-8"?>
-<p:sld xmlns:a="http://schemas.openxmlformats.org/drawingml/2006/main" xmlns:r="http://schemas.openxmlformats.org/officeDocument/2006/relationships" xmlns:p="http://schemas.openxmlformats.org/presentationml/2006/main">
-  <p:cSld>
-    <p:spTree>
-      <p:nvGrpSpPr>
-        <p:cNvPr id="1" name=""/>
-        <p:cNvGrpSpPr/>
-        <p:nvPr/>
-      </p:nvGrpSpPr>
-      <p:grpSpPr>
-        <a:xfrm>
-          <a:off x="0" y="0"/>
-          <a:ext cx="0" cy="0"/>
-          <a:chOff x="0" y="0"/>
-          <a:chExt cx="0" cy="0"/>
-        </a:xfrm>
-      </p:grpSpPr>
-      <p:sp>
-        <p:nvSpPr>
-          <p:cNvPr id="2" name="AutoShape 2">
-            <a:extLst>
-              <a:ext uri="{FF2B5EF4-FFF2-40B4-BE49-F238E27FC236}">
-                <a16:creationId xmlns:a16="http://schemas.microsoft.com/office/drawing/2014/main" id="{6B5878F7-F569-ED1A-3533-9A6D4BF03E5F}"/>
-              </a:ext>
-            </a:extLst>
-          </p:cNvPr>
-          <p:cNvSpPr>
-            <a:spLocks noChangeAspect="1" noChangeArrowheads="1"/>
-          </p:cNvSpPr>
+      <p:sp>
+        <p:nvSpPr>
+          <p:cNvPr id="12" name="TextBox 11">
+            <a:extLst>
+              <a:ext uri="{FF2B5EF4-FFF2-40B4-BE49-F238E27FC236}">
+                <a16:creationId xmlns:a16="http://schemas.microsoft.com/office/drawing/2014/main" id="{D2C80A17-5899-D78E-05F1-EFB131698E3B}"/>
+              </a:ext>
+            </a:extLst>
+          </p:cNvPr>
+          <p:cNvSpPr txBox="1"/>
           <p:nvPr/>
         </p:nvSpPr>
-        <p:spPr bwMode="auto">
-          <a:xfrm>
-            <a:off x="5943600" y="3276600"/>
-            <a:ext cx="304800" cy="304800"/>
+        <p:spPr>
+          <a:xfrm>
+            <a:off x="402672" y="4276322"/>
+            <a:ext cx="11660697" cy="1477328"/>
           </a:xfrm>
           <a:prstGeom prst="rect">
             <a:avLst/>
           </a:prstGeom>
           <a:noFill/>
-          <a:extLst>
-            <a:ext uri="{909E8E84-426E-40DD-AFC4-6F175D3DCCD1}">
-              <a14:hiddenFill xmlns:a14="http://schemas.microsoft.com/office/drawing/2010/main">
-                <a:solidFill>
-                  <a:srgbClr val="FFFFFF"/>
-                </a:solidFill>
-              </a14:hiddenFill>
-            </a:ext>
-          </a:extLst>
-        </p:spPr>
-        <p:txBody>
-          <a:bodyPr vert="horz" wrap="square" lIns="91440" tIns="45720" rIns="91440" bIns="45720" numCol="1" anchor="t" anchorCtr="0" compatLnSpc="1">
-            <a:prstTxWarp prst="textNoShape">
-              <a:avLst/>
-            </a:prstTxWarp>
+        </p:spPr>
+        <p:txBody>
+          <a:bodyPr wrap="square" rtlCol="0">
+            <a:spAutoFit/>
           </a:bodyPr>
           <a:lstStyle/>
           <a:p>
-            <a:endParaRPr lang="en-US"/>
-          </a:p>
-        </p:txBody>
-      </p:sp>
-      <p:pic>
-        <p:nvPicPr>
-          <p:cNvPr id="4" name="Picture 3" descr="A graph showing a number of individuals&#10;&#10;AI-generated content may be incorrect.">
-            <a:extLst>
-              <a:ext uri="{FF2B5EF4-FFF2-40B4-BE49-F238E27FC236}">
-                <a16:creationId xmlns:a16="http://schemas.microsoft.com/office/drawing/2014/main" id="{4DA63EB1-BC80-425F-ECA6-80F83840FB37}"/>
-              </a:ext>
-            </a:extLst>
-          </p:cNvPr>
-          <p:cNvPicPr>
-            <a:picLocks noChangeAspect="1"/>
-          </p:cNvPicPr>
-          <p:nvPr/>
-        </p:nvPicPr>
-        <p:blipFill>
-          <a:blip r:embed="rId2"/>
-          <a:stretch>
-            <a:fillRect/>
-          </a:stretch>
-        </p:blipFill>
-        <p:spPr>
-          <a:xfrm>
-            <a:off x="1751682" y="96665"/>
-            <a:ext cx="8967730" cy="6359870"/>
-          </a:xfrm>
-          <a:prstGeom prst="rect">
-            <a:avLst/>
-          </a:prstGeom>
-        </p:spPr>
-      </p:pic>
+            <a:r>
+              <a:rPr lang="en-US" dirty="0"/>
+              <a:t>Per-capita income (2020): points bend above the line in the upper tail. Mild deviation in lower tail.</a:t>
+            </a:r>
+          </a:p>
+          <a:p>
+            <a:r>
+              <a:rPr lang="en-US" dirty="0"/>
+              <a:t>→ positive skew / heavy right tail (a few very high-income counties). </a:t>
+            </a:r>
+          </a:p>
+          <a:p>
+            <a:endParaRPr lang="en-US" dirty="0"/>
+          </a:p>
+          <a:p>
+            <a:r>
+              <a:rPr lang="en-US" dirty="0"/>
+              <a:t>Bachelor/Associate numbers (2016–2020): extreme curvature and long upper tails. Many dots are piled near zero </a:t>
+            </a:r>
+          </a:p>
+          <a:p>
+            <a:r>
+              <a:rPr lang="en-US" dirty="0"/>
+              <a:t>→ lots of small counties + a few huge metros. </a:t>
+            </a:r>
+          </a:p>
+        </p:txBody>
+      </p:sp>
     </p:spTree>
     <p:extLst>
       <p:ext uri="{BB962C8B-B14F-4D97-AF65-F5344CB8AC3E}">
-        <p14:creationId xmlns:p14="http://schemas.microsoft.com/office/powerpoint/2010/main" val="1650843969"/>
-      </p:ext>
-    </p:extLst>
-  </p:cSld>
-  <p:clrMapOvr>
-    <a:masterClrMapping/>
-  </p:clrMapOvr>
-</p:sld>
-</file>
-
-<file path=ppt/slides/slide6.xml><?xml version="1.0" encoding="utf-8"?>
-<p:sld xmlns:a="http://schemas.openxmlformats.org/drawingml/2006/main" xmlns:r="http://schemas.openxmlformats.org/officeDocument/2006/relationships" xmlns:p="http://schemas.openxmlformats.org/presentationml/2006/main">
-  <p:cSld>
-    <p:spTree>
-      <p:nvGrpSpPr>
-        <p:cNvPr id="1" name=""/>
-        <p:cNvGrpSpPr/>
-        <p:nvPr/>
-      </p:nvGrpSpPr>
-      <p:grpSpPr>
-        <a:xfrm>
-          <a:off x="0" y="0"/>
-          <a:ext cx="0" cy="0"/>
-          <a:chOff x="0" y="0"/>
-          <a:chExt cx="0" cy="0"/>
-        </a:xfrm>
-      </p:grpSpPr>
-      <p:pic>
-        <p:nvPicPr>
-          <p:cNvPr id="3" name="Picture 2" descr="A graph showing a number of bachelors degree&#10;&#10;AI-generated content may be incorrect.">
-            <a:extLst>
-              <a:ext uri="{FF2B5EF4-FFF2-40B4-BE49-F238E27FC236}">
-                <a16:creationId xmlns:a16="http://schemas.microsoft.com/office/drawing/2014/main" id="{607197DE-62D5-86EA-DEA6-C248F36EC5DE}"/>
-              </a:ext>
-            </a:extLst>
-          </p:cNvPr>
-          <p:cNvPicPr>
-            <a:picLocks noChangeAspect="1"/>
-          </p:cNvPicPr>
-          <p:nvPr/>
-        </p:nvPicPr>
-        <p:blipFill>
-          <a:blip r:embed="rId2"/>
-          <a:stretch>
-            <a:fillRect/>
-          </a:stretch>
-        </p:blipFill>
-        <p:spPr>
-          <a:xfrm>
-            <a:off x="1784733" y="315689"/>
-            <a:ext cx="9044848" cy="5985957"/>
-          </a:xfrm>
-          <a:prstGeom prst="rect">
-            <a:avLst/>
-          </a:prstGeom>
-        </p:spPr>
-      </p:pic>
-    </p:spTree>
-    <p:extLst>
-      <p:ext uri="{BB962C8B-B14F-4D97-AF65-F5344CB8AC3E}">
-        <p14:creationId xmlns:p14="http://schemas.microsoft.com/office/powerpoint/2010/main" val="2434583578"/>
-      </p:ext>
-    </p:extLst>
-  </p:cSld>
-  <p:clrMapOvr>
-    <a:masterClrMapping/>
-  </p:clrMapOvr>
-</p:sld>
-</file>
-
-<file path=ppt/slides/slide7.xml><?xml version="1.0" encoding="utf-8"?>
-<p:sld xmlns:a="http://schemas.openxmlformats.org/drawingml/2006/main" xmlns:r="http://schemas.openxmlformats.org/officeDocument/2006/relationships" xmlns:p="http://schemas.openxmlformats.org/presentationml/2006/main">
-  <p:cSld>
-    <p:spTree>
-      <p:nvGrpSpPr>
-        <p:cNvPr id="1" name=""/>
-        <p:cNvGrpSpPr/>
-        <p:nvPr/>
-      </p:nvGrpSpPr>
-      <p:grpSpPr>
-        <a:xfrm>
-          <a:off x="0" y="0"/>
-          <a:ext cx="0" cy="0"/>
-          <a:chOff x="0" y="0"/>
-          <a:chExt cx="0" cy="0"/>
-        </a:xfrm>
-      </p:grpSpPr>
-      <p:pic>
-        <p:nvPicPr>
-          <p:cNvPr id="3" name="Picture 2" descr="A graph showing a number of numbers&#10;&#10;AI-generated content may be incorrect.">
-            <a:extLst>
-              <a:ext uri="{FF2B5EF4-FFF2-40B4-BE49-F238E27FC236}">
-                <a16:creationId xmlns:a16="http://schemas.microsoft.com/office/drawing/2014/main" id="{936B1C4D-258F-4BE7-F92D-8B9E411FDB50}"/>
-              </a:ext>
-            </a:extLst>
-          </p:cNvPr>
-          <p:cNvPicPr>
-            <a:picLocks noChangeAspect="1"/>
-          </p:cNvPicPr>
-          <p:nvPr/>
-        </p:nvPicPr>
-        <p:blipFill>
-          <a:blip r:embed="rId2"/>
-          <a:stretch>
-            <a:fillRect/>
-          </a:stretch>
-        </p:blipFill>
-        <p:spPr>
-          <a:xfrm>
-            <a:off x="1783751" y="401923"/>
-            <a:ext cx="8866870" cy="6054153"/>
-          </a:xfrm>
-          <a:prstGeom prst="rect">
-            <a:avLst/>
-          </a:prstGeom>
-        </p:spPr>
-      </p:pic>
-    </p:spTree>
-    <p:extLst>
-      <p:ext uri="{BB962C8B-B14F-4D97-AF65-F5344CB8AC3E}">
-        <p14:creationId xmlns:p14="http://schemas.microsoft.com/office/powerpoint/2010/main" val="1182650944"/>
+        <p14:creationId xmlns:p14="http://schemas.microsoft.com/office/powerpoint/2010/main" val="386736367"/>
       </p:ext>
     </p:extLst>
   </p:cSld>
@@ -4928,44 +8131,6 @@
           <a:chExt cx="0" cy="0"/>
         </a:xfrm>
       </p:grpSpPr>
-      <p:sp>
-        <p:nvSpPr>
-          <p:cNvPr id="4" name="TextBox 3">
-            <a:extLst>
-              <a:ext uri="{FF2B5EF4-FFF2-40B4-BE49-F238E27FC236}">
-                <a16:creationId xmlns:a16="http://schemas.microsoft.com/office/drawing/2014/main" id="{42848226-252F-24E6-86D8-32631C797F60}"/>
-              </a:ext>
-            </a:extLst>
-          </p:cNvPr>
-          <p:cNvSpPr txBox="1"/>
-          <p:nvPr/>
-        </p:nvSpPr>
-        <p:spPr>
-          <a:xfrm>
-            <a:off x="0" y="45710"/>
-            <a:ext cx="6096000" cy="584775"/>
-          </a:xfrm>
-          <a:prstGeom prst="rect">
-            <a:avLst/>
-          </a:prstGeom>
-          <a:noFill/>
-        </p:spPr>
-        <p:txBody>
-          <a:bodyPr wrap="square">
-            <a:spAutoFit/>
-          </a:bodyPr>
-          <a:lstStyle/>
-          <a:p>
-            <a:r>
-              <a:rPr lang="en-US" sz="3200" b="1" u="sng" dirty="0">
-                <a:latin typeface="Times New Roman" panose="02020603050405020304" pitchFamily="18" charset="0"/>
-                <a:cs typeface="Times New Roman" panose="02020603050405020304" pitchFamily="18" charset="0"/>
-              </a:rPr>
-              <a:t>ANOVA TEST</a:t>
-            </a:r>
-          </a:p>
-        </p:txBody>
-      </p:sp>
       <p:pic>
         <p:nvPicPr>
           <p:cNvPr id="6" name="Picture 5" descr="A graph of a number of people&#10;&#10;AI-generated content may be incorrect.">
@@ -4988,88 +8153,14 @@
         </p:blipFill>
         <p:spPr>
           <a:xfrm>
-            <a:off x="4248197" y="1593950"/>
-            <a:ext cx="7943803" cy="5264050"/>
+            <a:off x="1457739" y="355404"/>
+            <a:ext cx="9276522" cy="6147191"/>
           </a:xfrm>
           <a:prstGeom prst="rect">
             <a:avLst/>
           </a:prstGeom>
         </p:spPr>
       </p:pic>
-      <p:pic>
-        <p:nvPicPr>
-          <p:cNvPr id="8" name="Picture 7">
-            <a:extLst>
-              <a:ext uri="{FF2B5EF4-FFF2-40B4-BE49-F238E27FC236}">
-                <a16:creationId xmlns:a16="http://schemas.microsoft.com/office/drawing/2014/main" id="{79EFFB17-E3BE-5272-1CE0-4A87F391BE9B}"/>
-              </a:ext>
-            </a:extLst>
-          </p:cNvPr>
-          <p:cNvPicPr>
-            <a:picLocks noChangeAspect="1"/>
-          </p:cNvPicPr>
-          <p:nvPr/>
-        </p:nvPicPr>
-        <p:blipFill>
-          <a:blip r:embed="rId3"/>
-          <a:stretch>
-            <a:fillRect/>
-          </a:stretch>
-        </p:blipFill>
-        <p:spPr>
-          <a:xfrm>
-            <a:off x="3048001" y="416392"/>
-            <a:ext cx="7802136" cy="806876"/>
-          </a:xfrm>
-          <a:prstGeom prst="rect">
-            <a:avLst/>
-          </a:prstGeom>
-        </p:spPr>
-      </p:pic>
-      <p:sp>
-        <p:nvSpPr>
-          <p:cNvPr id="9" name="TextBox 8">
-            <a:extLst>
-              <a:ext uri="{FF2B5EF4-FFF2-40B4-BE49-F238E27FC236}">
-                <a16:creationId xmlns:a16="http://schemas.microsoft.com/office/drawing/2014/main" id="{A5A71CE0-34B7-2D15-B96B-43D3BC76BCB0}"/>
-              </a:ext>
-            </a:extLst>
-          </p:cNvPr>
-          <p:cNvSpPr txBox="1"/>
-          <p:nvPr/>
-        </p:nvSpPr>
-        <p:spPr>
-          <a:xfrm>
-            <a:off x="219308" y="843677"/>
-            <a:ext cx="2609385" cy="2585323"/>
-          </a:xfrm>
-          <a:prstGeom prst="rect">
-            <a:avLst/>
-          </a:prstGeom>
-          <a:noFill/>
-        </p:spPr>
-        <p:txBody>
-          <a:bodyPr wrap="square" rtlCol="0">
-            <a:spAutoFit/>
-          </a:bodyPr>
-          <a:lstStyle/>
-          <a:p>
-            <a:r>
-              <a:rPr lang="en-US" dirty="0"/>
-              <a:t>Null Hypothesis: Mean per capita income between states is the same.</a:t>
-            </a:r>
-          </a:p>
-          <a:p>
-            <a:endParaRPr lang="en-US" dirty="0"/>
-          </a:p>
-          <a:p>
-            <a:r>
-              <a:rPr lang="en-US" dirty="0"/>
-              <a:t>Alternative Hypothesis:  At least one state has a different mean per capita income   </a:t>
-            </a:r>
-          </a:p>
-        </p:txBody>
-      </p:sp>
     </p:spTree>
     <p:extLst>
       <p:ext uri="{BB962C8B-B14F-4D97-AF65-F5344CB8AC3E}">
@@ -5122,82 +8213,8 @@
         </p:blipFill>
         <p:spPr>
           <a:xfrm>
-            <a:off x="4393581" y="1009185"/>
-            <a:ext cx="7798420" cy="5848815"/>
-          </a:xfrm>
-          <a:prstGeom prst="rect">
-            <a:avLst/>
-          </a:prstGeom>
-        </p:spPr>
-      </p:pic>
-      <p:sp>
-        <p:nvSpPr>
-          <p:cNvPr id="5" name="TextBox 4">
-            <a:extLst>
-              <a:ext uri="{FF2B5EF4-FFF2-40B4-BE49-F238E27FC236}">
-                <a16:creationId xmlns:a16="http://schemas.microsoft.com/office/drawing/2014/main" id="{023DABBA-B84F-1468-8A42-1B8C89BEE7C3}"/>
-              </a:ext>
-            </a:extLst>
-          </p:cNvPr>
-          <p:cNvSpPr txBox="1"/>
-          <p:nvPr/>
-        </p:nvSpPr>
-        <p:spPr>
-          <a:xfrm>
-            <a:off x="250372" y="1348269"/>
-            <a:ext cx="3494967" cy="2585323"/>
-          </a:xfrm>
-          <a:prstGeom prst="rect">
-            <a:avLst/>
-          </a:prstGeom>
-          <a:noFill/>
-        </p:spPr>
-        <p:txBody>
-          <a:bodyPr wrap="square">
-            <a:spAutoFit/>
-          </a:bodyPr>
-          <a:lstStyle/>
-          <a:p>
-            <a:r>
-              <a:rPr lang="en-US" dirty="0"/>
-              <a:t>Null Hypothesis: The Mean number of bachelor’s degrees between states is the same in 2020.</a:t>
-            </a:r>
-          </a:p>
-          <a:p>
-            <a:endParaRPr lang="en-US" dirty="0"/>
-          </a:p>
-          <a:p>
-            <a:r>
-              <a:rPr lang="en-US" dirty="0"/>
-              <a:t>Alternative Hypothesis:  At least one state has a different mean number of bachelor’s degrees in 2020.</a:t>
-            </a:r>
-          </a:p>
-        </p:txBody>
-      </p:sp>
-      <p:pic>
-        <p:nvPicPr>
-          <p:cNvPr id="7" name="Picture 6">
-            <a:extLst>
-              <a:ext uri="{FF2B5EF4-FFF2-40B4-BE49-F238E27FC236}">
-                <a16:creationId xmlns:a16="http://schemas.microsoft.com/office/drawing/2014/main" id="{4CA25A69-FF66-8D09-FABC-48E47585F673}"/>
-              </a:ext>
-            </a:extLst>
-          </p:cNvPr>
-          <p:cNvPicPr>
-            <a:picLocks noChangeAspect="1"/>
-          </p:cNvPicPr>
-          <p:nvPr/>
-        </p:nvPicPr>
-        <p:blipFill>
-          <a:blip r:embed="rId3"/>
-          <a:stretch>
-            <a:fillRect/>
-          </a:stretch>
-        </p:blipFill>
-        <p:spPr>
-          <a:xfrm>
-            <a:off x="0" y="142289"/>
-            <a:ext cx="9231013" cy="866896"/>
+            <a:off x="1838981" y="137996"/>
+            <a:ext cx="8776010" cy="6582008"/>
           </a:xfrm>
           <a:prstGeom prst="rect">
             <a:avLst/>
@@ -5530,4 +8547,299 @@
     </a:ext>
   </a:extLst>
 </a:theme>
+</file>
+
+<file path=ppt/theme/theme2.xml><?xml version="1.0" encoding="utf-8"?>
+<a:theme xmlns:a="http://schemas.openxmlformats.org/drawingml/2006/main" name="Office Theme">
+  <a:themeElements>
+    <a:clrScheme name="Office">
+      <a:dk1>
+        <a:sysClr val="windowText" lastClr="000000"/>
+      </a:dk1>
+      <a:lt1>
+        <a:sysClr val="window" lastClr="FFFFFF"/>
+      </a:lt1>
+      <a:dk2>
+        <a:srgbClr val="44546A"/>
+      </a:dk2>
+      <a:lt2>
+        <a:srgbClr val="E7E6E6"/>
+      </a:lt2>
+      <a:accent1>
+        <a:srgbClr val="4472C4"/>
+      </a:accent1>
+      <a:accent2>
+        <a:srgbClr val="ED7D31"/>
+      </a:accent2>
+      <a:accent3>
+        <a:srgbClr val="A5A5A5"/>
+      </a:accent3>
+      <a:accent4>
+        <a:srgbClr val="FFC000"/>
+      </a:accent4>
+      <a:accent5>
+        <a:srgbClr val="5B9BD5"/>
+      </a:accent5>
+      <a:accent6>
+        <a:srgbClr val="70AD47"/>
+      </a:accent6>
+      <a:hlink>
+        <a:srgbClr val="0563C1"/>
+      </a:hlink>
+      <a:folHlink>
+        <a:srgbClr val="954F72"/>
+      </a:folHlink>
+    </a:clrScheme>
+    <a:fontScheme name="Office">
+      <a:majorFont>
+        <a:latin typeface="Calibri Light" panose="020F0302020204030204"/>
+        <a:ea typeface=""/>
+        <a:cs typeface=""/>
+        <a:font script="Jpan" typeface="游ゴシック Light"/>
+        <a:font script="Hang" typeface="맑은 고딕"/>
+        <a:font script="Hans" typeface="等线 Light"/>
+        <a:font script="Hant" typeface="新細明體"/>
+        <a:font script="Arab" typeface="Times New Roman"/>
+        <a:font script="Hebr" typeface="Times New Roman"/>
+        <a:font script="Thai" typeface="Angsana New"/>
+        <a:font script="Ethi" typeface="Nyala"/>
+        <a:font script="Beng" typeface="Vrinda"/>
+        <a:font script="Gujr" typeface="Shruti"/>
+        <a:font script="Khmr" typeface="MoolBoran"/>
+        <a:font script="Knda" typeface="Tunga"/>
+        <a:font script="Guru" typeface="Raavi"/>
+        <a:font script="Cans" typeface="Euphemia"/>
+        <a:font script="Cher" typeface="Plantagenet Cherokee"/>
+        <a:font script="Yiii" typeface="Microsoft Yi Baiti"/>
+        <a:font script="Tibt" typeface="Microsoft Himalaya"/>
+        <a:font script="Thaa" typeface="MV Boli"/>
+        <a:font script="Deva" typeface="Mangal"/>
+        <a:font script="Telu" typeface="Gautami"/>
+        <a:font script="Taml" typeface="Latha"/>
+        <a:font script="Syrc" typeface="Estrangelo Edessa"/>
+        <a:font script="Orya" typeface="Kalinga"/>
+        <a:font script="Mlym" typeface="Kartika"/>
+        <a:font script="Laoo" typeface="DokChampa"/>
+        <a:font script="Sinh" typeface="Iskoola Pota"/>
+        <a:font script="Mong" typeface="Mongolian Baiti"/>
+        <a:font script="Viet" typeface="Times New Roman"/>
+        <a:font script="Uigh" typeface="Microsoft Uighur"/>
+        <a:font script="Geor" typeface="Sylfaen"/>
+        <a:font script="Armn" typeface="Arial"/>
+        <a:font script="Bugi" typeface="Leelawadee UI"/>
+        <a:font script="Bopo" typeface="Microsoft JhengHei"/>
+        <a:font script="Java" typeface="Javanese Text"/>
+        <a:font script="Lisu" typeface="Segoe UI"/>
+        <a:font script="Mymr" typeface="Myanmar Text"/>
+        <a:font script="Nkoo" typeface="Ebrima"/>
+        <a:font script="Olck" typeface="Nirmala UI"/>
+        <a:font script="Osma" typeface="Ebrima"/>
+        <a:font script="Phag" typeface="Phagspa"/>
+        <a:font script="Syrn" typeface="Estrangelo Edessa"/>
+        <a:font script="Syrj" typeface="Estrangelo Edessa"/>
+        <a:font script="Syre" typeface="Estrangelo Edessa"/>
+        <a:font script="Sora" typeface="Nirmala UI"/>
+        <a:font script="Tale" typeface="Microsoft Tai Le"/>
+        <a:font script="Talu" typeface="Microsoft New Tai Lue"/>
+        <a:font script="Tfng" typeface="Ebrima"/>
+      </a:majorFont>
+      <a:minorFont>
+        <a:latin typeface="Calibri" panose="020F0502020204030204"/>
+        <a:ea typeface=""/>
+        <a:cs typeface=""/>
+        <a:font script="Jpan" typeface="游ゴシック"/>
+        <a:font script="Hang" typeface="맑은 고딕"/>
+        <a:font script="Hans" typeface="等线"/>
+        <a:font script="Hant" typeface="新細明體"/>
+        <a:font script="Arab" typeface="Arial"/>
+        <a:font script="Hebr" typeface="Arial"/>
+        <a:font script="Thai" typeface="Cordia New"/>
+        <a:font script="Ethi" typeface="Nyala"/>
+        <a:font script="Beng" typeface="Vrinda"/>
+        <a:font script="Gujr" typeface="Shruti"/>
+        <a:font script="Khmr" typeface="DaunPenh"/>
+        <a:font script="Knda" typeface="Tunga"/>
+        <a:font script="Guru" typeface="Raavi"/>
+        <a:font script="Cans" typeface="Euphemia"/>
+        <a:font script="Cher" typeface="Plantagenet Cherokee"/>
+        <a:font script="Yiii" typeface="Microsoft Yi Baiti"/>
+        <a:font script="Tibt" typeface="Microsoft Himalaya"/>
+        <a:font script="Thaa" typeface="MV Boli"/>
+        <a:font script="Deva" typeface="Mangal"/>
+        <a:font script="Telu" typeface="Gautami"/>
+        <a:font script="Taml" typeface="Latha"/>
+        <a:font script="Syrc" typeface="Estrangelo Edessa"/>
+        <a:font script="Orya" typeface="Kalinga"/>
+        <a:font script="Mlym" typeface="Kartika"/>
+        <a:font script="Laoo" typeface="DokChampa"/>
+        <a:font script="Sinh" typeface="Iskoola Pota"/>
+        <a:font script="Mong" typeface="Mongolian Baiti"/>
+        <a:font script="Viet" typeface="Arial"/>
+        <a:font script="Uigh" typeface="Microsoft Uighur"/>
+        <a:font script="Geor" typeface="Sylfaen"/>
+        <a:font script="Armn" typeface="Arial"/>
+        <a:font script="Bugi" typeface="Leelawadee UI"/>
+        <a:font script="Bopo" typeface="Microsoft JhengHei"/>
+        <a:font script="Java" typeface="Javanese Text"/>
+        <a:font script="Lisu" typeface="Segoe UI"/>
+        <a:font script="Mymr" typeface="Myanmar Text"/>
+        <a:font script="Nkoo" typeface="Ebrima"/>
+        <a:font script="Olck" typeface="Nirmala UI"/>
+        <a:font script="Osma" typeface="Ebrima"/>
+        <a:font script="Phag" typeface="Phagspa"/>
+        <a:font script="Syrn" typeface="Estrangelo Edessa"/>
+        <a:font script="Syrj" typeface="Estrangelo Edessa"/>
+        <a:font script="Syre" typeface="Estrangelo Edessa"/>
+        <a:font script="Sora" typeface="Nirmala UI"/>
+        <a:font script="Tale" typeface="Microsoft Tai Le"/>
+        <a:font script="Talu" typeface="Microsoft New Tai Lue"/>
+        <a:font script="Tfng" typeface="Ebrima"/>
+      </a:minorFont>
+    </a:fontScheme>
+    <a:fmtScheme name="Office">
+      <a:fillStyleLst>
+        <a:solidFill>
+          <a:schemeClr val="phClr"/>
+        </a:solidFill>
+        <a:gradFill rotWithShape="1">
+          <a:gsLst>
+            <a:gs pos="0">
+              <a:schemeClr val="phClr">
+                <a:lumMod val="110000"/>
+                <a:satMod val="105000"/>
+                <a:tint val="67000"/>
+              </a:schemeClr>
+            </a:gs>
+            <a:gs pos="50000">
+              <a:schemeClr val="phClr">
+                <a:lumMod val="105000"/>
+                <a:satMod val="103000"/>
+                <a:tint val="73000"/>
+              </a:schemeClr>
+            </a:gs>
+            <a:gs pos="100000">
+              <a:schemeClr val="phClr">
+                <a:lumMod val="105000"/>
+                <a:satMod val="109000"/>
+                <a:tint val="81000"/>
+              </a:schemeClr>
+            </a:gs>
+          </a:gsLst>
+          <a:lin ang="5400000" scaled="0"/>
+        </a:gradFill>
+        <a:gradFill rotWithShape="1">
+          <a:gsLst>
+            <a:gs pos="0">
+              <a:schemeClr val="phClr">
+                <a:satMod val="103000"/>
+                <a:lumMod val="102000"/>
+                <a:tint val="94000"/>
+              </a:schemeClr>
+            </a:gs>
+            <a:gs pos="50000">
+              <a:schemeClr val="phClr">
+                <a:satMod val="110000"/>
+                <a:lumMod val="100000"/>
+                <a:shade val="100000"/>
+              </a:schemeClr>
+            </a:gs>
+            <a:gs pos="100000">
+              <a:schemeClr val="phClr">
+                <a:lumMod val="99000"/>
+                <a:satMod val="120000"/>
+                <a:shade val="78000"/>
+              </a:schemeClr>
+            </a:gs>
+          </a:gsLst>
+          <a:lin ang="5400000" scaled="0"/>
+        </a:gradFill>
+      </a:fillStyleLst>
+      <a:lnStyleLst>
+        <a:ln w="6350" cap="flat" cmpd="sng" algn="ctr">
+          <a:solidFill>
+            <a:schemeClr val="phClr"/>
+          </a:solidFill>
+          <a:prstDash val="solid"/>
+          <a:miter lim="800000"/>
+        </a:ln>
+        <a:ln w="12700" cap="flat" cmpd="sng" algn="ctr">
+          <a:solidFill>
+            <a:schemeClr val="phClr"/>
+          </a:solidFill>
+          <a:prstDash val="solid"/>
+          <a:miter lim="800000"/>
+        </a:ln>
+        <a:ln w="19050" cap="flat" cmpd="sng" algn="ctr">
+          <a:solidFill>
+            <a:schemeClr val="phClr"/>
+          </a:solidFill>
+          <a:prstDash val="solid"/>
+          <a:miter lim="800000"/>
+        </a:ln>
+      </a:lnStyleLst>
+      <a:effectStyleLst>
+        <a:effectStyle>
+          <a:effectLst/>
+        </a:effectStyle>
+        <a:effectStyle>
+          <a:effectLst/>
+        </a:effectStyle>
+        <a:effectStyle>
+          <a:effectLst>
+            <a:outerShdw blurRad="57150" dist="19050" dir="5400000" algn="ctr" rotWithShape="0">
+              <a:srgbClr val="000000">
+                <a:alpha val="63000"/>
+              </a:srgbClr>
+            </a:outerShdw>
+          </a:effectLst>
+        </a:effectStyle>
+      </a:effectStyleLst>
+      <a:bgFillStyleLst>
+        <a:solidFill>
+          <a:schemeClr val="phClr"/>
+        </a:solidFill>
+        <a:solidFill>
+          <a:schemeClr val="phClr">
+            <a:tint val="95000"/>
+            <a:satMod val="170000"/>
+          </a:schemeClr>
+        </a:solidFill>
+        <a:gradFill rotWithShape="1">
+          <a:gsLst>
+            <a:gs pos="0">
+              <a:schemeClr val="phClr">
+                <a:tint val="93000"/>
+                <a:satMod val="150000"/>
+                <a:shade val="98000"/>
+                <a:lumMod val="102000"/>
+              </a:schemeClr>
+            </a:gs>
+            <a:gs pos="50000">
+              <a:schemeClr val="phClr">
+                <a:tint val="98000"/>
+                <a:satMod val="130000"/>
+                <a:shade val="90000"/>
+                <a:lumMod val="103000"/>
+              </a:schemeClr>
+            </a:gs>
+            <a:gs pos="100000">
+              <a:schemeClr val="phClr">
+                <a:shade val="63000"/>
+                <a:satMod val="120000"/>
+              </a:schemeClr>
+            </a:gs>
+          </a:gsLst>
+          <a:lin ang="5400000" scaled="0"/>
+        </a:gradFill>
+      </a:bgFillStyleLst>
+    </a:fmtScheme>
+  </a:themeElements>
+  <a:objectDefaults/>
+  <a:extraClrSchemeLst/>
+  <a:extLst>
+    <a:ext uri="{05A4C25C-085E-4340-85A3-A5531E510DB2}">
+      <thm15:themeFamily xmlns:thm15="http://schemas.microsoft.com/office/thememl/2012/main" name="Office Theme" id="{62F939B6-93AF-4DB8-9C6B-D6C7DFDC589F}" vid="{4A3C46E8-61CC-4603-A589-7422A47A8E4A}"/>
+    </a:ext>
+  </a:extLst>
+</a:theme>
 </file>
--- a/IntroDataPresentation.pptx
+++ b/IntroDataPresentation.pptx
@@ -4,37 +4,13 @@
   <p:sldMasterIdLst>
     <p:sldMasterId id="2147483648" r:id="rId1"/>
   </p:sldMasterIdLst>
-  <p:notesMasterIdLst>
-    <p:notesMasterId r:id="rId29"/>
-  </p:notesMasterIdLst>
   <p:sldIdLst>
     <p:sldId id="256" r:id="rId2"/>
     <p:sldId id="263" r:id="rId3"/>
-    <p:sldId id="271" r:id="rId4"/>
-    <p:sldId id="272" r:id="rId5"/>
-    <p:sldId id="273" r:id="rId6"/>
-    <p:sldId id="260" r:id="rId7"/>
-    <p:sldId id="274" r:id="rId8"/>
-    <p:sldId id="268" r:id="rId9"/>
-    <p:sldId id="269" r:id="rId10"/>
-    <p:sldId id="270" r:id="rId11"/>
-    <p:sldId id="264" r:id="rId12"/>
-    <p:sldId id="265" r:id="rId13"/>
-    <p:sldId id="275" r:id="rId14"/>
-    <p:sldId id="278" r:id="rId15"/>
-    <p:sldId id="277" r:id="rId16"/>
-    <p:sldId id="284" r:id="rId17"/>
-    <p:sldId id="285" r:id="rId18"/>
-    <p:sldId id="286" r:id="rId19"/>
-    <p:sldId id="276" r:id="rId20"/>
-    <p:sldId id="280" r:id="rId21"/>
-    <p:sldId id="281" r:id="rId22"/>
-    <p:sldId id="282" r:id="rId23"/>
-    <p:sldId id="283" r:id="rId24"/>
-    <p:sldId id="259" r:id="rId25"/>
-    <p:sldId id="258" r:id="rId26"/>
-    <p:sldId id="279" r:id="rId27"/>
-    <p:sldId id="261" r:id="rId28"/>
+    <p:sldId id="260" r:id="rId4"/>
+    <p:sldId id="259" r:id="rId5"/>
+    <p:sldId id="258" r:id="rId6"/>
+    <p:sldId id="261" r:id="rId7"/>
   </p:sldIdLst>
   <p:sldSz cx="12192000" cy="6858000"/>
   <p:notesSz cx="6858000" cy="9144000"/>
@@ -141,974 +117,6 @@
 </p:presentation>
 </file>
 
-<file path=ppt/notesMasters/notesMaster1.xml><?xml version="1.0" encoding="utf-8"?>
-<p:notesMaster xmlns:a="http://schemas.openxmlformats.org/drawingml/2006/main" xmlns:r="http://schemas.openxmlformats.org/officeDocument/2006/relationships" xmlns:p="http://schemas.openxmlformats.org/presentationml/2006/main">
-  <p:cSld>
-    <p:bg>
-      <p:bgRef idx="1001">
-        <a:schemeClr val="bg1"/>
-      </p:bgRef>
-    </p:bg>
-    <p:spTree>
-      <p:nvGrpSpPr>
-        <p:cNvPr id="1" name=""/>
-        <p:cNvGrpSpPr/>
-        <p:nvPr/>
-      </p:nvGrpSpPr>
-      <p:grpSpPr>
-        <a:xfrm>
-          <a:off x="0" y="0"/>
-          <a:ext cx="0" cy="0"/>
-          <a:chOff x="0" y="0"/>
-          <a:chExt cx="0" cy="0"/>
-        </a:xfrm>
-      </p:grpSpPr>
-      <p:sp>
-        <p:nvSpPr>
-          <p:cNvPr id="2" name="Header Placeholder 1"/>
-          <p:cNvSpPr>
-            <a:spLocks noGrp="1"/>
-          </p:cNvSpPr>
-          <p:nvPr>
-            <p:ph type="hdr" sz="quarter"/>
-          </p:nvPr>
-        </p:nvSpPr>
-        <p:spPr>
-          <a:xfrm>
-            <a:off x="0" y="0"/>
-            <a:ext cx="2971800" cy="458788"/>
-          </a:xfrm>
-          <a:prstGeom prst="rect">
-            <a:avLst/>
-          </a:prstGeom>
-        </p:spPr>
-        <p:txBody>
-          <a:bodyPr vert="horz" lIns="91440" tIns="45720" rIns="91440" bIns="45720" rtlCol="0"/>
-          <a:lstStyle>
-            <a:lvl1pPr algn="l">
-              <a:defRPr sz="1200"/>
-            </a:lvl1pPr>
-          </a:lstStyle>
-          <a:p>
-            <a:endParaRPr lang="en-US"/>
-          </a:p>
-        </p:txBody>
-      </p:sp>
-      <p:sp>
-        <p:nvSpPr>
-          <p:cNvPr id="3" name="Date Placeholder 2"/>
-          <p:cNvSpPr>
-            <a:spLocks noGrp="1"/>
-          </p:cNvSpPr>
-          <p:nvPr>
-            <p:ph type="dt" idx="1"/>
-          </p:nvPr>
-        </p:nvSpPr>
-        <p:spPr>
-          <a:xfrm>
-            <a:off x="3884613" y="0"/>
-            <a:ext cx="2971800" cy="458788"/>
-          </a:xfrm>
-          <a:prstGeom prst="rect">
-            <a:avLst/>
-          </a:prstGeom>
-        </p:spPr>
-        <p:txBody>
-          <a:bodyPr vert="horz" lIns="91440" tIns="45720" rIns="91440" bIns="45720" rtlCol="0"/>
-          <a:lstStyle>
-            <a:lvl1pPr algn="r">
-              <a:defRPr sz="1200"/>
-            </a:lvl1pPr>
-          </a:lstStyle>
-          <a:p>
-            <a:fld id="{DCBA5B3D-5196-4548-BAFD-84FED12329E6}" type="datetimeFigureOut">
-              <a:rPr lang="en-US" smtClean="0"/>
-              <a:t>10/16/2025</a:t>
-            </a:fld>
-            <a:endParaRPr lang="en-US"/>
-          </a:p>
-        </p:txBody>
-      </p:sp>
-      <p:sp>
-        <p:nvSpPr>
-          <p:cNvPr id="4" name="Slide Image Placeholder 3"/>
-          <p:cNvSpPr>
-            <a:spLocks noGrp="1" noRot="1" noChangeAspect="1"/>
-          </p:cNvSpPr>
-          <p:nvPr>
-            <p:ph type="sldImg" idx="2"/>
-          </p:nvPr>
-        </p:nvSpPr>
-        <p:spPr>
-          <a:xfrm>
-            <a:off x="685800" y="1143000"/>
-            <a:ext cx="5486400" cy="3086100"/>
-          </a:xfrm>
-          <a:prstGeom prst="rect">
-            <a:avLst/>
-          </a:prstGeom>
-          <a:noFill/>
-          <a:ln w="12700">
-            <a:solidFill>
-              <a:prstClr val="black"/>
-            </a:solidFill>
-          </a:ln>
-        </p:spPr>
-        <p:txBody>
-          <a:bodyPr vert="horz" lIns="91440" tIns="45720" rIns="91440" bIns="45720" rtlCol="0" anchor="ctr"/>
-          <a:lstStyle/>
-          <a:p>
-            <a:endParaRPr lang="en-US"/>
-          </a:p>
-        </p:txBody>
-      </p:sp>
-      <p:sp>
-        <p:nvSpPr>
-          <p:cNvPr id="5" name="Notes Placeholder 4"/>
-          <p:cNvSpPr>
-            <a:spLocks noGrp="1"/>
-          </p:cNvSpPr>
-          <p:nvPr>
-            <p:ph type="body" sz="quarter" idx="3"/>
-          </p:nvPr>
-        </p:nvSpPr>
-        <p:spPr>
-          <a:xfrm>
-            <a:off x="685800" y="4400550"/>
-            <a:ext cx="5486400" cy="3600450"/>
-          </a:xfrm>
-          <a:prstGeom prst="rect">
-            <a:avLst/>
-          </a:prstGeom>
-        </p:spPr>
-        <p:txBody>
-          <a:bodyPr vert="horz" lIns="91440" tIns="45720" rIns="91440" bIns="45720" rtlCol="0"/>
-          <a:lstStyle/>
-          <a:p>
-            <a:pPr lvl="0"/>
-            <a:r>
-              <a:rPr lang="en-US"/>
-              <a:t>Click to edit Master text styles</a:t>
-            </a:r>
-          </a:p>
-          <a:p>
-            <a:pPr lvl="1"/>
-            <a:r>
-              <a:rPr lang="en-US"/>
-              <a:t>Second level</a:t>
-            </a:r>
-          </a:p>
-          <a:p>
-            <a:pPr lvl="2"/>
-            <a:r>
-              <a:rPr lang="en-US"/>
-              <a:t>Third level</a:t>
-            </a:r>
-          </a:p>
-          <a:p>
-            <a:pPr lvl="3"/>
-            <a:r>
-              <a:rPr lang="en-US"/>
-              <a:t>Fourth level</a:t>
-            </a:r>
-          </a:p>
-          <a:p>
-            <a:pPr lvl="4"/>
-            <a:r>
-              <a:rPr lang="en-US"/>
-              <a:t>Fifth level</a:t>
-            </a:r>
-          </a:p>
-        </p:txBody>
-      </p:sp>
-      <p:sp>
-        <p:nvSpPr>
-          <p:cNvPr id="6" name="Footer Placeholder 5"/>
-          <p:cNvSpPr>
-            <a:spLocks noGrp="1"/>
-          </p:cNvSpPr>
-          <p:nvPr>
-            <p:ph type="ftr" sz="quarter" idx="4"/>
-          </p:nvPr>
-        </p:nvSpPr>
-        <p:spPr>
-          <a:xfrm>
-            <a:off x="0" y="8685213"/>
-            <a:ext cx="2971800" cy="458787"/>
-          </a:xfrm>
-          <a:prstGeom prst="rect">
-            <a:avLst/>
-          </a:prstGeom>
-        </p:spPr>
-        <p:txBody>
-          <a:bodyPr vert="horz" lIns="91440" tIns="45720" rIns="91440" bIns="45720" rtlCol="0" anchor="b"/>
-          <a:lstStyle>
-            <a:lvl1pPr algn="l">
-              <a:defRPr sz="1200"/>
-            </a:lvl1pPr>
-          </a:lstStyle>
-          <a:p>
-            <a:endParaRPr lang="en-US"/>
-          </a:p>
-        </p:txBody>
-      </p:sp>
-      <p:sp>
-        <p:nvSpPr>
-          <p:cNvPr id="7" name="Slide Number Placeholder 6"/>
-          <p:cNvSpPr>
-            <a:spLocks noGrp="1"/>
-          </p:cNvSpPr>
-          <p:nvPr>
-            <p:ph type="sldNum" sz="quarter" idx="5"/>
-          </p:nvPr>
-        </p:nvSpPr>
-        <p:spPr>
-          <a:xfrm>
-            <a:off x="3884613" y="8685213"/>
-            <a:ext cx="2971800" cy="458787"/>
-          </a:xfrm>
-          <a:prstGeom prst="rect">
-            <a:avLst/>
-          </a:prstGeom>
-        </p:spPr>
-        <p:txBody>
-          <a:bodyPr vert="horz" lIns="91440" tIns="45720" rIns="91440" bIns="45720" rtlCol="0" anchor="b"/>
-          <a:lstStyle>
-            <a:lvl1pPr algn="r">
-              <a:defRPr sz="1200"/>
-            </a:lvl1pPr>
-          </a:lstStyle>
-          <a:p>
-            <a:fld id="{C59DDA44-CDC0-4981-8DC5-42D6D4EBBD17}" type="slidenum">
-              <a:rPr lang="en-US" smtClean="0"/>
-              <a:t>‹#›</a:t>
-            </a:fld>
-            <a:endParaRPr lang="en-US"/>
-          </a:p>
-        </p:txBody>
-      </p:sp>
-    </p:spTree>
-    <p:extLst>
-      <p:ext uri="{BB962C8B-B14F-4D97-AF65-F5344CB8AC3E}">
-        <p14:creationId xmlns:p14="http://schemas.microsoft.com/office/powerpoint/2010/main" val="2925912332"/>
-      </p:ext>
-    </p:extLst>
-  </p:cSld>
-  <p:clrMap bg1="lt1" tx1="dk1" bg2="lt2" tx2="dk2" accent1="accent1" accent2="accent2" accent3="accent3" accent4="accent4" accent5="accent5" accent6="accent6" hlink="hlink" folHlink="folHlink"/>
-  <p:notesStyle>
-    <a:lvl1pPr marL="0" algn="l" defTabSz="914400" rtl="0" eaLnBrk="1" latinLnBrk="0" hangingPunct="1">
-      <a:defRPr sz="1200" kern="1200">
-        <a:solidFill>
-          <a:schemeClr val="tx1"/>
-        </a:solidFill>
-        <a:latin typeface="+mn-lt"/>
-        <a:ea typeface="+mn-ea"/>
-        <a:cs typeface="+mn-cs"/>
-      </a:defRPr>
-    </a:lvl1pPr>
-    <a:lvl2pPr marL="457200" algn="l" defTabSz="914400" rtl="0" eaLnBrk="1" latinLnBrk="0" hangingPunct="1">
-      <a:defRPr sz="1200" kern="1200">
-        <a:solidFill>
-          <a:schemeClr val="tx1"/>
-        </a:solidFill>
-        <a:latin typeface="+mn-lt"/>
-        <a:ea typeface="+mn-ea"/>
-        <a:cs typeface="+mn-cs"/>
-      </a:defRPr>
-    </a:lvl2pPr>
-    <a:lvl3pPr marL="914400" algn="l" defTabSz="914400" rtl="0" eaLnBrk="1" latinLnBrk="0" hangingPunct="1">
-      <a:defRPr sz="1200" kern="1200">
-        <a:solidFill>
-          <a:schemeClr val="tx1"/>
-        </a:solidFill>
-        <a:latin typeface="+mn-lt"/>
-        <a:ea typeface="+mn-ea"/>
-        <a:cs typeface="+mn-cs"/>
-      </a:defRPr>
-    </a:lvl3pPr>
-    <a:lvl4pPr marL="1371600" algn="l" defTabSz="914400" rtl="0" eaLnBrk="1" latinLnBrk="0" hangingPunct="1">
-      <a:defRPr sz="1200" kern="1200">
-        <a:solidFill>
-          <a:schemeClr val="tx1"/>
-        </a:solidFill>
-        <a:latin typeface="+mn-lt"/>
-        <a:ea typeface="+mn-ea"/>
-        <a:cs typeface="+mn-cs"/>
-      </a:defRPr>
-    </a:lvl4pPr>
-    <a:lvl5pPr marL="1828800" algn="l" defTabSz="914400" rtl="0" eaLnBrk="1" latinLnBrk="0" hangingPunct="1">
-      <a:defRPr sz="1200" kern="1200">
-        <a:solidFill>
-          <a:schemeClr val="tx1"/>
-        </a:solidFill>
-        <a:latin typeface="+mn-lt"/>
-        <a:ea typeface="+mn-ea"/>
-        <a:cs typeface="+mn-cs"/>
-      </a:defRPr>
-    </a:lvl5pPr>
-    <a:lvl6pPr marL="2286000" algn="l" defTabSz="914400" rtl="0" eaLnBrk="1" latinLnBrk="0" hangingPunct="1">
-      <a:defRPr sz="1200" kern="1200">
-        <a:solidFill>
-          <a:schemeClr val="tx1"/>
-        </a:solidFill>
-        <a:latin typeface="+mn-lt"/>
-        <a:ea typeface="+mn-ea"/>
-        <a:cs typeface="+mn-cs"/>
-      </a:defRPr>
-    </a:lvl6pPr>
-    <a:lvl7pPr marL="2743200" algn="l" defTabSz="914400" rtl="0" eaLnBrk="1" latinLnBrk="0" hangingPunct="1">
-      <a:defRPr sz="1200" kern="1200">
-        <a:solidFill>
-          <a:schemeClr val="tx1"/>
-        </a:solidFill>
-        <a:latin typeface="+mn-lt"/>
-        <a:ea typeface="+mn-ea"/>
-        <a:cs typeface="+mn-cs"/>
-      </a:defRPr>
-    </a:lvl7pPr>
-    <a:lvl8pPr marL="3200400" algn="l" defTabSz="914400" rtl="0" eaLnBrk="1" latinLnBrk="0" hangingPunct="1">
-      <a:defRPr sz="1200" kern="1200">
-        <a:solidFill>
-          <a:schemeClr val="tx1"/>
-        </a:solidFill>
-        <a:latin typeface="+mn-lt"/>
-        <a:ea typeface="+mn-ea"/>
-        <a:cs typeface="+mn-cs"/>
-      </a:defRPr>
-    </a:lvl8pPr>
-    <a:lvl9pPr marL="3657600" algn="l" defTabSz="914400" rtl="0" eaLnBrk="1" latinLnBrk="0" hangingPunct="1">
-      <a:defRPr sz="1200" kern="1200">
-        <a:solidFill>
-          <a:schemeClr val="tx1"/>
-        </a:solidFill>
-        <a:latin typeface="+mn-lt"/>
-        <a:ea typeface="+mn-ea"/>
-        <a:cs typeface="+mn-cs"/>
-      </a:defRPr>
-    </a:lvl9pPr>
-  </p:notesStyle>
-</p:notesMaster>
-</file>
-
-<file path=ppt/notesSlides/notesSlide1.xml><?xml version="1.0" encoding="utf-8"?>
-<p:notes xmlns:a="http://schemas.openxmlformats.org/drawingml/2006/main" xmlns:r="http://schemas.openxmlformats.org/officeDocument/2006/relationships" xmlns:p="http://schemas.openxmlformats.org/presentationml/2006/main">
-  <p:cSld>
-    <p:spTree>
-      <p:nvGrpSpPr>
-        <p:cNvPr id="1" name=""/>
-        <p:cNvGrpSpPr/>
-        <p:nvPr/>
-      </p:nvGrpSpPr>
-      <p:grpSpPr>
-        <a:xfrm>
-          <a:off x="0" y="0"/>
-          <a:ext cx="0" cy="0"/>
-          <a:chOff x="0" y="0"/>
-          <a:chExt cx="0" cy="0"/>
-        </a:xfrm>
-      </p:grpSpPr>
-      <p:sp>
-        <p:nvSpPr>
-          <p:cNvPr id="2" name="Slide Image Placeholder 1"/>
-          <p:cNvSpPr>
-            <a:spLocks noGrp="1" noRot="1" noChangeAspect="1"/>
-          </p:cNvSpPr>
-          <p:nvPr>
-            <p:ph type="sldImg"/>
-          </p:nvPr>
-        </p:nvSpPr>
-        <p:spPr/>
-      </p:sp>
-      <p:sp>
-        <p:nvSpPr>
-          <p:cNvPr id="3" name="Notes Placeholder 2"/>
-          <p:cNvSpPr>
-            <a:spLocks noGrp="1"/>
-          </p:cNvSpPr>
-          <p:nvPr>
-            <p:ph type="body" idx="1"/>
-          </p:nvPr>
-        </p:nvSpPr>
-        <p:spPr/>
-        <p:txBody>
-          <a:bodyPr/>
-          <a:lstStyle/>
-          <a:p>
-            <a:r>
-              <a:rPr lang="en-US" b="1" dirty="0"/>
-              <a:t>Limitations to keep in mind</a:t>
-            </a:r>
-          </a:p>
-          <a:p>
-            <a:r>
-              <a:rPr lang="en-US" b="1" dirty="0"/>
-              <a:t>Coverage is incomplete</a:t>
-            </a:r>
-            <a:r>
-              <a:rPr lang="en-US" dirty="0"/>
-              <a:t> (3,006 counties ≠ full national universe) — some county-equivalents are missing, likely due to source gaps or merges.</a:t>
-            </a:r>
-          </a:p>
-          <a:p>
-            <a:r>
-              <a:rPr lang="en-US" b="1" dirty="0"/>
-              <a:t>Time alignment is uneven:</a:t>
-            </a:r>
-            <a:r>
-              <a:rPr lang="en-US" dirty="0"/>
-              <a:t> income is by </a:t>
-            </a:r>
-            <a:r>
-              <a:rPr lang="en-US" b="1" dirty="0"/>
-              <a:t>single years (2019–2021)</a:t>
-            </a:r>
-            <a:r>
-              <a:rPr lang="en-US" dirty="0"/>
-              <a:t>, while education variables are </a:t>
-            </a:r>
-            <a:r>
-              <a:rPr lang="en-US" b="1" dirty="0"/>
-              <a:t>multi-year aggregates (2016–2020)</a:t>
-            </a:r>
-            <a:r>
-              <a:rPr lang="en-US" dirty="0"/>
-              <a:t>; </a:t>
-            </a:r>
-            <a:r>
-              <a:rPr lang="en-US" sz="1200" kern="1200" dirty="0">
-                <a:solidFill>
-                  <a:schemeClr val="tx1"/>
-                </a:solidFill>
-                <a:latin typeface="+mn-lt"/>
-                <a:ea typeface="+mn-ea"/>
-                <a:cs typeface="+mn-cs"/>
-              </a:rPr>
-              <a:t>bachelor_degree_percentage_2016_2019</a:t>
-            </a:r>
-            <a:r>
-              <a:rPr lang="en-US" dirty="0"/>
-              <a:t> also suggests a different window from the other bachelor/associate fields.</a:t>
-            </a:r>
-          </a:p>
-        </p:txBody>
-      </p:sp>
-      <p:sp>
-        <p:nvSpPr>
-          <p:cNvPr id="4" name="Slide Number Placeholder 3"/>
-          <p:cNvSpPr>
-            <a:spLocks noGrp="1"/>
-          </p:cNvSpPr>
-          <p:nvPr>
-            <p:ph type="sldNum" sz="quarter" idx="5"/>
-          </p:nvPr>
-        </p:nvSpPr>
-        <p:spPr/>
-        <p:txBody>
-          <a:bodyPr/>
-          <a:lstStyle/>
-          <a:p>
-            <a:fld id="{C59DDA44-CDC0-4981-8DC5-42D6D4EBBD17}" type="slidenum">
-              <a:rPr lang="en-US" smtClean="0"/>
-              <a:t>3</a:t>
-            </a:fld>
-            <a:endParaRPr lang="en-US"/>
-          </a:p>
-        </p:txBody>
-      </p:sp>
-    </p:spTree>
-    <p:extLst>
-      <p:ext uri="{BB962C8B-B14F-4D97-AF65-F5344CB8AC3E}">
-        <p14:creationId xmlns:p14="http://schemas.microsoft.com/office/powerpoint/2010/main" val="1155541954"/>
-      </p:ext>
-    </p:extLst>
-  </p:cSld>
-  <p:clrMapOvr>
-    <a:masterClrMapping/>
-  </p:clrMapOvr>
-</p:notes>
-</file>
-
-<file path=ppt/notesSlides/notesSlide2.xml><?xml version="1.0" encoding="utf-8"?>
-<p:notes xmlns:a="http://schemas.openxmlformats.org/drawingml/2006/main" xmlns:r="http://schemas.openxmlformats.org/officeDocument/2006/relationships" xmlns:p="http://schemas.openxmlformats.org/presentationml/2006/main">
-  <p:cSld>
-    <p:spTree>
-      <p:nvGrpSpPr>
-        <p:cNvPr id="1" name=""/>
-        <p:cNvGrpSpPr/>
-        <p:nvPr/>
-      </p:nvGrpSpPr>
-      <p:grpSpPr>
-        <a:xfrm>
-          <a:off x="0" y="0"/>
-          <a:ext cx="0" cy="0"/>
-          <a:chOff x="0" y="0"/>
-          <a:chExt cx="0" cy="0"/>
-        </a:xfrm>
-      </p:grpSpPr>
-      <p:sp>
-        <p:nvSpPr>
-          <p:cNvPr id="2" name="Slide Image Placeholder 1"/>
-          <p:cNvSpPr>
-            <a:spLocks noGrp="1" noRot="1" noChangeAspect="1"/>
-          </p:cNvSpPr>
-          <p:nvPr>
-            <p:ph type="sldImg"/>
-          </p:nvPr>
-        </p:nvSpPr>
-        <p:spPr/>
-      </p:sp>
-      <p:sp>
-        <p:nvSpPr>
-          <p:cNvPr id="3" name="Notes Placeholder 2"/>
-          <p:cNvSpPr>
-            <a:spLocks noGrp="1"/>
-          </p:cNvSpPr>
-          <p:nvPr>
-            <p:ph type="body" idx="1"/>
-          </p:nvPr>
-        </p:nvSpPr>
-        <p:spPr/>
-        <p:txBody>
-          <a:bodyPr/>
-          <a:lstStyle/>
-          <a:p>
-            <a:r>
-              <a:rPr lang="en-US" b="0" dirty="0"/>
-              <a:t>all three QQ plots scream non-normal with a strong right tail. That’s expected at county level.</a:t>
-            </a:r>
-          </a:p>
-          <a:p>
-            <a:r>
-              <a:rPr lang="en-US" b="0" dirty="0"/>
-              <a:t>doing EDA + hypothesis tests, not regression. Normality of the raw variables is not required for:</a:t>
-            </a:r>
-          </a:p>
-          <a:p>
-            <a:r>
-              <a:rPr lang="en-US" b="0" dirty="0"/>
-              <a:t>χ² tests (no normality assumption) or ANNOVA</a:t>
-            </a:r>
-          </a:p>
-          <a:p>
-            <a:endParaRPr lang="en-US" b="0" dirty="0"/>
-          </a:p>
-        </p:txBody>
-      </p:sp>
-      <p:sp>
-        <p:nvSpPr>
-          <p:cNvPr id="4" name="Slide Number Placeholder 3"/>
-          <p:cNvSpPr>
-            <a:spLocks noGrp="1"/>
-          </p:cNvSpPr>
-          <p:nvPr>
-            <p:ph type="sldNum" sz="quarter" idx="5"/>
-          </p:nvPr>
-        </p:nvSpPr>
-        <p:spPr/>
-        <p:txBody>
-          <a:bodyPr/>
-          <a:lstStyle/>
-          <a:p>
-            <a:fld id="{C59DDA44-CDC0-4981-8DC5-42D6D4EBBD17}" type="slidenum">
-              <a:rPr lang="en-US" smtClean="0"/>
-              <a:t>7</a:t>
-            </a:fld>
-            <a:endParaRPr lang="en-US"/>
-          </a:p>
-        </p:txBody>
-      </p:sp>
-    </p:spTree>
-    <p:extLst>
-      <p:ext uri="{BB962C8B-B14F-4D97-AF65-F5344CB8AC3E}">
-        <p14:creationId xmlns:p14="http://schemas.microsoft.com/office/powerpoint/2010/main" val="3122996159"/>
-      </p:ext>
-    </p:extLst>
-  </p:cSld>
-  <p:clrMapOvr>
-    <a:masterClrMapping/>
-  </p:clrMapOvr>
-</p:notes>
-</file>
-
-<file path=ppt/notesSlides/notesSlide3.xml><?xml version="1.0" encoding="utf-8"?>
-<p:notes xmlns:a="http://schemas.openxmlformats.org/drawingml/2006/main" xmlns:r="http://schemas.openxmlformats.org/officeDocument/2006/relationships" xmlns:p="http://schemas.openxmlformats.org/presentationml/2006/main">
-  <p:cSld>
-    <p:spTree>
-      <p:nvGrpSpPr>
-        <p:cNvPr id="1" name=""/>
-        <p:cNvGrpSpPr/>
-        <p:nvPr/>
-      </p:nvGrpSpPr>
-      <p:grpSpPr>
-        <a:xfrm>
-          <a:off x="0" y="0"/>
-          <a:ext cx="0" cy="0"/>
-          <a:chOff x="0" y="0"/>
-          <a:chExt cx="0" cy="0"/>
-        </a:xfrm>
-      </p:grpSpPr>
-      <p:sp>
-        <p:nvSpPr>
-          <p:cNvPr id="2" name="Slide Image Placeholder 1"/>
-          <p:cNvSpPr>
-            <a:spLocks noGrp="1" noRot="1" noChangeAspect="1"/>
-          </p:cNvSpPr>
-          <p:nvPr>
-            <p:ph type="sldImg"/>
-          </p:nvPr>
-        </p:nvSpPr>
-        <p:spPr/>
-      </p:sp>
-      <p:sp>
-        <p:nvSpPr>
-          <p:cNvPr id="3" name="Notes Placeholder 2"/>
-          <p:cNvSpPr>
-            <a:spLocks noGrp="1"/>
-          </p:cNvSpPr>
-          <p:nvPr>
-            <p:ph type="body" idx="1"/>
-          </p:nvPr>
-        </p:nvSpPr>
-        <p:spPr/>
-        <p:txBody>
-          <a:bodyPr/>
-          <a:lstStyle/>
-          <a:p>
-            <a:endParaRPr lang="en-US" dirty="0"/>
-          </a:p>
-        </p:txBody>
-      </p:sp>
-      <p:sp>
-        <p:nvSpPr>
-          <p:cNvPr id="4" name="Slide Number Placeholder 3"/>
-          <p:cNvSpPr>
-            <a:spLocks noGrp="1"/>
-          </p:cNvSpPr>
-          <p:nvPr>
-            <p:ph type="sldNum" sz="quarter" idx="5"/>
-          </p:nvPr>
-        </p:nvSpPr>
-        <p:spPr/>
-        <p:txBody>
-          <a:bodyPr/>
-          <a:lstStyle/>
-          <a:p>
-            <a:fld id="{C59DDA44-CDC0-4981-8DC5-42D6D4EBBD17}" type="slidenum">
-              <a:rPr lang="en-US" smtClean="0"/>
-              <a:t>12</a:t>
-            </a:fld>
-            <a:endParaRPr lang="en-US"/>
-          </a:p>
-        </p:txBody>
-      </p:sp>
-    </p:spTree>
-    <p:extLst>
-      <p:ext uri="{BB962C8B-B14F-4D97-AF65-F5344CB8AC3E}">
-        <p14:creationId xmlns:p14="http://schemas.microsoft.com/office/powerpoint/2010/main" val="1807372970"/>
-      </p:ext>
-    </p:extLst>
-  </p:cSld>
-  <p:clrMapOvr>
-    <a:masterClrMapping/>
-  </p:clrMapOvr>
-</p:notes>
-</file>
-
-<file path=ppt/notesSlides/notesSlide4.xml><?xml version="1.0" encoding="utf-8"?>
-<p:notes xmlns:a="http://schemas.openxmlformats.org/drawingml/2006/main" xmlns:r="http://schemas.openxmlformats.org/officeDocument/2006/relationships" xmlns:p="http://schemas.openxmlformats.org/presentationml/2006/main">
-  <p:cSld>
-    <p:spTree>
-      <p:nvGrpSpPr>
-        <p:cNvPr id="1" name=""/>
-        <p:cNvGrpSpPr/>
-        <p:nvPr/>
-      </p:nvGrpSpPr>
-      <p:grpSpPr>
-        <a:xfrm>
-          <a:off x="0" y="0"/>
-          <a:ext cx="0" cy="0"/>
-          <a:chOff x="0" y="0"/>
-          <a:chExt cx="0" cy="0"/>
-        </a:xfrm>
-      </p:grpSpPr>
-      <p:sp>
-        <p:nvSpPr>
-          <p:cNvPr id="2" name="Slide Image Placeholder 1"/>
-          <p:cNvSpPr>
-            <a:spLocks noGrp="1" noRot="1" noChangeAspect="1"/>
-          </p:cNvSpPr>
-          <p:nvPr>
-            <p:ph type="sldImg"/>
-          </p:nvPr>
-        </p:nvSpPr>
-        <p:spPr/>
-      </p:sp>
-      <p:sp>
-        <p:nvSpPr>
-          <p:cNvPr id="3" name="Notes Placeholder 2"/>
-          <p:cNvSpPr>
-            <a:spLocks noGrp="1"/>
-          </p:cNvSpPr>
-          <p:nvPr>
-            <p:ph type="body" idx="1"/>
-          </p:nvPr>
-        </p:nvSpPr>
-        <p:spPr/>
-        <p:txBody>
-          <a:bodyPr/>
-          <a:lstStyle/>
-          <a:p>
-            <a:r>
-              <a:rPr lang="en-US" b="1" dirty="0"/>
-              <a:t>After trimming:</a:t>
-            </a:r>
-            <a:endParaRPr lang="en-US" dirty="0"/>
-          </a:p>
-          <a:p>
-            <a:r>
-              <a:rPr lang="en-US" b="1" dirty="0"/>
-              <a:t>Income (2020):</a:t>
-            </a:r>
-            <a:r>
-              <a:rPr lang="en-US" dirty="0"/>
-              <a:t> Central quantiles align reasonably with normality; </a:t>
-            </a:r>
-            <a:r>
-              <a:rPr lang="en-US" b="1" dirty="0"/>
-              <a:t>upper tail still heavy</a:t>
-            </a:r>
-            <a:r>
-              <a:rPr lang="en-US" dirty="0"/>
-              <a:t>.</a:t>
-            </a:r>
-          </a:p>
-          <a:p>
-            <a:r>
-              <a:rPr lang="en-US" b="1" dirty="0"/>
-              <a:t>Degree counts (2020):</a:t>
-            </a:r>
-            <a:r>
-              <a:rPr lang="en-US" dirty="0"/>
-              <a:t> </a:t>
-            </a:r>
-            <a:r>
-              <a:rPr lang="en-US" b="1" dirty="0"/>
-              <a:t>S-curve persists</a:t>
-            </a:r>
-            <a:r>
-              <a:rPr lang="en-US" dirty="0"/>
-              <a:t>—still markedly right-skewed; trimming reduces extremes but not the structural skew from population size.</a:t>
-            </a:r>
-          </a:p>
-          <a:p>
-            <a:endParaRPr lang="en-US" dirty="0"/>
-          </a:p>
-        </p:txBody>
-      </p:sp>
-      <p:sp>
-        <p:nvSpPr>
-          <p:cNvPr id="4" name="Slide Number Placeholder 3"/>
-          <p:cNvSpPr>
-            <a:spLocks noGrp="1"/>
-          </p:cNvSpPr>
-          <p:nvPr>
-            <p:ph type="sldNum" sz="quarter" idx="5"/>
-          </p:nvPr>
-        </p:nvSpPr>
-        <p:spPr/>
-        <p:txBody>
-          <a:bodyPr/>
-          <a:lstStyle/>
-          <a:p>
-            <a:fld id="{C59DDA44-CDC0-4981-8DC5-42D6D4EBBD17}" type="slidenum">
-              <a:rPr lang="en-US" smtClean="0"/>
-              <a:t>13</a:t>
-            </a:fld>
-            <a:endParaRPr lang="en-US"/>
-          </a:p>
-        </p:txBody>
-      </p:sp>
-    </p:spTree>
-    <p:extLst>
-      <p:ext uri="{BB962C8B-B14F-4D97-AF65-F5344CB8AC3E}">
-        <p14:creationId xmlns:p14="http://schemas.microsoft.com/office/powerpoint/2010/main" val="2336456193"/>
-      </p:ext>
-    </p:extLst>
-  </p:cSld>
-  <p:clrMapOvr>
-    <a:masterClrMapping/>
-  </p:clrMapOvr>
-</p:notes>
-</file>
-
-<file path=ppt/notesSlides/notesSlide5.xml><?xml version="1.0" encoding="utf-8"?>
-<p:notes xmlns:a="http://schemas.openxmlformats.org/drawingml/2006/main" xmlns:r="http://schemas.openxmlformats.org/officeDocument/2006/relationships" xmlns:p="http://schemas.openxmlformats.org/presentationml/2006/main">
-  <p:cSld>
-    <p:spTree>
-      <p:nvGrpSpPr>
-        <p:cNvPr id="1" name=""/>
-        <p:cNvGrpSpPr/>
-        <p:nvPr/>
-      </p:nvGrpSpPr>
-      <p:grpSpPr>
-        <a:xfrm>
-          <a:off x="0" y="0"/>
-          <a:ext cx="0" cy="0"/>
-          <a:chOff x="0" y="0"/>
-          <a:chExt cx="0" cy="0"/>
-        </a:xfrm>
-      </p:grpSpPr>
-      <p:sp>
-        <p:nvSpPr>
-          <p:cNvPr id="2" name="Slide Image Placeholder 1"/>
-          <p:cNvSpPr>
-            <a:spLocks noGrp="1" noRot="1" noChangeAspect="1"/>
-          </p:cNvSpPr>
-          <p:nvPr>
-            <p:ph type="sldImg"/>
-          </p:nvPr>
-        </p:nvSpPr>
-        <p:spPr/>
-      </p:sp>
-      <p:sp>
-        <p:nvSpPr>
-          <p:cNvPr id="3" name="Notes Placeholder 2"/>
-          <p:cNvSpPr>
-            <a:spLocks noGrp="1"/>
-          </p:cNvSpPr>
-          <p:nvPr>
-            <p:ph type="body" idx="1"/>
-          </p:nvPr>
-        </p:nvSpPr>
-        <p:spPr/>
-        <p:txBody>
-          <a:bodyPr/>
-          <a:lstStyle/>
-          <a:p>
-            <a:endParaRPr lang="en-US" dirty="0"/>
-          </a:p>
-        </p:txBody>
-      </p:sp>
-      <p:sp>
-        <p:nvSpPr>
-          <p:cNvPr id="4" name="Slide Number Placeholder 3"/>
-          <p:cNvSpPr>
-            <a:spLocks noGrp="1"/>
-          </p:cNvSpPr>
-          <p:nvPr>
-            <p:ph type="sldNum" sz="quarter" idx="5"/>
-          </p:nvPr>
-        </p:nvSpPr>
-        <p:spPr/>
-        <p:txBody>
-          <a:bodyPr/>
-          <a:lstStyle/>
-          <a:p>
-            <a:fld id="{C59DDA44-CDC0-4981-8DC5-42D6D4EBBD17}" type="slidenum">
-              <a:rPr lang="en-US" smtClean="0"/>
-              <a:t>14</a:t>
-            </a:fld>
-            <a:endParaRPr lang="en-US"/>
-          </a:p>
-        </p:txBody>
-      </p:sp>
-    </p:spTree>
-    <p:extLst>
-      <p:ext uri="{BB962C8B-B14F-4D97-AF65-F5344CB8AC3E}">
-        <p14:creationId xmlns:p14="http://schemas.microsoft.com/office/powerpoint/2010/main" val="2666943780"/>
-      </p:ext>
-    </p:extLst>
-  </p:cSld>
-  <p:clrMapOvr>
-    <a:masterClrMapping/>
-  </p:clrMapOvr>
-</p:notes>
-</file>
-
-<file path=ppt/notesSlides/notesSlide6.xml><?xml version="1.0" encoding="utf-8"?>
-<p:notes xmlns:a="http://schemas.openxmlformats.org/drawingml/2006/main" xmlns:r="http://schemas.openxmlformats.org/officeDocument/2006/relationships" xmlns:p="http://schemas.openxmlformats.org/presentationml/2006/main">
-  <p:cSld>
-    <p:spTree>
-      <p:nvGrpSpPr>
-        <p:cNvPr id="1" name=""/>
-        <p:cNvGrpSpPr/>
-        <p:nvPr/>
-      </p:nvGrpSpPr>
-      <p:grpSpPr>
-        <a:xfrm>
-          <a:off x="0" y="0"/>
-          <a:ext cx="0" cy="0"/>
-          <a:chOff x="0" y="0"/>
-          <a:chExt cx="0" cy="0"/>
-        </a:xfrm>
-      </p:grpSpPr>
-      <p:sp>
-        <p:nvSpPr>
-          <p:cNvPr id="2" name="Slide Image Placeholder 1"/>
-          <p:cNvSpPr>
-            <a:spLocks noGrp="1" noRot="1" noChangeAspect="1"/>
-          </p:cNvSpPr>
-          <p:nvPr>
-            <p:ph type="sldImg"/>
-          </p:nvPr>
-        </p:nvSpPr>
-        <p:spPr/>
-      </p:sp>
-      <p:sp>
-        <p:nvSpPr>
-          <p:cNvPr id="3" name="Notes Placeholder 2"/>
-          <p:cNvSpPr>
-            <a:spLocks noGrp="1"/>
-          </p:cNvSpPr>
-          <p:nvPr>
-            <p:ph type="body" idx="1"/>
-          </p:nvPr>
-        </p:nvSpPr>
-        <p:spPr/>
-        <p:txBody>
-          <a:bodyPr/>
-          <a:lstStyle/>
-          <a:p>
-            <a:endParaRPr lang="en-US" dirty="0"/>
-          </a:p>
-        </p:txBody>
-      </p:sp>
-      <p:sp>
-        <p:nvSpPr>
-          <p:cNvPr id="4" name="Slide Number Placeholder 3"/>
-          <p:cNvSpPr>
-            <a:spLocks noGrp="1"/>
-          </p:cNvSpPr>
-          <p:nvPr>
-            <p:ph type="sldNum" sz="quarter" idx="5"/>
-          </p:nvPr>
-        </p:nvSpPr>
-        <p:spPr/>
-        <p:txBody>
-          <a:bodyPr/>
-          <a:lstStyle/>
-          <a:p>
-            <a:fld id="{C59DDA44-CDC0-4981-8DC5-42D6D4EBBD17}" type="slidenum">
-              <a:rPr lang="en-US" smtClean="0"/>
-              <a:t>18</a:t>
-            </a:fld>
-            <a:endParaRPr lang="en-US"/>
-          </a:p>
-        </p:txBody>
-      </p:sp>
-    </p:spTree>
-    <p:extLst>
-      <p:ext uri="{BB962C8B-B14F-4D97-AF65-F5344CB8AC3E}">
-        <p14:creationId xmlns:p14="http://schemas.microsoft.com/office/powerpoint/2010/main" val="4152931972"/>
-      </p:ext>
-    </p:extLst>
-  </p:cSld>
-  <p:clrMapOvr>
-    <a:masterClrMapping/>
-  </p:clrMapOvr>
-</p:notes>
-</file>
-
 <file path=ppt/slideLayouts/slideLayout1.xml><?xml version="1.0" encoding="utf-8"?>
 <p:sldLayout xmlns:a="http://schemas.openxmlformats.org/drawingml/2006/main" xmlns:r="http://schemas.openxmlformats.org/officeDocument/2006/relationships" xmlns:p="http://schemas.openxmlformats.org/presentationml/2006/main" type="title" preserve="1">
   <p:cSld name="Title Slide">
@@ -1256,7 +264,7 @@
           <a:p>
             <a:fld id="{56EED88D-98BC-BA4F-9DD3-682B834C7B40}" type="datetimeFigureOut">
               <a:rPr lang="en-US" smtClean="0"/>
-              <a:t>10/16/2025</a:t>
+              <a:t>10/20/25</a:t>
             </a:fld>
             <a:endParaRPr lang="en-US"/>
           </a:p>
@@ -1454,7 +462,7 @@
           <a:p>
             <a:fld id="{56EED88D-98BC-BA4F-9DD3-682B834C7B40}" type="datetimeFigureOut">
               <a:rPr lang="en-US" smtClean="0"/>
-              <a:t>10/16/2025</a:t>
+              <a:t>10/20/25</a:t>
             </a:fld>
             <a:endParaRPr lang="en-US"/>
           </a:p>
@@ -1662,7 +670,7 @@
           <a:p>
             <a:fld id="{56EED88D-98BC-BA4F-9DD3-682B834C7B40}" type="datetimeFigureOut">
               <a:rPr lang="en-US" smtClean="0"/>
-              <a:t>10/16/2025</a:t>
+              <a:t>10/20/25</a:t>
             </a:fld>
             <a:endParaRPr lang="en-US"/>
           </a:p>
@@ -1860,7 +868,7 @@
           <a:p>
             <a:fld id="{56EED88D-98BC-BA4F-9DD3-682B834C7B40}" type="datetimeFigureOut">
               <a:rPr lang="en-US" smtClean="0"/>
-              <a:t>10/16/2025</a:t>
+              <a:t>10/20/25</a:t>
             </a:fld>
             <a:endParaRPr lang="en-US"/>
           </a:p>
@@ -2135,7 +1143,7 @@
           <a:p>
             <a:fld id="{56EED88D-98BC-BA4F-9DD3-682B834C7B40}" type="datetimeFigureOut">
               <a:rPr lang="en-US" smtClean="0"/>
-              <a:t>10/16/2025</a:t>
+              <a:t>10/20/25</a:t>
             </a:fld>
             <a:endParaRPr lang="en-US"/>
           </a:p>
@@ -2400,7 +1408,7 @@
           <a:p>
             <a:fld id="{56EED88D-98BC-BA4F-9DD3-682B834C7B40}" type="datetimeFigureOut">
               <a:rPr lang="en-US" smtClean="0"/>
-              <a:t>10/16/2025</a:t>
+              <a:t>10/20/25</a:t>
             </a:fld>
             <a:endParaRPr lang="en-US"/>
           </a:p>
@@ -2812,7 +1820,7 @@
           <a:p>
             <a:fld id="{56EED88D-98BC-BA4F-9DD3-682B834C7B40}" type="datetimeFigureOut">
               <a:rPr lang="en-US" smtClean="0"/>
-              <a:t>10/16/2025</a:t>
+              <a:t>10/20/25</a:t>
             </a:fld>
             <a:endParaRPr lang="en-US"/>
           </a:p>
@@ -2953,7 +1961,7 @@
           <a:p>
             <a:fld id="{56EED88D-98BC-BA4F-9DD3-682B834C7B40}" type="datetimeFigureOut">
               <a:rPr lang="en-US" smtClean="0"/>
-              <a:t>10/16/2025</a:t>
+              <a:t>10/20/25</a:t>
             </a:fld>
             <a:endParaRPr lang="en-US"/>
           </a:p>
@@ -3066,7 +2074,7 @@
           <a:p>
             <a:fld id="{56EED88D-98BC-BA4F-9DD3-682B834C7B40}" type="datetimeFigureOut">
               <a:rPr lang="en-US" smtClean="0"/>
-              <a:t>10/16/2025</a:t>
+              <a:t>10/20/25</a:t>
             </a:fld>
             <a:endParaRPr lang="en-US"/>
           </a:p>
@@ -3377,7 +2385,7 @@
           <a:p>
             <a:fld id="{56EED88D-98BC-BA4F-9DD3-682B834C7B40}" type="datetimeFigureOut">
               <a:rPr lang="en-US" smtClean="0"/>
-              <a:t>10/16/2025</a:t>
+              <a:t>10/20/25</a:t>
             </a:fld>
             <a:endParaRPr lang="en-US"/>
           </a:p>
@@ -3665,7 +2673,7 @@
           <a:p>
             <a:fld id="{56EED88D-98BC-BA4F-9DD3-682B834C7B40}" type="datetimeFigureOut">
               <a:rPr lang="en-US" smtClean="0"/>
-              <a:t>10/16/2025</a:t>
+              <a:t>10/20/25</a:t>
             </a:fld>
             <a:endParaRPr lang="en-US"/>
           </a:p>
@@ -3906,7 +2914,7 @@
           <a:p>
             <a:fld id="{56EED88D-98BC-BA4F-9DD3-682B834C7B40}" type="datetimeFigureOut">
               <a:rPr lang="en-US" smtClean="0"/>
-              <a:t>10/16/2025</a:t>
+              <a:t>10/20/25</a:t>
             </a:fld>
             <a:endParaRPr lang="en-US"/>
           </a:p>
@@ -4414,899 +3422,6 @@
 </p:sld>
 </file>
 
-<file path=ppt/slides/slide10.xml><?xml version="1.0" encoding="utf-8"?>
-<p:sld xmlns:a="http://schemas.openxmlformats.org/drawingml/2006/main" xmlns:r="http://schemas.openxmlformats.org/officeDocument/2006/relationships" xmlns:p="http://schemas.openxmlformats.org/presentationml/2006/main">
-  <p:cSld>
-    <p:spTree>
-      <p:nvGrpSpPr>
-        <p:cNvPr id="1" name=""/>
-        <p:cNvGrpSpPr/>
-        <p:nvPr/>
-      </p:nvGrpSpPr>
-      <p:grpSpPr>
-        <a:xfrm>
-          <a:off x="0" y="0"/>
-          <a:ext cx="0" cy="0"/>
-          <a:chOff x="0" y="0"/>
-          <a:chExt cx="0" cy="0"/>
-        </a:xfrm>
-      </p:grpSpPr>
-      <p:pic>
-        <p:nvPicPr>
-          <p:cNvPr id="3" name="Picture 2" descr="A graph of the number of associate degree from 2016-2020&#10;&#10;AI-generated content may be incorrect.">
-            <a:extLst>
-              <a:ext uri="{FF2B5EF4-FFF2-40B4-BE49-F238E27FC236}">
-                <a16:creationId xmlns:a16="http://schemas.microsoft.com/office/drawing/2014/main" id="{A3DFD866-025A-D77F-2FF9-36301493FB57}"/>
-              </a:ext>
-            </a:extLst>
-          </p:cNvPr>
-          <p:cNvPicPr>
-            <a:picLocks noChangeAspect="1"/>
-          </p:cNvPicPr>
-          <p:nvPr/>
-        </p:nvPicPr>
-        <p:blipFill>
-          <a:blip r:embed="rId2"/>
-          <a:stretch>
-            <a:fillRect/>
-          </a:stretch>
-        </p:blipFill>
-        <p:spPr>
-          <a:xfrm>
-            <a:off x="1444487" y="200441"/>
-            <a:ext cx="9515061" cy="6457118"/>
-          </a:xfrm>
-          <a:prstGeom prst="rect">
-            <a:avLst/>
-          </a:prstGeom>
-        </p:spPr>
-      </p:pic>
-    </p:spTree>
-    <p:extLst>
-      <p:ext uri="{BB962C8B-B14F-4D97-AF65-F5344CB8AC3E}">
-        <p14:creationId xmlns:p14="http://schemas.microsoft.com/office/powerpoint/2010/main" val="85492918"/>
-      </p:ext>
-    </p:extLst>
-  </p:cSld>
-  <p:clrMapOvr>
-    <a:masterClrMapping/>
-  </p:clrMapOvr>
-</p:sld>
-</file>
-
-<file path=ppt/slides/slide11.xml><?xml version="1.0" encoding="utf-8"?>
-<p:sld xmlns:a="http://schemas.openxmlformats.org/drawingml/2006/main" xmlns:r="http://schemas.openxmlformats.org/officeDocument/2006/relationships" xmlns:p="http://schemas.openxmlformats.org/presentationml/2006/main">
-  <p:cSld>
-    <p:spTree>
-      <p:nvGrpSpPr>
-        <p:cNvPr id="1" name=""/>
-        <p:cNvGrpSpPr/>
-        <p:nvPr/>
-      </p:nvGrpSpPr>
-      <p:grpSpPr>
-        <a:xfrm>
-          <a:off x="0" y="0"/>
-          <a:ext cx="0" cy="0"/>
-          <a:chOff x="0" y="0"/>
-          <a:chExt cx="0" cy="0"/>
-        </a:xfrm>
-      </p:grpSpPr>
-      <p:pic>
-        <p:nvPicPr>
-          <p:cNvPr id="4" name="Picture 3">
-            <a:extLst>
-              <a:ext uri="{FF2B5EF4-FFF2-40B4-BE49-F238E27FC236}">
-                <a16:creationId xmlns:a16="http://schemas.microsoft.com/office/drawing/2014/main" id="{30BA890B-CB88-29A6-7AE0-5C4472F17E97}"/>
-              </a:ext>
-            </a:extLst>
-          </p:cNvPr>
-          <p:cNvPicPr>
-            <a:picLocks noChangeAspect="1"/>
-          </p:cNvPicPr>
-          <p:nvPr/>
-        </p:nvPicPr>
-        <p:blipFill>
-          <a:blip r:embed="rId2"/>
-          <a:stretch>
-            <a:fillRect/>
-          </a:stretch>
-        </p:blipFill>
-        <p:spPr>
-          <a:xfrm>
-            <a:off x="1834326" y="176951"/>
-            <a:ext cx="8920759" cy="6504098"/>
-          </a:xfrm>
-          <a:prstGeom prst="rect">
-            <a:avLst/>
-          </a:prstGeom>
-        </p:spPr>
-      </p:pic>
-    </p:spTree>
-    <p:extLst>
-      <p:ext uri="{BB962C8B-B14F-4D97-AF65-F5344CB8AC3E}">
-        <p14:creationId xmlns:p14="http://schemas.microsoft.com/office/powerpoint/2010/main" val="1655655953"/>
-      </p:ext>
-    </p:extLst>
-  </p:cSld>
-  <p:clrMapOvr>
-    <a:masterClrMapping/>
-  </p:clrMapOvr>
-</p:sld>
-</file>
-
-<file path=ppt/slides/slide12.xml><?xml version="1.0" encoding="utf-8"?>
-<p:sld xmlns:a="http://schemas.openxmlformats.org/drawingml/2006/main" xmlns:r="http://schemas.openxmlformats.org/officeDocument/2006/relationships" xmlns:p="http://schemas.openxmlformats.org/presentationml/2006/main">
-  <p:cSld>
-    <p:spTree>
-      <p:nvGrpSpPr>
-        <p:cNvPr id="1" name=""/>
-        <p:cNvGrpSpPr/>
-        <p:nvPr/>
-      </p:nvGrpSpPr>
-      <p:grpSpPr>
-        <a:xfrm>
-          <a:off x="0" y="0"/>
-          <a:ext cx="0" cy="0"/>
-          <a:chOff x="0" y="0"/>
-          <a:chExt cx="0" cy="0"/>
-        </a:xfrm>
-      </p:grpSpPr>
-      <p:sp>
-        <p:nvSpPr>
-          <p:cNvPr id="2" name="AutoShape 2">
-            <a:extLst>
-              <a:ext uri="{FF2B5EF4-FFF2-40B4-BE49-F238E27FC236}">
-                <a16:creationId xmlns:a16="http://schemas.microsoft.com/office/drawing/2014/main" id="{6B5878F7-F569-ED1A-3533-9A6D4BF03E5F}"/>
-              </a:ext>
-            </a:extLst>
-          </p:cNvPr>
-          <p:cNvSpPr>
-            <a:spLocks noChangeAspect="1" noChangeArrowheads="1"/>
-          </p:cNvSpPr>
-          <p:nvPr/>
-        </p:nvSpPr>
-        <p:spPr bwMode="auto">
-          <a:xfrm>
-            <a:off x="5943600" y="3276600"/>
-            <a:ext cx="304800" cy="304800"/>
-          </a:xfrm>
-          <a:prstGeom prst="rect">
-            <a:avLst/>
-          </a:prstGeom>
-          <a:noFill/>
-          <a:extLst>
-            <a:ext uri="{909E8E84-426E-40DD-AFC4-6F175D3DCCD1}">
-              <a14:hiddenFill xmlns:a14="http://schemas.microsoft.com/office/drawing/2010/main">
-                <a:solidFill>
-                  <a:srgbClr val="FFFFFF"/>
-                </a:solidFill>
-              </a14:hiddenFill>
-            </a:ext>
-          </a:extLst>
-        </p:spPr>
-        <p:txBody>
-          <a:bodyPr vert="horz" wrap="square" lIns="91440" tIns="45720" rIns="91440" bIns="45720" numCol="1" anchor="t" anchorCtr="0" compatLnSpc="1">
-            <a:prstTxWarp prst="textNoShape">
-              <a:avLst/>
-            </a:prstTxWarp>
-          </a:bodyPr>
-          <a:lstStyle/>
-          <a:p>
-            <a:endParaRPr lang="en-US"/>
-          </a:p>
-        </p:txBody>
-      </p:sp>
-      <p:pic>
-        <p:nvPicPr>
-          <p:cNvPr id="5" name="Picture 4">
-            <a:extLst>
-              <a:ext uri="{FF2B5EF4-FFF2-40B4-BE49-F238E27FC236}">
-                <a16:creationId xmlns:a16="http://schemas.microsoft.com/office/drawing/2014/main" id="{2A3197B1-339B-311B-7CF7-BE9B1271B969}"/>
-              </a:ext>
-            </a:extLst>
-          </p:cNvPr>
-          <p:cNvPicPr>
-            <a:picLocks noChangeAspect="1"/>
-          </p:cNvPicPr>
-          <p:nvPr/>
-        </p:nvPicPr>
-        <p:blipFill>
-          <a:blip r:embed="rId3"/>
-          <a:stretch>
-            <a:fillRect/>
-          </a:stretch>
-        </p:blipFill>
-        <p:spPr>
-          <a:xfrm>
-            <a:off x="1768349" y="107929"/>
-            <a:ext cx="9193566" cy="6642141"/>
-          </a:xfrm>
-          <a:prstGeom prst="rect">
-            <a:avLst/>
-          </a:prstGeom>
-        </p:spPr>
-      </p:pic>
-    </p:spTree>
-    <p:extLst>
-      <p:ext uri="{BB962C8B-B14F-4D97-AF65-F5344CB8AC3E}">
-        <p14:creationId xmlns:p14="http://schemas.microsoft.com/office/powerpoint/2010/main" val="1650843969"/>
-      </p:ext>
-    </p:extLst>
-  </p:cSld>
-  <p:clrMapOvr>
-    <a:masterClrMapping/>
-  </p:clrMapOvr>
-</p:sld>
-</file>
-
-<file path=ppt/slides/slide13.xml><?xml version="1.0" encoding="utf-8"?>
-<p:sld xmlns:a="http://schemas.openxmlformats.org/drawingml/2006/main" xmlns:r="http://schemas.openxmlformats.org/officeDocument/2006/relationships" xmlns:p="http://schemas.openxmlformats.org/presentationml/2006/main">
-  <p:cSld>
-    <p:spTree>
-      <p:nvGrpSpPr>
-        <p:cNvPr id="1" name="">
-          <a:extLst>
-            <a:ext uri="{FF2B5EF4-FFF2-40B4-BE49-F238E27FC236}">
-              <a16:creationId xmlns:a16="http://schemas.microsoft.com/office/drawing/2014/main" id="{426BB517-0746-1F20-4C12-CE83BCD196C9}"/>
-            </a:ext>
-          </a:extLst>
-        </p:cNvPr>
-        <p:cNvGrpSpPr/>
-        <p:nvPr/>
-      </p:nvGrpSpPr>
-      <p:grpSpPr>
-        <a:xfrm>
-          <a:off x="0" y="0"/>
-          <a:ext cx="0" cy="0"/>
-          <a:chOff x="0" y="0"/>
-          <a:chExt cx="0" cy="0"/>
-        </a:xfrm>
-      </p:grpSpPr>
-      <p:sp>
-        <p:nvSpPr>
-          <p:cNvPr id="4" name="TextBox 3">
-            <a:extLst>
-              <a:ext uri="{FF2B5EF4-FFF2-40B4-BE49-F238E27FC236}">
-                <a16:creationId xmlns:a16="http://schemas.microsoft.com/office/drawing/2014/main" id="{704A5934-A5B8-D0BA-FF93-098042F74F60}"/>
-              </a:ext>
-            </a:extLst>
-          </p:cNvPr>
-          <p:cNvSpPr txBox="1"/>
-          <p:nvPr/>
-        </p:nvSpPr>
-        <p:spPr>
-          <a:xfrm>
-            <a:off x="461736" y="395514"/>
-            <a:ext cx="5157759" cy="584775"/>
-          </a:xfrm>
-          <a:prstGeom prst="rect">
-            <a:avLst/>
-          </a:prstGeom>
-          <a:noFill/>
-        </p:spPr>
-        <p:txBody>
-          <a:bodyPr wrap="none" rtlCol="0">
-            <a:spAutoFit/>
-          </a:bodyPr>
-          <a:lstStyle/>
-          <a:p>
-            <a:r>
-              <a:rPr lang="en-US" sz="3200" b="1" u="sng" dirty="0">
-                <a:latin typeface="Times New Roman" panose="02020603050405020304" pitchFamily="18" charset="0"/>
-                <a:cs typeface="Times New Roman" panose="02020603050405020304" pitchFamily="18" charset="0"/>
-              </a:rPr>
-              <a:t>Excluding the extreme value</a:t>
-            </a:r>
-          </a:p>
-        </p:txBody>
-      </p:sp>
-      <p:pic>
-        <p:nvPicPr>
-          <p:cNvPr id="3" name="Picture 2">
-            <a:extLst>
-              <a:ext uri="{FF2B5EF4-FFF2-40B4-BE49-F238E27FC236}">
-                <a16:creationId xmlns:a16="http://schemas.microsoft.com/office/drawing/2014/main" id="{AA36CE13-50BD-824A-CB51-56CDAEE34553}"/>
-              </a:ext>
-            </a:extLst>
-          </p:cNvPr>
-          <p:cNvPicPr>
-            <a:picLocks noChangeAspect="1"/>
-          </p:cNvPicPr>
-          <p:nvPr/>
-        </p:nvPicPr>
-        <p:blipFill>
-          <a:blip r:embed="rId3"/>
-          <a:stretch>
-            <a:fillRect/>
-          </a:stretch>
-        </p:blipFill>
-        <p:spPr>
-          <a:xfrm>
-            <a:off x="0" y="1229922"/>
-            <a:ext cx="12192000" cy="2917700"/>
-          </a:xfrm>
-          <a:prstGeom prst="rect">
-            <a:avLst/>
-          </a:prstGeom>
-        </p:spPr>
-      </p:pic>
-      <p:sp>
-        <p:nvSpPr>
-          <p:cNvPr id="5" name="TextBox 4">
-            <a:extLst>
-              <a:ext uri="{FF2B5EF4-FFF2-40B4-BE49-F238E27FC236}">
-                <a16:creationId xmlns:a16="http://schemas.microsoft.com/office/drawing/2014/main" id="{5A7A03FD-07D6-1A62-8155-0905D92BBECA}"/>
-              </a:ext>
-            </a:extLst>
-          </p:cNvPr>
-          <p:cNvSpPr txBox="1"/>
-          <p:nvPr/>
-        </p:nvSpPr>
-        <p:spPr>
-          <a:xfrm>
-            <a:off x="461736" y="4313208"/>
-            <a:ext cx="11459970" cy="1477328"/>
-          </a:xfrm>
-          <a:prstGeom prst="rect">
-            <a:avLst/>
-          </a:prstGeom>
-          <a:noFill/>
-        </p:spPr>
-        <p:txBody>
-          <a:bodyPr wrap="square" rtlCol="0">
-            <a:spAutoFit/>
-          </a:bodyPr>
-          <a:lstStyle/>
-          <a:p>
-            <a:r>
-              <a:rPr lang="en-US" b="1" dirty="0"/>
-              <a:t>After removing extreme value:</a:t>
-            </a:r>
-            <a:endParaRPr lang="en-US" dirty="0"/>
-          </a:p>
-          <a:p>
-            <a:pPr marL="285750" indent="-285750">
-              <a:buFont typeface="Arial" panose="020B0604020202020204" pitchFamily="34" charset="0"/>
-              <a:buChar char="•"/>
-            </a:pPr>
-            <a:r>
-              <a:rPr lang="en-US" b="1" dirty="0"/>
-              <a:t>Income (2020):</a:t>
-            </a:r>
-            <a:r>
-              <a:rPr lang="en-US" dirty="0"/>
-              <a:t> Central quantiles align reasonably with normality; upper tail still heavy.</a:t>
-            </a:r>
-          </a:p>
-          <a:p>
-            <a:pPr marL="285750" indent="-285750">
-              <a:buFont typeface="Arial" panose="020B0604020202020204" pitchFamily="34" charset="0"/>
-              <a:buChar char="•"/>
-            </a:pPr>
-            <a:endParaRPr lang="en-US" dirty="0"/>
-          </a:p>
-          <a:p>
-            <a:pPr marL="285750" indent="-285750">
-              <a:buFont typeface="Arial" panose="020B0604020202020204" pitchFamily="34" charset="0"/>
-              <a:buChar char="•"/>
-            </a:pPr>
-            <a:r>
-              <a:rPr lang="en-US" b="1" dirty="0"/>
-              <a:t>Degree counts (2020):</a:t>
-            </a:r>
-            <a:r>
-              <a:rPr lang="en-US" dirty="0"/>
-              <a:t> S-curve persists, still markedly right-skewed; trimming reduces extremes but not the structural skew from population size.</a:t>
-            </a:r>
-          </a:p>
-        </p:txBody>
-      </p:sp>
-    </p:spTree>
-    <p:extLst>
-      <p:ext uri="{BB962C8B-B14F-4D97-AF65-F5344CB8AC3E}">
-        <p14:creationId xmlns:p14="http://schemas.microsoft.com/office/powerpoint/2010/main" val="793297126"/>
-      </p:ext>
-    </p:extLst>
-  </p:cSld>
-  <p:clrMapOvr>
-    <a:masterClrMapping/>
-  </p:clrMapOvr>
-</p:sld>
-</file>
-
-<file path=ppt/slides/slide14.xml><?xml version="1.0" encoding="utf-8"?>
-<p:sld xmlns:a="http://schemas.openxmlformats.org/drawingml/2006/main" xmlns:r="http://schemas.openxmlformats.org/officeDocument/2006/relationships" xmlns:p="http://schemas.openxmlformats.org/presentationml/2006/main">
-  <p:cSld>
-    <p:spTree>
-      <p:nvGrpSpPr>
-        <p:cNvPr id="1" name="">
-          <a:extLst>
-            <a:ext uri="{FF2B5EF4-FFF2-40B4-BE49-F238E27FC236}">
-              <a16:creationId xmlns:a16="http://schemas.microsoft.com/office/drawing/2014/main" id="{AF8DEFB0-D577-D9D5-04DC-847B065C0A45}"/>
-            </a:ext>
-          </a:extLst>
-        </p:cNvPr>
-        <p:cNvGrpSpPr/>
-        <p:nvPr/>
-      </p:nvGrpSpPr>
-      <p:grpSpPr>
-        <a:xfrm>
-          <a:off x="0" y="0"/>
-          <a:ext cx="0" cy="0"/>
-          <a:chOff x="0" y="0"/>
-          <a:chExt cx="0" cy="0"/>
-        </a:xfrm>
-      </p:grpSpPr>
-      <p:sp>
-        <p:nvSpPr>
-          <p:cNvPr id="4" name="TextBox 3">
-            <a:extLst>
-              <a:ext uri="{FF2B5EF4-FFF2-40B4-BE49-F238E27FC236}">
-                <a16:creationId xmlns:a16="http://schemas.microsoft.com/office/drawing/2014/main" id="{3DE1A63A-F993-2F79-1855-AE631CE5D42E}"/>
-              </a:ext>
-            </a:extLst>
-          </p:cNvPr>
-          <p:cNvSpPr txBox="1"/>
-          <p:nvPr/>
-        </p:nvSpPr>
-        <p:spPr>
-          <a:xfrm>
-            <a:off x="461736" y="395514"/>
-            <a:ext cx="5157759" cy="584775"/>
-          </a:xfrm>
-          <a:prstGeom prst="rect">
-            <a:avLst/>
-          </a:prstGeom>
-          <a:noFill/>
-        </p:spPr>
-        <p:txBody>
-          <a:bodyPr wrap="none" rtlCol="0">
-            <a:spAutoFit/>
-          </a:bodyPr>
-          <a:lstStyle/>
-          <a:p>
-            <a:r>
-              <a:rPr lang="en-US" sz="3200" b="1" u="sng" dirty="0">
-                <a:latin typeface="Times New Roman" panose="02020603050405020304" pitchFamily="18" charset="0"/>
-                <a:cs typeface="Times New Roman" panose="02020603050405020304" pitchFamily="18" charset="0"/>
-              </a:rPr>
-              <a:t>Excluding the extreme value</a:t>
-            </a:r>
-          </a:p>
-        </p:txBody>
-      </p:sp>
-      <p:pic>
-        <p:nvPicPr>
-          <p:cNvPr id="5" name="Picture 4">
-            <a:extLst>
-              <a:ext uri="{FF2B5EF4-FFF2-40B4-BE49-F238E27FC236}">
-                <a16:creationId xmlns:a16="http://schemas.microsoft.com/office/drawing/2014/main" id="{34CE59DC-2D74-2FE2-10E4-CB9F5A8F2293}"/>
-              </a:ext>
-            </a:extLst>
-          </p:cNvPr>
-          <p:cNvPicPr>
-            <a:picLocks noChangeAspect="1"/>
-          </p:cNvPicPr>
-          <p:nvPr/>
-        </p:nvPicPr>
-        <p:blipFill>
-          <a:blip r:embed="rId3"/>
-          <a:stretch>
-            <a:fillRect/>
-          </a:stretch>
-        </p:blipFill>
-        <p:spPr>
-          <a:xfrm>
-            <a:off x="2239946" y="980289"/>
-            <a:ext cx="7712108" cy="5502117"/>
-          </a:xfrm>
-          <a:prstGeom prst="rect">
-            <a:avLst/>
-          </a:prstGeom>
-        </p:spPr>
-      </p:pic>
-    </p:spTree>
-    <p:extLst>
-      <p:ext uri="{BB962C8B-B14F-4D97-AF65-F5344CB8AC3E}">
-        <p14:creationId xmlns:p14="http://schemas.microsoft.com/office/powerpoint/2010/main" val="2325908634"/>
-      </p:ext>
-    </p:extLst>
-  </p:cSld>
-  <p:clrMapOvr>
-    <a:masterClrMapping/>
-  </p:clrMapOvr>
-</p:sld>
-</file>
-
-<file path=ppt/slides/slide15.xml><?xml version="1.0" encoding="utf-8"?>
-<p:sld xmlns:a="http://schemas.openxmlformats.org/drawingml/2006/main" xmlns:r="http://schemas.openxmlformats.org/officeDocument/2006/relationships" xmlns:p="http://schemas.openxmlformats.org/presentationml/2006/main">
-  <p:cSld>
-    <p:spTree>
-      <p:nvGrpSpPr>
-        <p:cNvPr id="1" name="">
-          <a:extLst>
-            <a:ext uri="{FF2B5EF4-FFF2-40B4-BE49-F238E27FC236}">
-              <a16:creationId xmlns:a16="http://schemas.microsoft.com/office/drawing/2014/main" id="{FA90A1CC-024D-51BC-EB88-E2348F595C14}"/>
-            </a:ext>
-          </a:extLst>
-        </p:cNvPr>
-        <p:cNvGrpSpPr/>
-        <p:nvPr/>
-      </p:nvGrpSpPr>
-      <p:grpSpPr>
-        <a:xfrm>
-          <a:off x="0" y="0"/>
-          <a:ext cx="0" cy="0"/>
-          <a:chOff x="0" y="0"/>
-          <a:chExt cx="0" cy="0"/>
-        </a:xfrm>
-      </p:grpSpPr>
-      <p:sp>
-        <p:nvSpPr>
-          <p:cNvPr id="4" name="TextBox 3">
-            <a:extLst>
-              <a:ext uri="{FF2B5EF4-FFF2-40B4-BE49-F238E27FC236}">
-                <a16:creationId xmlns:a16="http://schemas.microsoft.com/office/drawing/2014/main" id="{1C8F0F4A-9AD3-16B7-EE24-6BC577379290}"/>
-              </a:ext>
-            </a:extLst>
-          </p:cNvPr>
-          <p:cNvSpPr txBox="1"/>
-          <p:nvPr/>
-        </p:nvSpPr>
-        <p:spPr>
-          <a:xfrm>
-            <a:off x="461736" y="395514"/>
-            <a:ext cx="5157759" cy="584775"/>
-          </a:xfrm>
-          <a:prstGeom prst="rect">
-            <a:avLst/>
-          </a:prstGeom>
-          <a:noFill/>
-        </p:spPr>
-        <p:txBody>
-          <a:bodyPr wrap="none" rtlCol="0">
-            <a:spAutoFit/>
-          </a:bodyPr>
-          <a:lstStyle/>
-          <a:p>
-            <a:r>
-              <a:rPr lang="en-US" sz="3200" b="1" u="sng" dirty="0">
-                <a:latin typeface="Times New Roman" panose="02020603050405020304" pitchFamily="18" charset="0"/>
-                <a:cs typeface="Times New Roman" panose="02020603050405020304" pitchFamily="18" charset="0"/>
-              </a:rPr>
-              <a:t>Excluding the extreme value</a:t>
-            </a:r>
-          </a:p>
-        </p:txBody>
-      </p:sp>
-      <p:pic>
-        <p:nvPicPr>
-          <p:cNvPr id="5" name="Picture 4">
-            <a:extLst>
-              <a:ext uri="{FF2B5EF4-FFF2-40B4-BE49-F238E27FC236}">
-                <a16:creationId xmlns:a16="http://schemas.microsoft.com/office/drawing/2014/main" id="{AF32D7AA-AB4A-F390-632C-1AAE9A06DDDD}"/>
-              </a:ext>
-            </a:extLst>
-          </p:cNvPr>
-          <p:cNvPicPr>
-            <a:picLocks noChangeAspect="1"/>
-          </p:cNvPicPr>
-          <p:nvPr/>
-        </p:nvPicPr>
-        <p:blipFill>
-          <a:blip r:embed="rId2"/>
-          <a:stretch>
-            <a:fillRect/>
-          </a:stretch>
-        </p:blipFill>
-        <p:spPr>
-          <a:xfrm>
-            <a:off x="1924107" y="1114148"/>
-            <a:ext cx="8343785" cy="5743852"/>
-          </a:xfrm>
-          <a:prstGeom prst="rect">
-            <a:avLst/>
-          </a:prstGeom>
-        </p:spPr>
-      </p:pic>
-    </p:spTree>
-    <p:extLst>
-      <p:ext uri="{BB962C8B-B14F-4D97-AF65-F5344CB8AC3E}">
-        <p14:creationId xmlns:p14="http://schemas.microsoft.com/office/powerpoint/2010/main" val="2605151604"/>
-      </p:ext>
-    </p:extLst>
-  </p:cSld>
-  <p:clrMapOvr>
-    <a:masterClrMapping/>
-  </p:clrMapOvr>
-</p:sld>
-</file>
-
-<file path=ppt/slides/slide16.xml><?xml version="1.0" encoding="utf-8"?>
-<p:sld xmlns:a="http://schemas.openxmlformats.org/drawingml/2006/main" xmlns:r="http://schemas.openxmlformats.org/officeDocument/2006/relationships" xmlns:p="http://schemas.openxmlformats.org/presentationml/2006/main">
-  <p:cSld>
-    <p:spTree>
-      <p:nvGrpSpPr>
-        <p:cNvPr id="1" name=""/>
-        <p:cNvGrpSpPr/>
-        <p:nvPr/>
-      </p:nvGrpSpPr>
-      <p:grpSpPr>
-        <a:xfrm>
-          <a:off x="0" y="0"/>
-          <a:ext cx="0" cy="0"/>
-          <a:chOff x="0" y="0"/>
-          <a:chExt cx="0" cy="0"/>
-        </a:xfrm>
-      </p:grpSpPr>
-      <p:pic>
-        <p:nvPicPr>
-          <p:cNvPr id="3" name="Picture 2" descr="A graph of a number of people in the state&#10;&#10;AI-generated content may be incorrect.">
-            <a:extLst>
-              <a:ext uri="{FF2B5EF4-FFF2-40B4-BE49-F238E27FC236}">
-                <a16:creationId xmlns:a16="http://schemas.microsoft.com/office/drawing/2014/main" id="{C9255FAE-767E-FFB3-B615-06ABF038049A}"/>
-              </a:ext>
-            </a:extLst>
-          </p:cNvPr>
-          <p:cNvPicPr>
-            <a:picLocks noChangeAspect="1"/>
-          </p:cNvPicPr>
-          <p:nvPr/>
-        </p:nvPicPr>
-        <p:blipFill>
-          <a:blip r:embed="rId2"/>
-          <a:stretch>
-            <a:fillRect/>
-          </a:stretch>
-        </p:blipFill>
-        <p:spPr>
-          <a:xfrm>
-            <a:off x="1916483" y="246336"/>
-            <a:ext cx="8705588" cy="6365328"/>
-          </a:xfrm>
-          <a:prstGeom prst="rect">
-            <a:avLst/>
-          </a:prstGeom>
-        </p:spPr>
-      </p:pic>
-    </p:spTree>
-    <p:extLst>
-      <p:ext uri="{BB962C8B-B14F-4D97-AF65-F5344CB8AC3E}">
-        <p14:creationId xmlns:p14="http://schemas.microsoft.com/office/powerpoint/2010/main" val="2244918165"/>
-      </p:ext>
-    </p:extLst>
-  </p:cSld>
-  <p:clrMapOvr>
-    <a:masterClrMapping/>
-  </p:clrMapOvr>
-</p:sld>
-</file>
-
-<file path=ppt/slides/slide17.xml><?xml version="1.0" encoding="utf-8"?>
-<p:sld xmlns:a="http://schemas.openxmlformats.org/drawingml/2006/main" xmlns:r="http://schemas.openxmlformats.org/officeDocument/2006/relationships" xmlns:p="http://schemas.openxmlformats.org/presentationml/2006/main">
-  <p:cSld>
-    <p:spTree>
-      <p:nvGrpSpPr>
-        <p:cNvPr id="1" name=""/>
-        <p:cNvGrpSpPr/>
-        <p:nvPr/>
-      </p:nvGrpSpPr>
-      <p:grpSpPr>
-        <a:xfrm>
-          <a:off x="0" y="0"/>
-          <a:ext cx="0" cy="0"/>
-          <a:chOff x="0" y="0"/>
-          <a:chExt cx="0" cy="0"/>
-        </a:xfrm>
-      </p:grpSpPr>
-      <p:pic>
-        <p:nvPicPr>
-          <p:cNvPr id="3" name="Picture 2" descr="A graph of a number of bachelor degree&#10;&#10;AI-generated content may be incorrect.">
-            <a:extLst>
-              <a:ext uri="{FF2B5EF4-FFF2-40B4-BE49-F238E27FC236}">
-                <a16:creationId xmlns:a16="http://schemas.microsoft.com/office/drawing/2014/main" id="{F7CFF1CD-8BC7-2D1C-30CD-92B604106EAC}"/>
-              </a:ext>
-            </a:extLst>
-          </p:cNvPr>
-          <p:cNvPicPr>
-            <a:picLocks noChangeAspect="1"/>
-          </p:cNvPicPr>
-          <p:nvPr/>
-        </p:nvPicPr>
-        <p:blipFill>
-          <a:blip r:embed="rId2"/>
-          <a:stretch>
-            <a:fillRect/>
-          </a:stretch>
-        </p:blipFill>
-        <p:spPr>
-          <a:xfrm>
-            <a:off x="2099687" y="364629"/>
-            <a:ext cx="8171656" cy="6128742"/>
-          </a:xfrm>
-          <a:prstGeom prst="rect">
-            <a:avLst/>
-          </a:prstGeom>
-        </p:spPr>
-      </p:pic>
-    </p:spTree>
-    <p:extLst>
-      <p:ext uri="{BB962C8B-B14F-4D97-AF65-F5344CB8AC3E}">
-        <p14:creationId xmlns:p14="http://schemas.microsoft.com/office/powerpoint/2010/main" val="1449077112"/>
-      </p:ext>
-    </p:extLst>
-  </p:cSld>
-  <p:clrMapOvr>
-    <a:masterClrMapping/>
-  </p:clrMapOvr>
-</p:sld>
-</file>
-
-<file path=ppt/slides/slide18.xml><?xml version="1.0" encoding="utf-8"?>
-<p:sld xmlns:a="http://schemas.openxmlformats.org/drawingml/2006/main" xmlns:r="http://schemas.openxmlformats.org/officeDocument/2006/relationships" xmlns:p="http://schemas.openxmlformats.org/presentationml/2006/main">
-  <p:cSld>
-    <p:spTree>
-      <p:nvGrpSpPr>
-        <p:cNvPr id="1" name=""/>
-        <p:cNvGrpSpPr/>
-        <p:nvPr/>
-      </p:nvGrpSpPr>
-      <p:grpSpPr>
-        <a:xfrm>
-          <a:off x="0" y="0"/>
-          <a:ext cx="0" cy="0"/>
-          <a:chOff x="0" y="0"/>
-          <a:chExt cx="0" cy="0"/>
-        </a:xfrm>
-      </p:grpSpPr>
-      <p:pic>
-        <p:nvPicPr>
-          <p:cNvPr id="3" name="Picture 2" descr="A graph of the number of associate degree from 2016-2020&#10;&#10;AI-generated content may be incorrect.">
-            <a:extLst>
-              <a:ext uri="{FF2B5EF4-FFF2-40B4-BE49-F238E27FC236}">
-                <a16:creationId xmlns:a16="http://schemas.microsoft.com/office/drawing/2014/main" id="{702BFC59-2F60-D1DA-A934-81C58629354C}"/>
-              </a:ext>
-            </a:extLst>
-          </p:cNvPr>
-          <p:cNvPicPr>
-            <a:picLocks noChangeAspect="1"/>
-          </p:cNvPicPr>
-          <p:nvPr/>
-        </p:nvPicPr>
-        <p:blipFill>
-          <a:blip r:embed="rId3"/>
-          <a:stretch>
-            <a:fillRect/>
-          </a:stretch>
-        </p:blipFill>
-        <p:spPr>
-          <a:xfrm>
-            <a:off x="2112212" y="522579"/>
-            <a:ext cx="8159130" cy="6119348"/>
-          </a:xfrm>
-          <a:prstGeom prst="rect">
-            <a:avLst/>
-          </a:prstGeom>
-        </p:spPr>
-      </p:pic>
-    </p:spTree>
-    <p:extLst>
-      <p:ext uri="{BB962C8B-B14F-4D97-AF65-F5344CB8AC3E}">
-        <p14:creationId xmlns:p14="http://schemas.microsoft.com/office/powerpoint/2010/main" val="2907142624"/>
-      </p:ext>
-    </p:extLst>
-  </p:cSld>
-  <p:clrMapOvr>
-    <a:masterClrMapping/>
-  </p:clrMapOvr>
-</p:sld>
-</file>
-
-<file path=ppt/slides/slide19.xml><?xml version="1.0" encoding="utf-8"?>
-<p:sld xmlns:a="http://schemas.openxmlformats.org/drawingml/2006/main" xmlns:r="http://schemas.openxmlformats.org/officeDocument/2006/relationships" xmlns:p="http://schemas.openxmlformats.org/presentationml/2006/main">
-  <p:cSld>
-    <p:spTree>
-      <p:nvGrpSpPr>
-        <p:cNvPr id="1" name="">
-          <a:extLst>
-            <a:ext uri="{FF2B5EF4-FFF2-40B4-BE49-F238E27FC236}">
-              <a16:creationId xmlns:a16="http://schemas.microsoft.com/office/drawing/2014/main" id="{2A488B0E-5D6B-CAAB-01D3-011481FC5E01}"/>
-            </a:ext>
-          </a:extLst>
-        </p:cNvPr>
-        <p:cNvGrpSpPr/>
-        <p:nvPr/>
-      </p:nvGrpSpPr>
-      <p:grpSpPr>
-        <a:xfrm>
-          <a:off x="0" y="0"/>
-          <a:ext cx="0" cy="0"/>
-          <a:chOff x="0" y="0"/>
-          <a:chExt cx="0" cy="0"/>
-        </a:xfrm>
-      </p:grpSpPr>
-      <p:sp>
-        <p:nvSpPr>
-          <p:cNvPr id="4" name="TextBox 3">
-            <a:extLst>
-              <a:ext uri="{FF2B5EF4-FFF2-40B4-BE49-F238E27FC236}">
-                <a16:creationId xmlns:a16="http://schemas.microsoft.com/office/drawing/2014/main" id="{49E3C3E4-4D4C-29A8-B402-44A48381F90D}"/>
-              </a:ext>
-            </a:extLst>
-          </p:cNvPr>
-          <p:cNvSpPr txBox="1"/>
-          <p:nvPr/>
-        </p:nvSpPr>
-        <p:spPr>
-          <a:xfrm>
-            <a:off x="461736" y="395514"/>
-            <a:ext cx="4607352" cy="584775"/>
-          </a:xfrm>
-          <a:prstGeom prst="rect">
-            <a:avLst/>
-          </a:prstGeom>
-          <a:noFill/>
-        </p:spPr>
-        <p:txBody>
-          <a:bodyPr wrap="none" rtlCol="0">
-            <a:spAutoFit/>
-          </a:bodyPr>
-          <a:lstStyle/>
-          <a:p>
-            <a:r>
-              <a:rPr lang="en-US" sz="3200" b="1" u="sng" dirty="0">
-                <a:latin typeface="Times New Roman" panose="02020603050405020304" pitchFamily="18" charset="0"/>
-                <a:cs typeface="Times New Roman" panose="02020603050405020304" pitchFamily="18" charset="0"/>
-              </a:rPr>
-              <a:t>95% Confidence Interval</a:t>
-            </a:r>
-          </a:p>
-        </p:txBody>
-      </p:sp>
-      <p:pic>
-        <p:nvPicPr>
-          <p:cNvPr id="3" name="Picture 2">
-            <a:extLst>
-              <a:ext uri="{FF2B5EF4-FFF2-40B4-BE49-F238E27FC236}">
-                <a16:creationId xmlns:a16="http://schemas.microsoft.com/office/drawing/2014/main" id="{4A50AED7-D87C-AD51-0442-35C869918FE7}"/>
-              </a:ext>
-            </a:extLst>
-          </p:cNvPr>
-          <p:cNvPicPr>
-            <a:picLocks noChangeAspect="1"/>
-          </p:cNvPicPr>
-          <p:nvPr/>
-        </p:nvPicPr>
-        <p:blipFill>
-          <a:blip r:embed="rId2"/>
-          <a:srcRect l="4615" t="8237" r="3966" b="7923"/>
-          <a:stretch>
-            <a:fillRect/>
-          </a:stretch>
-        </p:blipFill>
-        <p:spPr>
-          <a:xfrm>
-            <a:off x="257235" y="1329813"/>
-            <a:ext cx="11839417" cy="4198374"/>
-          </a:xfrm>
-          <a:prstGeom prst="rect">
-            <a:avLst/>
-          </a:prstGeom>
-        </p:spPr>
-      </p:pic>
-    </p:spTree>
-    <p:extLst>
-      <p:ext uri="{BB962C8B-B14F-4D97-AF65-F5344CB8AC3E}">
-        <p14:creationId xmlns:p14="http://schemas.microsoft.com/office/powerpoint/2010/main" val="1555466971"/>
-      </p:ext>
-    </p:extLst>
-  </p:cSld>
-  <p:clrMapOvr>
-    <a:masterClrMapping/>
-  </p:clrMapOvr>
-</p:sld>
-</file>
-
 <file path=ppt/slides/slide2.xml><?xml version="1.0" encoding="utf-8"?>
 <p:sld xmlns:a="http://schemas.openxmlformats.org/drawingml/2006/main" xmlns:r="http://schemas.openxmlformats.org/officeDocument/2006/relationships" xmlns:p="http://schemas.openxmlformats.org/presentationml/2006/main">
   <p:cSld>
@@ -5405,410 +3520,8 @@
 </p:sld>
 </file>
 
-<file path=ppt/slides/slide20.xml><?xml version="1.0" encoding="utf-8"?>
-<p:sld xmlns:a="http://schemas.openxmlformats.org/drawingml/2006/main" xmlns:r="http://schemas.openxmlformats.org/officeDocument/2006/relationships" xmlns:p="http://schemas.openxmlformats.org/presentationml/2006/main">
-  <p:cSld>
-    <p:spTree>
-      <p:nvGrpSpPr>
-        <p:cNvPr id="1" name=""/>
-        <p:cNvGrpSpPr/>
-        <p:nvPr/>
-      </p:nvGrpSpPr>
-      <p:grpSpPr>
-        <a:xfrm>
-          <a:off x="0" y="0"/>
-          <a:ext cx="0" cy="0"/>
-          <a:chOff x="0" y="0"/>
-          <a:chExt cx="0" cy="0"/>
-        </a:xfrm>
-      </p:grpSpPr>
-      <p:sp>
-        <p:nvSpPr>
-          <p:cNvPr id="3" name="TextBox 2">
-            <a:extLst>
-              <a:ext uri="{FF2B5EF4-FFF2-40B4-BE49-F238E27FC236}">
-                <a16:creationId xmlns:a16="http://schemas.microsoft.com/office/drawing/2014/main" id="{02BD265F-EF7D-5918-4C16-560706280362}"/>
-              </a:ext>
-            </a:extLst>
-          </p:cNvPr>
-          <p:cNvSpPr txBox="1"/>
-          <p:nvPr/>
-        </p:nvSpPr>
-        <p:spPr>
-          <a:xfrm>
-            <a:off x="266176" y="516790"/>
-            <a:ext cx="9679488" cy="584775"/>
-          </a:xfrm>
-          <a:prstGeom prst="rect">
-            <a:avLst/>
-          </a:prstGeom>
-          <a:noFill/>
-        </p:spPr>
-        <p:txBody>
-          <a:bodyPr wrap="square">
-            <a:spAutoFit/>
-          </a:bodyPr>
-          <a:lstStyle/>
-          <a:p>
-            <a:r>
-              <a:rPr lang="en-US" sz="3200" b="1" u="sng" dirty="0">
-                <a:latin typeface="Times New Roman" panose="02020603050405020304" pitchFamily="18" charset="0"/>
-                <a:cs typeface="Times New Roman" panose="02020603050405020304" pitchFamily="18" charset="0"/>
-              </a:rPr>
-              <a:t>Per Capita Income Between Years</a:t>
-            </a:r>
-          </a:p>
-        </p:txBody>
-      </p:sp>
-      <p:sp>
-        <p:nvSpPr>
-          <p:cNvPr id="4" name="TextBox 3">
-            <a:extLst>
-              <a:ext uri="{FF2B5EF4-FFF2-40B4-BE49-F238E27FC236}">
-                <a16:creationId xmlns:a16="http://schemas.microsoft.com/office/drawing/2014/main" id="{35D6AACA-3753-6F90-1446-4E33183FCEFF}"/>
-              </a:ext>
-            </a:extLst>
-          </p:cNvPr>
-          <p:cNvSpPr txBox="1"/>
-          <p:nvPr/>
-        </p:nvSpPr>
-        <p:spPr>
-          <a:xfrm>
-            <a:off x="266176" y="1703540"/>
-            <a:ext cx="10193057" cy="4031873"/>
-          </a:xfrm>
-          <a:prstGeom prst="rect">
-            <a:avLst/>
-          </a:prstGeom>
-          <a:noFill/>
-        </p:spPr>
-        <p:txBody>
-          <a:bodyPr wrap="square" rtlCol="0">
-            <a:spAutoFit/>
-          </a:bodyPr>
-          <a:lstStyle/>
-          <a:p>
-            <a:r>
-              <a:rPr lang="en-US" sz="3200" b="1" dirty="0"/>
-              <a:t>ANOVA Test Assumptions:</a:t>
-            </a:r>
-          </a:p>
-          <a:p>
-            <a:endParaRPr lang="en-US" sz="3200" dirty="0"/>
-          </a:p>
-          <a:p>
-            <a:pPr marL="342900" indent="-342900">
-              <a:buAutoNum type="arabicPeriod"/>
-            </a:pPr>
-            <a:r>
-              <a:rPr lang="en-US" sz="3200" b="1" dirty="0"/>
-              <a:t>Normality</a:t>
-            </a:r>
-          </a:p>
-          <a:p>
-            <a:pPr marL="342900" indent="-342900">
-              <a:buAutoNum type="arabicPeriod"/>
-            </a:pPr>
-            <a:endParaRPr lang="en-US" sz="3200" b="1" dirty="0"/>
-          </a:p>
-          <a:p>
-            <a:r>
-              <a:rPr lang="en-US" sz="3200" b="1" dirty="0"/>
-              <a:t>2. Homogeneity of variances</a:t>
-            </a:r>
-          </a:p>
-          <a:p>
-            <a:endParaRPr lang="en-US" sz="3200" b="1" dirty="0"/>
-          </a:p>
-          <a:p>
-            <a:r>
-              <a:rPr lang="en-US" sz="3200" b="1" dirty="0"/>
-              <a:t>3. Independence of error (Can be assumed when sample is randomly selected)</a:t>
-            </a:r>
-            <a:endParaRPr lang="en-US" sz="3200" dirty="0"/>
-          </a:p>
-        </p:txBody>
-      </p:sp>
-    </p:spTree>
-    <p:extLst>
-      <p:ext uri="{BB962C8B-B14F-4D97-AF65-F5344CB8AC3E}">
-        <p14:creationId xmlns:p14="http://schemas.microsoft.com/office/powerpoint/2010/main" val="2565440189"/>
-      </p:ext>
-    </p:extLst>
-  </p:cSld>
-  <p:clrMapOvr>
-    <a:masterClrMapping/>
-  </p:clrMapOvr>
-</p:sld>
-</file>
-
-<file path=ppt/slides/slide21.xml><?xml version="1.0" encoding="utf-8"?>
-<p:sld xmlns:a="http://schemas.openxmlformats.org/drawingml/2006/main" xmlns:r="http://schemas.openxmlformats.org/officeDocument/2006/relationships" xmlns:p="http://schemas.openxmlformats.org/presentationml/2006/main">
-  <p:cSld>
-    <p:spTree>
-      <p:nvGrpSpPr>
-        <p:cNvPr id="1" name=""/>
-        <p:cNvGrpSpPr/>
-        <p:nvPr/>
-      </p:nvGrpSpPr>
-      <p:grpSpPr>
-        <a:xfrm>
-          <a:off x="0" y="0"/>
-          <a:ext cx="0" cy="0"/>
-          <a:chOff x="0" y="0"/>
-          <a:chExt cx="0" cy="0"/>
-        </a:xfrm>
-      </p:grpSpPr>
-      <p:sp>
-        <p:nvSpPr>
-          <p:cNvPr id="3" name="TextBox 2">
-            <a:extLst>
-              <a:ext uri="{FF2B5EF4-FFF2-40B4-BE49-F238E27FC236}">
-                <a16:creationId xmlns:a16="http://schemas.microsoft.com/office/drawing/2014/main" id="{ACA00EA7-63ED-CF8D-E497-6578CC522C01}"/>
-              </a:ext>
-            </a:extLst>
-          </p:cNvPr>
-          <p:cNvSpPr txBox="1"/>
-          <p:nvPr/>
-        </p:nvSpPr>
-        <p:spPr>
-          <a:xfrm>
-            <a:off x="391438" y="366479"/>
-            <a:ext cx="6093912" cy="584775"/>
-          </a:xfrm>
-          <a:prstGeom prst="rect">
-            <a:avLst/>
-          </a:prstGeom>
-          <a:noFill/>
-        </p:spPr>
-        <p:txBody>
-          <a:bodyPr wrap="square">
-            <a:spAutoFit/>
-          </a:bodyPr>
-          <a:lstStyle/>
-          <a:p>
-            <a:r>
-              <a:rPr lang="en-US" sz="3200" b="1" dirty="0"/>
-              <a:t>Normality</a:t>
-            </a:r>
-            <a:endParaRPr lang="en-US" sz="3200" dirty="0"/>
-          </a:p>
-        </p:txBody>
-      </p:sp>
-      <p:pic>
-        <p:nvPicPr>
-          <p:cNvPr id="5" name="Picture 4" descr="A graph with a red line&#10;&#10;AI-generated content may be incorrect.">
-            <a:extLst>
-              <a:ext uri="{FF2B5EF4-FFF2-40B4-BE49-F238E27FC236}">
-                <a16:creationId xmlns:a16="http://schemas.microsoft.com/office/drawing/2014/main" id="{90C8DB12-46B3-8CA7-77F5-A357738B9E6B}"/>
-              </a:ext>
-            </a:extLst>
-          </p:cNvPr>
-          <p:cNvPicPr>
-            <a:picLocks noChangeAspect="1"/>
-          </p:cNvPicPr>
-          <p:nvPr/>
-        </p:nvPicPr>
-        <p:blipFill>
-          <a:blip r:embed="rId2"/>
-          <a:stretch>
-            <a:fillRect/>
-          </a:stretch>
-        </p:blipFill>
-        <p:spPr>
-          <a:xfrm>
-            <a:off x="0" y="951254"/>
-            <a:ext cx="6093911" cy="4615841"/>
-          </a:xfrm>
-          <a:prstGeom prst="rect">
-            <a:avLst/>
-          </a:prstGeom>
-        </p:spPr>
-      </p:pic>
-      <p:pic>
-        <p:nvPicPr>
-          <p:cNvPr id="7" name="Picture 6" descr="A graph with a red line&#10;&#10;AI-generated content may be incorrect.">
-            <a:extLst>
-              <a:ext uri="{FF2B5EF4-FFF2-40B4-BE49-F238E27FC236}">
-                <a16:creationId xmlns:a16="http://schemas.microsoft.com/office/drawing/2014/main" id="{6E65D9CD-DEA4-C822-B134-E3431095CCBE}"/>
-              </a:ext>
-            </a:extLst>
-          </p:cNvPr>
-          <p:cNvPicPr>
-            <a:picLocks noChangeAspect="1"/>
-          </p:cNvPicPr>
-          <p:nvPr/>
-        </p:nvPicPr>
-        <p:blipFill>
-          <a:blip r:embed="rId3"/>
-          <a:stretch>
-            <a:fillRect/>
-          </a:stretch>
-        </p:blipFill>
-        <p:spPr>
-          <a:xfrm>
-            <a:off x="5646107" y="951253"/>
-            <a:ext cx="6154455" cy="4615841"/>
-          </a:xfrm>
-          <a:prstGeom prst="rect">
-            <a:avLst/>
-          </a:prstGeom>
-        </p:spPr>
-      </p:pic>
-    </p:spTree>
-    <p:extLst>
-      <p:ext uri="{BB962C8B-B14F-4D97-AF65-F5344CB8AC3E}">
-        <p14:creationId xmlns:p14="http://schemas.microsoft.com/office/powerpoint/2010/main" val="2278360767"/>
-      </p:ext>
-    </p:extLst>
-  </p:cSld>
-  <p:clrMapOvr>
-    <a:masterClrMapping/>
-  </p:clrMapOvr>
-</p:sld>
-</file>
-
-<file path=ppt/slides/slide22.xml><?xml version="1.0" encoding="utf-8"?>
-<p:sld xmlns:a="http://schemas.openxmlformats.org/drawingml/2006/main" xmlns:r="http://schemas.openxmlformats.org/officeDocument/2006/relationships" xmlns:p="http://schemas.openxmlformats.org/presentationml/2006/main">
-  <p:cSld>
-    <p:spTree>
-      <p:nvGrpSpPr>
-        <p:cNvPr id="1" name=""/>
-        <p:cNvGrpSpPr/>
-        <p:nvPr/>
-      </p:nvGrpSpPr>
-      <p:grpSpPr>
-        <a:xfrm>
-          <a:off x="0" y="0"/>
-          <a:ext cx="0" cy="0"/>
-          <a:chOff x="0" y="0"/>
-          <a:chExt cx="0" cy="0"/>
-        </a:xfrm>
-      </p:grpSpPr>
-      <p:sp>
-        <p:nvSpPr>
-          <p:cNvPr id="3" name="TextBox 2">
-            <a:extLst>
-              <a:ext uri="{FF2B5EF4-FFF2-40B4-BE49-F238E27FC236}">
-                <a16:creationId xmlns:a16="http://schemas.microsoft.com/office/drawing/2014/main" id="{C4402B0E-EEE4-33F7-EEAF-A5D0BB771624}"/>
-              </a:ext>
-            </a:extLst>
-          </p:cNvPr>
-          <p:cNvSpPr txBox="1"/>
-          <p:nvPr/>
-        </p:nvSpPr>
-        <p:spPr>
-          <a:xfrm>
-            <a:off x="178496" y="191114"/>
-            <a:ext cx="6093912" cy="584775"/>
-          </a:xfrm>
-          <a:prstGeom prst="rect">
-            <a:avLst/>
-          </a:prstGeom>
-          <a:noFill/>
-        </p:spPr>
-        <p:txBody>
-          <a:bodyPr wrap="square">
-            <a:spAutoFit/>
-          </a:bodyPr>
-          <a:lstStyle/>
-          <a:p>
-            <a:r>
-              <a:rPr lang="en-US" sz="3200" b="1" dirty="0"/>
-              <a:t> Homogeneity of variances</a:t>
-            </a:r>
-          </a:p>
-        </p:txBody>
-      </p:sp>
-      <p:pic>
-        <p:nvPicPr>
-          <p:cNvPr id="5" name="Picture 4">
-            <a:extLst>
-              <a:ext uri="{FF2B5EF4-FFF2-40B4-BE49-F238E27FC236}">
-                <a16:creationId xmlns:a16="http://schemas.microsoft.com/office/drawing/2014/main" id="{153D3488-C886-4C4D-5DF0-321881B4D598}"/>
-              </a:ext>
-            </a:extLst>
-          </p:cNvPr>
-          <p:cNvPicPr>
-            <a:picLocks noChangeAspect="1"/>
-          </p:cNvPicPr>
-          <p:nvPr/>
-        </p:nvPicPr>
-        <p:blipFill>
-          <a:blip r:embed="rId2"/>
-          <a:stretch>
-            <a:fillRect/>
-          </a:stretch>
-        </p:blipFill>
-        <p:spPr>
-          <a:xfrm>
-            <a:off x="0" y="3316266"/>
-            <a:ext cx="12199829" cy="2445752"/>
-          </a:xfrm>
-          <a:prstGeom prst="rect">
-            <a:avLst/>
-          </a:prstGeom>
-        </p:spPr>
-      </p:pic>
-      <p:sp>
-        <p:nvSpPr>
-          <p:cNvPr id="6" name="TextBox 5">
-            <a:extLst>
-              <a:ext uri="{FF2B5EF4-FFF2-40B4-BE49-F238E27FC236}">
-                <a16:creationId xmlns:a16="http://schemas.microsoft.com/office/drawing/2014/main" id="{B9534755-CEF5-F637-1484-8AAA9DBE776D}"/>
-              </a:ext>
-            </a:extLst>
-          </p:cNvPr>
-          <p:cNvSpPr txBox="1"/>
-          <p:nvPr/>
-        </p:nvSpPr>
-        <p:spPr>
-          <a:xfrm>
-            <a:off x="563670" y="1418176"/>
-            <a:ext cx="8993687" cy="1569660"/>
-          </a:xfrm>
-          <a:prstGeom prst="rect">
-            <a:avLst/>
-          </a:prstGeom>
-          <a:noFill/>
-        </p:spPr>
-        <p:txBody>
-          <a:bodyPr wrap="square" rtlCol="0">
-            <a:spAutoFit/>
-          </a:bodyPr>
-          <a:lstStyle/>
-          <a:p>
-            <a:r>
-              <a:rPr lang="en-US" sz="3200" dirty="0"/>
-              <a:t>Null Hypothesis: Variances are equal across years</a:t>
-            </a:r>
-          </a:p>
-          <a:p>
-            <a:endParaRPr lang="en-US" sz="3200" dirty="0"/>
-          </a:p>
-          <a:p>
-            <a:r>
-              <a:rPr lang="en-US" sz="3200" dirty="0"/>
-              <a:t>Alternative Hypothesis: Variances are not equal</a:t>
-            </a:r>
-          </a:p>
-        </p:txBody>
-      </p:sp>
-    </p:spTree>
-    <p:extLst>
-      <p:ext uri="{BB962C8B-B14F-4D97-AF65-F5344CB8AC3E}">
-        <p14:creationId xmlns:p14="http://schemas.microsoft.com/office/powerpoint/2010/main" val="623740820"/>
-      </p:ext>
-    </p:extLst>
-  </p:cSld>
-  <p:clrMapOvr>
-    <a:masterClrMapping/>
-  </p:clrMapOvr>
-</p:sld>
-</file>
-
-<file path=ppt/slides/slide23.xml><?xml version="1.0" encoding="utf-8"?>
-<p:sld xmlns:a="http://schemas.openxmlformats.org/drawingml/2006/main" xmlns:r="http://schemas.openxmlformats.org/officeDocument/2006/relationships" xmlns:p="http://schemas.openxmlformats.org/presentationml/2006/main">
+<file path=ppt/slides/slide3.xml><?xml version="1.0" encoding="utf-8"?>
+<p:sld xmlns:a="http://schemas.openxmlformats.org/drawingml/2006/main" xmlns:r="http://schemas.openxmlformats.org/officeDocument/2006/relationships" xmlns:p="http://schemas.openxmlformats.org/presentationml/2006/main" showMasterSp="0">
   <p:cSld>
     <p:spTree>
       <p:nvGrpSpPr>
@@ -5826,10 +3539,10 @@
       </p:grpSpPr>
       <p:pic>
         <p:nvPicPr>
-          <p:cNvPr id="3" name="Picture 2" descr="A graph of a number of blue squares&#10;&#10;AI-generated content may be incorrect.">
-            <a:extLst>
-              <a:ext uri="{FF2B5EF4-FFF2-40B4-BE49-F238E27FC236}">
-                <a16:creationId xmlns:a16="http://schemas.microsoft.com/office/drawing/2014/main" id="{060B7FE0-5D16-C642-8289-2ADA180D98A0}"/>
+          <p:cNvPr id="2" name="Content Placeholder 9">
+            <a:extLst>
+              <a:ext uri="{FF2B5EF4-FFF2-40B4-BE49-F238E27FC236}">
+                <a16:creationId xmlns:a16="http://schemas.microsoft.com/office/drawing/2014/main" id="{50F1EF00-FF36-5FE2-3A17-ACFCB7836C9D}"/>
               </a:ext>
             </a:extLst>
           </p:cNvPr>
@@ -5846,18 +3559,150 @@
         </p:blipFill>
         <p:spPr>
           <a:xfrm>
-            <a:off x="2122906" y="449179"/>
-            <a:ext cx="7946188" cy="5959641"/>
+            <a:off x="579888" y="643466"/>
+            <a:ext cx="6629441" cy="5966774"/>
           </a:xfrm>
           <a:prstGeom prst="rect">
             <a:avLst/>
           </a:prstGeom>
         </p:spPr>
       </p:pic>
+      <p:sp>
+        <p:nvSpPr>
+          <p:cNvPr id="4" name="TextBox 3">
+            <a:extLst>
+              <a:ext uri="{FF2B5EF4-FFF2-40B4-BE49-F238E27FC236}">
+                <a16:creationId xmlns:a16="http://schemas.microsoft.com/office/drawing/2014/main" id="{BA9CA9B4-B8A9-312E-04A1-1DD11E43773A}"/>
+              </a:ext>
+            </a:extLst>
+          </p:cNvPr>
+          <p:cNvSpPr txBox="1"/>
+          <p:nvPr/>
+        </p:nvSpPr>
+        <p:spPr>
+          <a:xfrm>
+            <a:off x="7209329" y="1487842"/>
+            <a:ext cx="5287471" cy="461665"/>
+          </a:xfrm>
+          <a:prstGeom prst="rect">
+            <a:avLst/>
+          </a:prstGeom>
+          <a:noFill/>
+        </p:spPr>
+        <p:txBody>
+          <a:bodyPr wrap="square">
+            <a:spAutoFit/>
+          </a:bodyPr>
+          <a:lstStyle/>
+          <a:p>
+            <a:r>
+              <a:rPr lang="en-US" sz="2400" b="1" dirty="0">
+                <a:solidFill>
+                  <a:schemeClr val="tx1">
+                    <a:lumMod val="95000"/>
+                    <a:lumOff val="5000"/>
+                  </a:schemeClr>
+                </a:solidFill>
+                <a:latin typeface="Times New Roman" panose="02020603050405020304" pitchFamily="18" charset="0"/>
+                <a:cs typeface="Times New Roman" panose="02020603050405020304" pitchFamily="18" charset="0"/>
+              </a:rPr>
+              <a:t>States are selected by median income</a:t>
+            </a:r>
+          </a:p>
+        </p:txBody>
+      </p:sp>
+      <p:sp>
+        <p:nvSpPr>
+          <p:cNvPr id="5" name="TextBox 4">
+            <a:extLst>
+              <a:ext uri="{FF2B5EF4-FFF2-40B4-BE49-F238E27FC236}">
+                <a16:creationId xmlns:a16="http://schemas.microsoft.com/office/drawing/2014/main" id="{A649F697-E62B-172F-B1B7-80BD1A97C737}"/>
+              </a:ext>
+            </a:extLst>
+          </p:cNvPr>
+          <p:cNvSpPr txBox="1"/>
+          <p:nvPr/>
+        </p:nvSpPr>
+        <p:spPr>
+          <a:xfrm>
+            <a:off x="7209329" y="3198166"/>
+            <a:ext cx="4560887" cy="461665"/>
+          </a:xfrm>
+          <a:prstGeom prst="rect">
+            <a:avLst/>
+          </a:prstGeom>
+          <a:noFill/>
+        </p:spPr>
+        <p:txBody>
+          <a:bodyPr wrap="square" rtlCol="0">
+            <a:spAutoFit/>
+          </a:bodyPr>
+          <a:lstStyle/>
+          <a:p>
+            <a:r>
+              <a:rPr lang="en-US" sz="2400" b="1" dirty="0">
+                <a:solidFill>
+                  <a:schemeClr val="tx1">
+                    <a:lumMod val="95000"/>
+                    <a:lumOff val="5000"/>
+                  </a:schemeClr>
+                </a:solidFill>
+                <a:latin typeface="Times New Roman" panose="02020603050405020304" pitchFamily="18" charset="0"/>
+                <a:cs typeface="Times New Roman" panose="02020603050405020304" pitchFamily="18" charset="0"/>
+              </a:rPr>
+              <a:t>The box shows range of income</a:t>
+            </a:r>
+          </a:p>
+        </p:txBody>
+      </p:sp>
+      <p:sp>
+        <p:nvSpPr>
+          <p:cNvPr id="7" name="TextBox 6">
+            <a:extLst>
+              <a:ext uri="{FF2B5EF4-FFF2-40B4-BE49-F238E27FC236}">
+                <a16:creationId xmlns:a16="http://schemas.microsoft.com/office/drawing/2014/main" id="{19DCACAA-1283-8EF6-A0A2-99671CF27632}"/>
+              </a:ext>
+            </a:extLst>
+          </p:cNvPr>
+          <p:cNvSpPr txBox="1"/>
+          <p:nvPr/>
+        </p:nvSpPr>
+        <p:spPr>
+          <a:xfrm>
+            <a:off x="7209329" y="4788787"/>
+            <a:ext cx="4906947" cy="461665"/>
+          </a:xfrm>
+          <a:prstGeom prst="rect">
+            <a:avLst/>
+          </a:prstGeom>
+          <a:noFill/>
+        </p:spPr>
+        <p:txBody>
+          <a:bodyPr wrap="square">
+            <a:spAutoFit/>
+          </a:bodyPr>
+          <a:lstStyle/>
+          <a:p>
+            <a:r>
+              <a:rPr lang="en-US" sz="2400" b="1" dirty="0">
+                <a:solidFill>
+                  <a:schemeClr val="tx1">
+                    <a:lumMod val="95000"/>
+                    <a:lumOff val="5000"/>
+                  </a:schemeClr>
+                </a:solidFill>
+                <a:latin typeface="Times New Roman" panose="02020603050405020304" pitchFamily="18" charset="0"/>
+                <a:cs typeface="Times New Roman" panose="02020603050405020304" pitchFamily="18" charset="0"/>
+              </a:rPr>
+              <a:t>Outliers indicates wealthy counties</a:t>
+            </a:r>
+          </a:p>
+        </p:txBody>
+      </p:sp>
     </p:spTree>
     <p:extLst>
       <p:ext uri="{BB962C8B-B14F-4D97-AF65-F5344CB8AC3E}">
-        <p14:creationId xmlns:p14="http://schemas.microsoft.com/office/powerpoint/2010/main" val="229396946"/>
+        <p14:creationId xmlns:p14="http://schemas.microsoft.com/office/powerpoint/2010/main" val="1728606901"/>
       </p:ext>
     </p:extLst>
   </p:cSld>
@@ -5867,7 +3712,7 @@
 </p:sld>
 </file>
 
-<file path=ppt/slides/slide24.xml><?xml version="1.0" encoding="utf-8"?>
+<file path=ppt/slides/slide4.xml><?xml version="1.0" encoding="utf-8"?>
 <p:sld xmlns:a="http://schemas.openxmlformats.org/drawingml/2006/main" xmlns:r="http://schemas.openxmlformats.org/officeDocument/2006/relationships" xmlns:p="http://schemas.openxmlformats.org/presentationml/2006/main">
   <p:cSld>
     <p:bg>
@@ -6158,7 +4003,7 @@
 </p:sld>
 </file>
 
-<file path=ppt/slides/slide25.xml><?xml version="1.0" encoding="utf-8"?>
+<file path=ppt/slides/slide5.xml><?xml version="1.0" encoding="utf-8"?>
 <p:sld xmlns:a="http://schemas.openxmlformats.org/drawingml/2006/main" xmlns:r="http://schemas.openxmlformats.org/officeDocument/2006/relationships" xmlns:p="http://schemas.openxmlformats.org/presentationml/2006/main">
   <p:cSld>
     <p:spTree>
@@ -6464,617 +4309,7 @@
 </p:sld>
 </file>
 
-<file path=ppt/slides/slide26.xml><?xml version="1.0" encoding="utf-8"?>
-<p:sld xmlns:a="http://schemas.openxmlformats.org/drawingml/2006/main" xmlns:r="http://schemas.openxmlformats.org/officeDocument/2006/relationships" xmlns:p="http://schemas.openxmlformats.org/presentationml/2006/main">
-  <p:cSld>
-    <p:spTree>
-      <p:nvGrpSpPr>
-        <p:cNvPr id="1" name="">
-          <a:extLst>
-            <a:ext uri="{FF2B5EF4-FFF2-40B4-BE49-F238E27FC236}">
-              <a16:creationId xmlns:a16="http://schemas.microsoft.com/office/drawing/2014/main" id="{B59FAA6C-C120-C1D3-8FB0-21E03A0270E4}"/>
-            </a:ext>
-          </a:extLst>
-        </p:cNvPr>
-        <p:cNvGrpSpPr/>
-        <p:nvPr/>
-      </p:nvGrpSpPr>
-      <p:grpSpPr>
-        <a:xfrm>
-          <a:off x="0" y="0"/>
-          <a:ext cx="0" cy="0"/>
-          <a:chOff x="0" y="0"/>
-          <a:chExt cx="0" cy="0"/>
-        </a:xfrm>
-      </p:grpSpPr>
-      <p:sp>
-        <p:nvSpPr>
-          <p:cNvPr id="9" name="TextBox 8">
-            <a:extLst>
-              <a:ext uri="{FF2B5EF4-FFF2-40B4-BE49-F238E27FC236}">
-                <a16:creationId xmlns:a16="http://schemas.microsoft.com/office/drawing/2014/main" id="{F7D9041A-EF35-BD7E-9D9B-441F924E1670}"/>
-              </a:ext>
-            </a:extLst>
-          </p:cNvPr>
-          <p:cNvSpPr txBox="1"/>
-          <p:nvPr/>
-        </p:nvSpPr>
-        <p:spPr>
-          <a:xfrm>
-            <a:off x="461736" y="395514"/>
-            <a:ext cx="3176191" cy="584775"/>
-          </a:xfrm>
-          <a:prstGeom prst="rect">
-            <a:avLst/>
-          </a:prstGeom>
-          <a:noFill/>
-        </p:spPr>
-        <p:txBody>
-          <a:bodyPr wrap="none" rtlCol="0">
-            <a:spAutoFit/>
-          </a:bodyPr>
-          <a:lstStyle/>
-          <a:p>
-            <a:r>
-              <a:rPr lang="en-US" sz="3200" b="1" u="sng" dirty="0">
-                <a:latin typeface="Times New Roman" panose="02020603050405020304" pitchFamily="18" charset="0"/>
-                <a:cs typeface="Times New Roman" panose="02020603050405020304" pitchFamily="18" charset="0"/>
-              </a:rPr>
-              <a:t>Chi-Squares Test</a:t>
-            </a:r>
-          </a:p>
-        </p:txBody>
-      </p:sp>
-      <p:sp>
-        <p:nvSpPr>
-          <p:cNvPr id="10" name="TextBox 9">
-            <a:extLst>
-              <a:ext uri="{FF2B5EF4-FFF2-40B4-BE49-F238E27FC236}">
-                <a16:creationId xmlns:a16="http://schemas.microsoft.com/office/drawing/2014/main" id="{A0FC1E1E-6A3C-E742-0BA7-3821B1104C97}"/>
-              </a:ext>
-            </a:extLst>
-          </p:cNvPr>
-          <p:cNvSpPr txBox="1"/>
-          <p:nvPr/>
-        </p:nvSpPr>
-        <p:spPr>
-          <a:xfrm>
-            <a:off x="461736" y="1134773"/>
-            <a:ext cx="3462936" cy="400110"/>
-          </a:xfrm>
-          <a:prstGeom prst="rect">
-            <a:avLst/>
-          </a:prstGeom>
-          <a:noFill/>
-        </p:spPr>
-        <p:txBody>
-          <a:bodyPr wrap="none" rtlCol="0">
-            <a:spAutoFit/>
-          </a:bodyPr>
-          <a:lstStyle/>
-          <a:p>
-            <a:r>
-              <a:rPr lang="en-US" sz="2000" b="1" i="1" dirty="0">
-                <a:solidFill>
-                  <a:schemeClr val="tx2">
-                    <a:lumMod val="75000"/>
-                    <a:lumOff val="25000"/>
-                  </a:schemeClr>
-                </a:solidFill>
-              </a:rPr>
-              <a:t>Personal Income vs. Gender</a:t>
-            </a:r>
-          </a:p>
-        </p:txBody>
-      </p:sp>
-      <p:sp>
-        <p:nvSpPr>
-          <p:cNvPr id="5" name="TextBox 4">
-            <a:extLst>
-              <a:ext uri="{FF2B5EF4-FFF2-40B4-BE49-F238E27FC236}">
-                <a16:creationId xmlns:a16="http://schemas.microsoft.com/office/drawing/2014/main" id="{FBBBCA05-C604-B110-D755-5E3A3302B9C5}"/>
-              </a:ext>
-            </a:extLst>
-          </p:cNvPr>
-          <p:cNvSpPr txBox="1"/>
-          <p:nvPr/>
-        </p:nvSpPr>
-        <p:spPr>
-          <a:xfrm>
-            <a:off x="461736" y="1534883"/>
-            <a:ext cx="5516154" cy="1477328"/>
-          </a:xfrm>
-          <a:prstGeom prst="rect">
-            <a:avLst/>
-          </a:prstGeom>
-          <a:noFill/>
-        </p:spPr>
-        <p:txBody>
-          <a:bodyPr wrap="square">
-            <a:spAutoFit/>
-          </a:bodyPr>
-          <a:lstStyle/>
-          <a:p>
-            <a:r>
-              <a:rPr lang="en-US" b="1" dirty="0"/>
-              <a:t>Hypotheses</a:t>
-            </a:r>
-          </a:p>
-          <a:p>
-            <a:r>
-              <a:rPr lang="en-US" dirty="0"/>
-              <a:t>H0: Gender composition is the same in every income quartile</a:t>
-            </a:r>
-          </a:p>
-          <a:p>
-            <a:r>
-              <a:rPr lang="en-US" dirty="0"/>
-              <a:t>H1: Gender composition differs for at least one income quartile.</a:t>
-            </a:r>
-          </a:p>
-        </p:txBody>
-      </p:sp>
-      <p:pic>
-        <p:nvPicPr>
-          <p:cNvPr id="11" name="Picture 10">
-            <a:extLst>
-              <a:ext uri="{FF2B5EF4-FFF2-40B4-BE49-F238E27FC236}">
-                <a16:creationId xmlns:a16="http://schemas.microsoft.com/office/drawing/2014/main" id="{4D35476A-8AC6-987C-BB88-8994BD9C25D8}"/>
-              </a:ext>
-            </a:extLst>
-          </p:cNvPr>
-          <p:cNvPicPr>
-            <a:picLocks noChangeAspect="1"/>
-          </p:cNvPicPr>
-          <p:nvPr/>
-        </p:nvPicPr>
-        <p:blipFill>
-          <a:blip r:embed="rId2"/>
-          <a:stretch>
-            <a:fillRect/>
-          </a:stretch>
-        </p:blipFill>
-        <p:spPr>
-          <a:xfrm>
-            <a:off x="461736" y="3166695"/>
-            <a:ext cx="5052096" cy="1076475"/>
-          </a:xfrm>
-          <a:prstGeom prst="rect">
-            <a:avLst/>
-          </a:prstGeom>
-        </p:spPr>
-      </p:pic>
-      <p:graphicFrame>
-        <p:nvGraphicFramePr>
-          <p:cNvPr id="18" name="Table 17">
-            <a:extLst>
-              <a:ext uri="{FF2B5EF4-FFF2-40B4-BE49-F238E27FC236}">
-                <a16:creationId xmlns:a16="http://schemas.microsoft.com/office/drawing/2014/main" id="{7340DA83-D9EF-0D31-C155-281C3BF4D901}"/>
-              </a:ext>
-            </a:extLst>
-          </p:cNvPr>
-          <p:cNvGraphicFramePr>
-            <a:graphicFrameLocks noGrp="1"/>
-          </p:cNvGraphicFramePr>
-          <p:nvPr>
-            <p:extLst>
-              <p:ext uri="{D42A27DB-BD31-4B8C-83A1-F6EECF244321}">
-                <p14:modId xmlns:p14="http://schemas.microsoft.com/office/powerpoint/2010/main" val="3182785267"/>
-              </p:ext>
-            </p:extLst>
-          </p:nvPr>
-        </p:nvGraphicFramePr>
-        <p:xfrm>
-          <a:off x="461736" y="4476534"/>
-          <a:ext cx="5516154" cy="2103120"/>
-        </p:xfrm>
-        <a:graphic>
-          <a:graphicData uri="http://schemas.openxmlformats.org/drawingml/2006/table">
-            <a:tbl>
-              <a:tblPr firstRow="1" bandRow="1">
-                <a:tableStyleId>{9D7B26C5-4107-4FEC-AEDC-1716B250A1EF}</a:tableStyleId>
-              </a:tblPr>
-              <a:tblGrid>
-                <a:gridCol w="1838718">
-                  <a:extLst>
-                    <a:ext uri="{9D8B030D-6E8A-4147-A177-3AD203B41FA5}">
-                      <a16:colId xmlns:a16="http://schemas.microsoft.com/office/drawing/2014/main" val="3517993907"/>
-                    </a:ext>
-                  </a:extLst>
-                </a:gridCol>
-                <a:gridCol w="1838718">
-                  <a:extLst>
-                    <a:ext uri="{9D8B030D-6E8A-4147-A177-3AD203B41FA5}">
-                      <a16:colId xmlns:a16="http://schemas.microsoft.com/office/drawing/2014/main" val="98985856"/>
-                    </a:ext>
-                  </a:extLst>
-                </a:gridCol>
-                <a:gridCol w="1838718">
-                  <a:extLst>
-                    <a:ext uri="{9D8B030D-6E8A-4147-A177-3AD203B41FA5}">
-                      <a16:colId xmlns:a16="http://schemas.microsoft.com/office/drawing/2014/main" val="2839522248"/>
-                    </a:ext>
-                  </a:extLst>
-                </a:gridCol>
-              </a:tblGrid>
-              <a:tr h="358097">
-                <a:tc>
-                  <a:txBody>
-                    <a:bodyPr/>
-                    <a:lstStyle/>
-                    <a:p>
-                      <a:pPr algn="ctr"/>
-                      <a:r>
-                        <a:rPr lang="en-US" dirty="0"/>
-                        <a:t>Income Quartile</a:t>
-                      </a:r>
-                    </a:p>
-                  </a:txBody>
-                  <a:tcPr/>
-                </a:tc>
-                <a:tc>
-                  <a:txBody>
-                    <a:bodyPr/>
-                    <a:lstStyle/>
-                    <a:p>
-                      <a:pPr algn="ctr"/>
-                      <a:r>
-                        <a:rPr lang="en-US" dirty="0"/>
-                        <a:t>Male Share (%)</a:t>
-                      </a:r>
-                    </a:p>
-                  </a:txBody>
-                  <a:tcPr/>
-                </a:tc>
-                <a:tc>
-                  <a:txBody>
-                    <a:bodyPr/>
-                    <a:lstStyle/>
-                    <a:p>
-                      <a:pPr algn="ctr"/>
-                      <a:r>
-                        <a:rPr lang="en-US" dirty="0"/>
-                        <a:t>Female Share (%)</a:t>
-                      </a:r>
-                    </a:p>
-                  </a:txBody>
-                  <a:tcPr/>
-                </a:tc>
-                <a:extLst>
-                  <a:ext uri="{0D108BD9-81ED-4DB2-BD59-A6C34878D82A}">
-                    <a16:rowId xmlns:a16="http://schemas.microsoft.com/office/drawing/2014/main" val="3727262382"/>
-                  </a:ext>
-                </a:extLst>
-              </a:tr>
-              <a:tr h="358097">
-                <a:tc>
-                  <a:txBody>
-                    <a:bodyPr/>
-                    <a:lstStyle/>
-                    <a:p>
-                      <a:r>
-                        <a:rPr lang="en-US" dirty="0"/>
-                        <a:t>Q1 (Lowest)</a:t>
-                      </a:r>
-                    </a:p>
-                  </a:txBody>
-                  <a:tcPr/>
-                </a:tc>
-                <a:tc>
-                  <a:txBody>
-                    <a:bodyPr/>
-                    <a:lstStyle/>
-                    <a:p>
-                      <a:pPr algn="r"/>
-                      <a:r>
-                        <a:rPr lang="en-US" dirty="0"/>
-                        <a:t>50.1</a:t>
-                      </a:r>
-                    </a:p>
-                  </a:txBody>
-                  <a:tcPr/>
-                </a:tc>
-                <a:tc>
-                  <a:txBody>
-                    <a:bodyPr/>
-                    <a:lstStyle/>
-                    <a:p>
-                      <a:pPr algn="r"/>
-                      <a:r>
-                        <a:rPr lang="en-US" dirty="0"/>
-                        <a:t>49.9</a:t>
-                      </a:r>
-                    </a:p>
-                  </a:txBody>
-                  <a:tcPr/>
-                </a:tc>
-                <a:extLst>
-                  <a:ext uri="{0D108BD9-81ED-4DB2-BD59-A6C34878D82A}">
-                    <a16:rowId xmlns:a16="http://schemas.microsoft.com/office/drawing/2014/main" val="3945038220"/>
-                  </a:ext>
-                </a:extLst>
-              </a:tr>
-              <a:tr h="358097">
-                <a:tc>
-                  <a:txBody>
-                    <a:bodyPr/>
-                    <a:lstStyle/>
-                    <a:p>
-                      <a:r>
-                        <a:rPr lang="en-US" dirty="0"/>
-                        <a:t>Q2</a:t>
-                      </a:r>
-                    </a:p>
-                  </a:txBody>
-                  <a:tcPr/>
-                </a:tc>
-                <a:tc>
-                  <a:txBody>
-                    <a:bodyPr/>
-                    <a:lstStyle/>
-                    <a:p>
-                      <a:pPr algn="r"/>
-                      <a:r>
-                        <a:rPr lang="en-US" dirty="0"/>
-                        <a:t>49.7</a:t>
-                      </a:r>
-                    </a:p>
-                  </a:txBody>
-                  <a:tcPr/>
-                </a:tc>
-                <a:tc>
-                  <a:txBody>
-                    <a:bodyPr/>
-                    <a:lstStyle/>
-                    <a:p>
-                      <a:pPr algn="r"/>
-                      <a:r>
-                        <a:rPr lang="en-US" dirty="0"/>
-                        <a:t>50.3</a:t>
-                      </a:r>
-                    </a:p>
-                  </a:txBody>
-                  <a:tcPr/>
-                </a:tc>
-                <a:extLst>
-                  <a:ext uri="{0D108BD9-81ED-4DB2-BD59-A6C34878D82A}">
-                    <a16:rowId xmlns:a16="http://schemas.microsoft.com/office/drawing/2014/main" val="2722600623"/>
-                  </a:ext>
-                </a:extLst>
-              </a:tr>
-              <a:tr h="358097">
-                <a:tc>
-                  <a:txBody>
-                    <a:bodyPr/>
-                    <a:lstStyle/>
-                    <a:p>
-                      <a:r>
-                        <a:rPr lang="en-US" dirty="0"/>
-                        <a:t>Q3</a:t>
-                      </a:r>
-                    </a:p>
-                  </a:txBody>
-                  <a:tcPr/>
-                </a:tc>
-                <a:tc>
-                  <a:txBody>
-                    <a:bodyPr/>
-                    <a:lstStyle/>
-                    <a:p>
-                      <a:pPr algn="r"/>
-                      <a:r>
-                        <a:rPr lang="en-US" dirty="0"/>
-                        <a:t>49.5</a:t>
-                      </a:r>
-                    </a:p>
-                  </a:txBody>
-                  <a:tcPr/>
-                </a:tc>
-                <a:tc>
-                  <a:txBody>
-                    <a:bodyPr/>
-                    <a:lstStyle/>
-                    <a:p>
-                      <a:pPr algn="r"/>
-                      <a:r>
-                        <a:rPr lang="en-US" dirty="0"/>
-                        <a:t>50.5</a:t>
-                      </a:r>
-                    </a:p>
-                  </a:txBody>
-                  <a:tcPr/>
-                </a:tc>
-                <a:extLst>
-                  <a:ext uri="{0D108BD9-81ED-4DB2-BD59-A6C34878D82A}">
-                    <a16:rowId xmlns:a16="http://schemas.microsoft.com/office/drawing/2014/main" val="2469761539"/>
-                  </a:ext>
-                </a:extLst>
-              </a:tr>
-              <a:tr h="358097">
-                <a:tc>
-                  <a:txBody>
-                    <a:bodyPr/>
-                    <a:lstStyle/>
-                    <a:p>
-                      <a:r>
-                        <a:rPr lang="en-US" dirty="0"/>
-                        <a:t>Q4 (highest)</a:t>
-                      </a:r>
-                    </a:p>
-                  </a:txBody>
-                  <a:tcPr/>
-                </a:tc>
-                <a:tc>
-                  <a:txBody>
-                    <a:bodyPr/>
-                    <a:lstStyle/>
-                    <a:p>
-                      <a:pPr algn="r"/>
-                      <a:r>
-                        <a:rPr lang="en-US" dirty="0"/>
-                        <a:t>49.4</a:t>
-                      </a:r>
-                    </a:p>
-                  </a:txBody>
-                  <a:tcPr/>
-                </a:tc>
-                <a:tc>
-                  <a:txBody>
-                    <a:bodyPr/>
-                    <a:lstStyle/>
-                    <a:p>
-                      <a:pPr algn="r"/>
-                      <a:r>
-                        <a:rPr lang="en-US" dirty="0"/>
-                        <a:t>50.6</a:t>
-                      </a:r>
-                    </a:p>
-                  </a:txBody>
-                  <a:tcPr/>
-                </a:tc>
-                <a:extLst>
-                  <a:ext uri="{0D108BD9-81ED-4DB2-BD59-A6C34878D82A}">
-                    <a16:rowId xmlns:a16="http://schemas.microsoft.com/office/drawing/2014/main" val="179703881"/>
-                  </a:ext>
-                </a:extLst>
-              </a:tr>
-            </a:tbl>
-          </a:graphicData>
-        </a:graphic>
-      </p:graphicFrame>
-      <p:sp>
-        <p:nvSpPr>
-          <p:cNvPr id="22" name="TextBox 21">
-            <a:extLst>
-              <a:ext uri="{FF2B5EF4-FFF2-40B4-BE49-F238E27FC236}">
-                <a16:creationId xmlns:a16="http://schemas.microsoft.com/office/drawing/2014/main" id="{B49B8D93-5FF4-F07E-A334-9C4BB69F6A65}"/>
-              </a:ext>
-            </a:extLst>
-          </p:cNvPr>
-          <p:cNvSpPr txBox="1"/>
-          <p:nvPr/>
-        </p:nvSpPr>
-        <p:spPr>
-          <a:xfrm>
-            <a:off x="6294846" y="1134773"/>
-            <a:ext cx="3010952" cy="400110"/>
-          </a:xfrm>
-          <a:prstGeom prst="rect">
-            <a:avLst/>
-          </a:prstGeom>
-          <a:noFill/>
-        </p:spPr>
-        <p:txBody>
-          <a:bodyPr wrap="none" rtlCol="0">
-            <a:spAutoFit/>
-          </a:bodyPr>
-          <a:lstStyle/>
-          <a:p>
-            <a:r>
-              <a:rPr lang="en-US" sz="2000" b="1" i="1" dirty="0">
-                <a:solidFill>
-                  <a:schemeClr val="tx2">
-                    <a:lumMod val="75000"/>
-                    <a:lumOff val="25000"/>
-                  </a:schemeClr>
-                </a:solidFill>
-              </a:rPr>
-              <a:t>Personal Income vs. age</a:t>
-            </a:r>
-          </a:p>
-        </p:txBody>
-      </p:sp>
-      <p:sp>
-        <p:nvSpPr>
-          <p:cNvPr id="23" name="TextBox 22">
-            <a:extLst>
-              <a:ext uri="{FF2B5EF4-FFF2-40B4-BE49-F238E27FC236}">
-                <a16:creationId xmlns:a16="http://schemas.microsoft.com/office/drawing/2014/main" id="{7CF1A91F-B77A-8880-58D5-C9DC6438B861}"/>
-              </a:ext>
-            </a:extLst>
-          </p:cNvPr>
-          <p:cNvSpPr txBox="1"/>
-          <p:nvPr/>
-        </p:nvSpPr>
-        <p:spPr>
-          <a:xfrm>
-            <a:off x="6294846" y="1534883"/>
-            <a:ext cx="5516154" cy="1477328"/>
-          </a:xfrm>
-          <a:prstGeom prst="rect">
-            <a:avLst/>
-          </a:prstGeom>
-          <a:noFill/>
-        </p:spPr>
-        <p:txBody>
-          <a:bodyPr wrap="square">
-            <a:spAutoFit/>
-          </a:bodyPr>
-          <a:lstStyle/>
-          <a:p>
-            <a:r>
-              <a:rPr lang="en-US" b="1" dirty="0"/>
-              <a:t>Hypotheses</a:t>
-            </a:r>
-          </a:p>
-          <a:p>
-            <a:r>
-              <a:rPr lang="en-US" dirty="0"/>
-              <a:t>H0: Income-quartile and median-age–quartile are independent (county counts spread the same)</a:t>
-            </a:r>
-          </a:p>
-          <a:p>
-            <a:r>
-              <a:rPr lang="en-US" dirty="0"/>
-              <a:t>H1: Median age differs for at least one income quartile.</a:t>
-            </a:r>
-          </a:p>
-        </p:txBody>
-      </p:sp>
-      <p:pic>
-        <p:nvPicPr>
-          <p:cNvPr id="25" name="Picture 24">
-            <a:extLst>
-              <a:ext uri="{FF2B5EF4-FFF2-40B4-BE49-F238E27FC236}">
-                <a16:creationId xmlns:a16="http://schemas.microsoft.com/office/drawing/2014/main" id="{8E6236D4-231F-A00B-0056-936F988AA5B7}"/>
-              </a:ext>
-            </a:extLst>
-          </p:cNvPr>
-          <p:cNvPicPr>
-            <a:picLocks noChangeAspect="1"/>
-          </p:cNvPicPr>
-          <p:nvPr/>
-        </p:nvPicPr>
-        <p:blipFill>
-          <a:blip r:embed="rId3"/>
-          <a:stretch>
-            <a:fillRect/>
-          </a:stretch>
-        </p:blipFill>
-        <p:spPr>
-          <a:xfrm>
-            <a:off x="6294846" y="3252715"/>
-            <a:ext cx="4077269" cy="1038370"/>
-          </a:xfrm>
-          <a:prstGeom prst="rect">
-            <a:avLst/>
-          </a:prstGeom>
-        </p:spPr>
-      </p:pic>
-    </p:spTree>
-    <p:extLst>
-      <p:ext uri="{BB962C8B-B14F-4D97-AF65-F5344CB8AC3E}">
-        <p14:creationId xmlns:p14="http://schemas.microsoft.com/office/powerpoint/2010/main" val="458098233"/>
-      </p:ext>
-    </p:extLst>
-  </p:cSld>
-  <p:clrMapOvr>
-    <a:masterClrMapping/>
-  </p:clrMapOvr>
-</p:sld>
-</file>
-
-<file path=ppt/slides/slide27.xml><?xml version="1.0" encoding="utf-8"?>
+<file path=ppt/slides/slide6.xml><?xml version="1.0" encoding="utf-8"?>
 <p:sld xmlns:a="http://schemas.openxmlformats.org/drawingml/2006/main" xmlns:r="http://schemas.openxmlformats.org/officeDocument/2006/relationships" xmlns:p="http://schemas.openxmlformats.org/presentationml/2006/main">
   <p:cSld>
     <p:spTree>
@@ -7198,7 +4433,7 @@
         <p:spPr>
           <a:xfrm>
             <a:off x="461736" y="2605615"/>
-            <a:ext cx="8983478" cy="923330"/>
+            <a:ext cx="8983478" cy="1477328"/>
           </a:xfrm>
           <a:prstGeom prst="rect">
             <a:avLst/>
@@ -7211,21 +4446,18 @@
           </a:bodyPr>
           <a:lstStyle/>
           <a:p>
+            <a:pPr algn="just"/>
             <a:r>
               <a:rPr lang="en-US" b="1" dirty="0"/>
-              <a:t>U.S. Census Bureau.</a:t>
+              <a:t>U.S. Census Bureau, Population Division. (2025). </a:t>
+            </a:r>
+            <a:r>
+              <a:rPr lang="en-US" i="1" dirty="0"/>
+              <a:t>Annual County and Puerto Rico Municipio Resident Population Estimates by Selected Age Groups and Sex: April 1, 2020 to July 1, 2024</a:t>
             </a:r>
             <a:r>
               <a:rPr lang="en-US" dirty="0"/>
-              <a:t> (2023). </a:t>
-            </a:r>
-            <a:r>
-              <a:rPr lang="en-US" i="1" dirty="0"/>
-              <a:t>County Population Totals: 2020-2023</a:t>
-            </a:r>
-            <a:r>
-              <a:rPr lang="en-US" dirty="0"/>
-              <a:t> [Data Table]. Retrieved from </a:t>
+              <a:t> (CC-EST2024-AGESEX). U.S. Census Bureau. Retrieved from Retrieved from </a:t>
             </a:r>
             <a:r>
               <a:rPr lang="en-US" dirty="0">
@@ -7241,990 +4473,6 @@
     <p:extLst>
       <p:ext uri="{BB962C8B-B14F-4D97-AF65-F5344CB8AC3E}">
         <p14:creationId xmlns:p14="http://schemas.microsoft.com/office/powerpoint/2010/main" val="2920324482"/>
-      </p:ext>
-    </p:extLst>
-  </p:cSld>
-  <p:clrMapOvr>
-    <a:masterClrMapping/>
-  </p:clrMapOvr>
-</p:sld>
-</file>
-
-<file path=ppt/slides/slide3.xml><?xml version="1.0" encoding="utf-8"?>
-<p:sld xmlns:a="http://schemas.openxmlformats.org/drawingml/2006/main" xmlns:r="http://schemas.openxmlformats.org/officeDocument/2006/relationships" xmlns:p="http://schemas.openxmlformats.org/presentationml/2006/main">
-  <p:cSld>
-    <p:spTree>
-      <p:nvGrpSpPr>
-        <p:cNvPr id="1" name="">
-          <a:extLst>
-            <a:ext uri="{FF2B5EF4-FFF2-40B4-BE49-F238E27FC236}">
-              <a16:creationId xmlns:a16="http://schemas.microsoft.com/office/drawing/2014/main" id="{29026615-67A6-B4AB-5B02-F92659179BDD}"/>
-            </a:ext>
-          </a:extLst>
-        </p:cNvPr>
-        <p:cNvGrpSpPr/>
-        <p:nvPr/>
-      </p:nvGrpSpPr>
-      <p:grpSpPr>
-        <a:xfrm>
-          <a:off x="0" y="0"/>
-          <a:ext cx="0" cy="0"/>
-          <a:chOff x="0" y="0"/>
-          <a:chExt cx="0" cy="0"/>
-        </a:xfrm>
-      </p:grpSpPr>
-      <p:sp>
-        <p:nvSpPr>
-          <p:cNvPr id="4" name="TextBox 3">
-            <a:extLst>
-              <a:ext uri="{FF2B5EF4-FFF2-40B4-BE49-F238E27FC236}">
-                <a16:creationId xmlns:a16="http://schemas.microsoft.com/office/drawing/2014/main" id="{E54A05B0-2CCA-5563-A8B2-C86BCB89774E}"/>
-              </a:ext>
-            </a:extLst>
-          </p:cNvPr>
-          <p:cNvSpPr txBox="1"/>
-          <p:nvPr/>
-        </p:nvSpPr>
-        <p:spPr>
-          <a:xfrm>
-            <a:off x="461736" y="395514"/>
-            <a:ext cx="6849952" cy="584775"/>
-          </a:xfrm>
-          <a:prstGeom prst="rect">
-            <a:avLst/>
-          </a:prstGeom>
-          <a:noFill/>
-        </p:spPr>
-        <p:txBody>
-          <a:bodyPr wrap="none" rtlCol="0">
-            <a:spAutoFit/>
-          </a:bodyPr>
-          <a:lstStyle/>
-          <a:p>
-            <a:r>
-              <a:rPr lang="en-US" sz="3200" b="1" u="sng" dirty="0">
-                <a:latin typeface="Times New Roman" panose="02020603050405020304" pitchFamily="18" charset="0"/>
-                <a:cs typeface="Times New Roman" panose="02020603050405020304" pitchFamily="18" charset="0"/>
-              </a:rPr>
-              <a:t>What do we know about this data set?</a:t>
-            </a:r>
-          </a:p>
-        </p:txBody>
-      </p:sp>
-      <p:sp>
-        <p:nvSpPr>
-          <p:cNvPr id="6" name="TextBox 5">
-            <a:extLst>
-              <a:ext uri="{FF2B5EF4-FFF2-40B4-BE49-F238E27FC236}">
-                <a16:creationId xmlns:a16="http://schemas.microsoft.com/office/drawing/2014/main" id="{BE81DA13-DC53-DF4D-3F45-B0A0F1BE223B}"/>
-              </a:ext>
-            </a:extLst>
-          </p:cNvPr>
-          <p:cNvSpPr txBox="1"/>
-          <p:nvPr/>
-        </p:nvSpPr>
-        <p:spPr>
-          <a:xfrm>
-            <a:off x="461736" y="1219201"/>
-            <a:ext cx="11196864" cy="2554545"/>
-          </a:xfrm>
-          <a:prstGeom prst="rect">
-            <a:avLst/>
-          </a:prstGeom>
-          <a:noFill/>
-        </p:spPr>
-        <p:txBody>
-          <a:bodyPr wrap="square" rtlCol="0">
-            <a:spAutoFit/>
-          </a:bodyPr>
-          <a:lstStyle/>
-          <a:p>
-            <a:r>
-              <a:rPr lang="en-US" sz="2000" b="1" dirty="0"/>
-              <a:t>Unit of observation:</a:t>
-            </a:r>
-            <a:r>
-              <a:rPr lang="en-US" sz="2000" dirty="0"/>
-              <a:t> U.S. county (identified by </a:t>
-            </a:r>
-            <a:r>
-              <a:rPr lang="en-US" sz="2000" dirty="0" err="1"/>
-              <a:t>county_FIPS</a:t>
-            </a:r>
-            <a:r>
-              <a:rPr lang="en-US" sz="2000" dirty="0"/>
-              <a:t>, with state and county names).</a:t>
-            </a:r>
-          </a:p>
-          <a:p>
-            <a:endParaRPr lang="en-US" sz="2000" dirty="0"/>
-          </a:p>
-          <a:p>
-            <a:r>
-              <a:rPr lang="en-US" sz="2000" b="1" dirty="0"/>
-              <a:t>Size:</a:t>
-            </a:r>
-            <a:r>
-              <a:rPr lang="en-US" sz="2000" dirty="0"/>
-              <a:t> </a:t>
-            </a:r>
-            <a:r>
-              <a:rPr lang="en-US" sz="2000" b="1" dirty="0"/>
-              <a:t>3,006 rows × 17 columns</a:t>
-            </a:r>
-          </a:p>
-          <a:p>
-            <a:endParaRPr lang="en-US" sz="2000" dirty="0"/>
-          </a:p>
-          <a:p>
-            <a:r>
-              <a:rPr lang="en-US" sz="2000" b="1" dirty="0"/>
-              <a:t>Variables:</a:t>
-            </a:r>
-            <a:endParaRPr lang="en-US" sz="2000" dirty="0"/>
-          </a:p>
-          <a:p>
-            <a:pPr marL="285750" indent="-285750">
-              <a:buFont typeface="Arial" panose="020B0604020202020204" pitchFamily="34" charset="0"/>
-              <a:buChar char="•"/>
-            </a:pPr>
-            <a:r>
-              <a:rPr lang="en-US" sz="2000" dirty="0"/>
-              <a:t>Income</a:t>
-            </a:r>
-          </a:p>
-          <a:p>
-            <a:pPr marL="285750" indent="-285750">
-              <a:buFont typeface="Arial" panose="020B0604020202020204" pitchFamily="34" charset="0"/>
-              <a:buChar char="•"/>
-            </a:pPr>
-            <a:r>
-              <a:rPr lang="en-US" sz="2000" dirty="0"/>
-              <a:t>Education (levels): </a:t>
-            </a:r>
-          </a:p>
-          <a:p>
-            <a:pPr marL="285750" indent="-285750">
-              <a:buFont typeface="Arial" panose="020B0604020202020204" pitchFamily="34" charset="0"/>
-              <a:buChar char="•"/>
-            </a:pPr>
-            <a:r>
-              <a:rPr lang="en-US" sz="2000" dirty="0"/>
-              <a:t>Population &amp; age structure</a:t>
-            </a:r>
-          </a:p>
-        </p:txBody>
-      </p:sp>
-    </p:spTree>
-    <p:extLst>
-      <p:ext uri="{BB962C8B-B14F-4D97-AF65-F5344CB8AC3E}">
-        <p14:creationId xmlns:p14="http://schemas.microsoft.com/office/powerpoint/2010/main" val="1446437119"/>
-      </p:ext>
-    </p:extLst>
-  </p:cSld>
-  <p:clrMapOvr>
-    <a:masterClrMapping/>
-  </p:clrMapOvr>
-</p:sld>
-</file>
-
-<file path=ppt/slides/slide4.xml><?xml version="1.0" encoding="utf-8"?>
-<p:sld xmlns:a="http://schemas.openxmlformats.org/drawingml/2006/main" xmlns:r="http://schemas.openxmlformats.org/officeDocument/2006/relationships" xmlns:p="http://schemas.openxmlformats.org/presentationml/2006/main">
-  <p:cSld>
-    <p:spTree>
-      <p:nvGrpSpPr>
-        <p:cNvPr id="1" name="">
-          <a:extLst>
-            <a:ext uri="{FF2B5EF4-FFF2-40B4-BE49-F238E27FC236}">
-              <a16:creationId xmlns:a16="http://schemas.microsoft.com/office/drawing/2014/main" id="{A4C467A9-F27E-ADE3-2AD4-90748BC23D30}"/>
-            </a:ext>
-          </a:extLst>
-        </p:cNvPr>
-        <p:cNvGrpSpPr/>
-        <p:nvPr/>
-      </p:nvGrpSpPr>
-      <p:grpSpPr>
-        <a:xfrm>
-          <a:off x="0" y="0"/>
-          <a:ext cx="0" cy="0"/>
-          <a:chOff x="0" y="0"/>
-          <a:chExt cx="0" cy="0"/>
-        </a:xfrm>
-      </p:grpSpPr>
-      <p:sp>
-        <p:nvSpPr>
-          <p:cNvPr id="4" name="TextBox 3">
-            <a:extLst>
-              <a:ext uri="{FF2B5EF4-FFF2-40B4-BE49-F238E27FC236}">
-                <a16:creationId xmlns:a16="http://schemas.microsoft.com/office/drawing/2014/main" id="{445BF9D2-BA99-BA7B-C591-F4F93906A57C}"/>
-              </a:ext>
-            </a:extLst>
-          </p:cNvPr>
-          <p:cNvSpPr txBox="1"/>
-          <p:nvPr/>
-        </p:nvSpPr>
-        <p:spPr>
-          <a:xfrm>
-            <a:off x="461736" y="395514"/>
-            <a:ext cx="2581732" cy="584775"/>
-          </a:xfrm>
-          <a:prstGeom prst="rect">
-            <a:avLst/>
-          </a:prstGeom>
-          <a:noFill/>
-        </p:spPr>
-        <p:txBody>
-          <a:bodyPr wrap="none" rtlCol="0">
-            <a:spAutoFit/>
-          </a:bodyPr>
-          <a:lstStyle/>
-          <a:p>
-            <a:r>
-              <a:rPr lang="en-US" sz="3200" b="1" u="sng" dirty="0">
-                <a:latin typeface="Times New Roman" panose="02020603050405020304" pitchFamily="18" charset="0"/>
-                <a:cs typeface="Times New Roman" panose="02020603050405020304" pitchFamily="18" charset="0"/>
-              </a:rPr>
-              <a:t>Our Question</a:t>
-            </a:r>
-          </a:p>
-        </p:txBody>
-      </p:sp>
-      <p:sp>
-        <p:nvSpPr>
-          <p:cNvPr id="3" name="TextBox 2">
-            <a:extLst>
-              <a:ext uri="{FF2B5EF4-FFF2-40B4-BE49-F238E27FC236}">
-                <a16:creationId xmlns:a16="http://schemas.microsoft.com/office/drawing/2014/main" id="{A89EDD72-E6A5-26F0-B5C8-88F9017F4899}"/>
-              </a:ext>
-            </a:extLst>
-          </p:cNvPr>
-          <p:cNvSpPr txBox="1"/>
-          <p:nvPr/>
-        </p:nvSpPr>
-        <p:spPr>
-          <a:xfrm>
-            <a:off x="545621" y="1539860"/>
-            <a:ext cx="11202426" cy="492443"/>
-          </a:xfrm>
-          <a:prstGeom prst="rect">
-            <a:avLst/>
-          </a:prstGeom>
-          <a:noFill/>
-        </p:spPr>
-        <p:txBody>
-          <a:bodyPr wrap="none" rtlCol="0">
-            <a:spAutoFit/>
-          </a:bodyPr>
-          <a:lstStyle/>
-          <a:p>
-            <a:r>
-              <a:rPr lang="en-US" sz="2600" b="1" i="1" dirty="0"/>
-              <a:t>Return of education on income, controlling for population &amp; age structure</a:t>
-            </a:r>
-          </a:p>
-        </p:txBody>
-      </p:sp>
-      <p:sp>
-        <p:nvSpPr>
-          <p:cNvPr id="7" name="TextBox 6">
-            <a:extLst>
-              <a:ext uri="{FF2B5EF4-FFF2-40B4-BE49-F238E27FC236}">
-                <a16:creationId xmlns:a16="http://schemas.microsoft.com/office/drawing/2014/main" id="{EF9A55FF-BAE5-B077-059A-E3DD55658E6A}"/>
-              </a:ext>
-            </a:extLst>
-          </p:cNvPr>
-          <p:cNvSpPr txBox="1"/>
-          <p:nvPr/>
-        </p:nvSpPr>
-        <p:spPr>
-          <a:xfrm>
-            <a:off x="545621" y="2711989"/>
-            <a:ext cx="11315700" cy="1754326"/>
-          </a:xfrm>
-          <a:prstGeom prst="rect">
-            <a:avLst/>
-          </a:prstGeom>
-          <a:noFill/>
-        </p:spPr>
-        <p:txBody>
-          <a:bodyPr wrap="square">
-            <a:spAutoFit/>
-          </a:bodyPr>
-          <a:lstStyle/>
-          <a:p>
-            <a:r>
-              <a:rPr lang="en-US" sz="1800" b="1" dirty="0"/>
-              <a:t>Data </a:t>
-            </a:r>
-            <a:r>
-              <a:rPr lang="en-US" b="1" dirty="0"/>
-              <a:t>l</a:t>
-            </a:r>
-            <a:r>
-              <a:rPr lang="en-US" sz="1800" b="1" dirty="0"/>
-              <a:t>imitations:</a:t>
-            </a:r>
-          </a:p>
-          <a:p>
-            <a:pPr marL="342900" indent="-342900">
-              <a:buFont typeface="Arial" panose="020B0604020202020204" pitchFamily="34" charset="0"/>
-              <a:buChar char="•"/>
-            </a:pPr>
-            <a:r>
-              <a:rPr lang="en-US" sz="1800" b="1" dirty="0"/>
-              <a:t>Incomplete coverage</a:t>
-            </a:r>
-            <a:r>
-              <a:rPr lang="en-US" sz="1800" dirty="0"/>
-              <a:t> (3,006 counties ≠ full national universe)</a:t>
-            </a:r>
-          </a:p>
-          <a:p>
-            <a:pPr marL="285750" indent="-285750">
-              <a:buFont typeface="Arial" panose="020B0604020202020204" pitchFamily="34" charset="0"/>
-              <a:buChar char="•"/>
-            </a:pPr>
-            <a:r>
-              <a:rPr lang="en-US" sz="1800" b="1" dirty="0"/>
-              <a:t>Uneven time alignment:</a:t>
-            </a:r>
-            <a:r>
-              <a:rPr lang="en-US" sz="1800" dirty="0"/>
-              <a:t> income is by single years (2019–2021), while education variables are multi-year aggregates (2016–2020)</a:t>
-            </a:r>
-          </a:p>
-          <a:p>
-            <a:pPr marL="285750" indent="-285750">
-              <a:buFont typeface="Arial" panose="020B0604020202020204" pitchFamily="34" charset="0"/>
-              <a:buChar char="•"/>
-            </a:pPr>
-            <a:endParaRPr lang="en-US" sz="1800" dirty="0"/>
-          </a:p>
-          <a:p>
-            <a:r>
-              <a:rPr lang="en-US" sz="1800" b="1" dirty="0"/>
-              <a:t>Additional useful information: </a:t>
-            </a:r>
-            <a:r>
-              <a:rPr lang="en-US" sz="1800" dirty="0"/>
-              <a:t>race, number of firms in a county, spending on education per capita</a:t>
-            </a:r>
-            <a:endParaRPr lang="en-US" sz="1800" b="1" dirty="0"/>
-          </a:p>
-        </p:txBody>
-      </p:sp>
-    </p:spTree>
-    <p:extLst>
-      <p:ext uri="{BB962C8B-B14F-4D97-AF65-F5344CB8AC3E}">
-        <p14:creationId xmlns:p14="http://schemas.microsoft.com/office/powerpoint/2010/main" val="2284373482"/>
-      </p:ext>
-    </p:extLst>
-  </p:cSld>
-  <p:clrMapOvr>
-    <a:masterClrMapping/>
-  </p:clrMapOvr>
-</p:sld>
-</file>
-
-<file path=ppt/slides/slide5.xml><?xml version="1.0" encoding="utf-8"?>
-<p:sld xmlns:a="http://schemas.openxmlformats.org/drawingml/2006/main" xmlns:r="http://schemas.openxmlformats.org/officeDocument/2006/relationships" xmlns:p="http://schemas.openxmlformats.org/presentationml/2006/main">
-  <p:cSld>
-    <p:spTree>
-      <p:nvGrpSpPr>
-        <p:cNvPr id="1" name="">
-          <a:extLst>
-            <a:ext uri="{FF2B5EF4-FFF2-40B4-BE49-F238E27FC236}">
-              <a16:creationId xmlns:a16="http://schemas.microsoft.com/office/drawing/2014/main" id="{93B85EFF-98A6-F227-1035-572FDC81865E}"/>
-            </a:ext>
-          </a:extLst>
-        </p:cNvPr>
-        <p:cNvGrpSpPr/>
-        <p:nvPr/>
-      </p:nvGrpSpPr>
-      <p:grpSpPr>
-        <a:xfrm>
-          <a:off x="0" y="0"/>
-          <a:ext cx="0" cy="0"/>
-          <a:chOff x="0" y="0"/>
-          <a:chExt cx="0" cy="0"/>
-        </a:xfrm>
-      </p:grpSpPr>
-      <p:sp>
-        <p:nvSpPr>
-          <p:cNvPr id="4" name="TextBox 3">
-            <a:extLst>
-              <a:ext uri="{FF2B5EF4-FFF2-40B4-BE49-F238E27FC236}">
-                <a16:creationId xmlns:a16="http://schemas.microsoft.com/office/drawing/2014/main" id="{1C09EBC5-ACE6-AE42-C249-ED3EAE489778}"/>
-              </a:ext>
-            </a:extLst>
-          </p:cNvPr>
-          <p:cNvSpPr txBox="1"/>
-          <p:nvPr/>
-        </p:nvSpPr>
-        <p:spPr>
-          <a:xfrm>
-            <a:off x="461736" y="395514"/>
-            <a:ext cx="3523722" cy="584775"/>
-          </a:xfrm>
-          <a:prstGeom prst="rect">
-            <a:avLst/>
-          </a:prstGeom>
-          <a:noFill/>
-        </p:spPr>
-        <p:txBody>
-          <a:bodyPr wrap="none" rtlCol="0">
-            <a:spAutoFit/>
-          </a:bodyPr>
-          <a:lstStyle/>
-          <a:p>
-            <a:r>
-              <a:rPr lang="en-US" sz="3200" b="1" u="sng" dirty="0">
-                <a:latin typeface="Times New Roman" panose="02020603050405020304" pitchFamily="18" charset="0"/>
-                <a:cs typeface="Times New Roman" panose="02020603050405020304" pitchFamily="18" charset="0"/>
-              </a:rPr>
-              <a:t>Summary statistics</a:t>
-            </a:r>
-          </a:p>
-        </p:txBody>
-      </p:sp>
-      <p:pic>
-        <p:nvPicPr>
-          <p:cNvPr id="3" name="Picture 2">
-            <a:extLst>
-              <a:ext uri="{FF2B5EF4-FFF2-40B4-BE49-F238E27FC236}">
-                <a16:creationId xmlns:a16="http://schemas.microsoft.com/office/drawing/2014/main" id="{460C09E6-0F88-0C84-75E3-AB3C0AB6315D}"/>
-              </a:ext>
-            </a:extLst>
-          </p:cNvPr>
-          <p:cNvPicPr>
-            <a:picLocks noChangeAspect="1"/>
-          </p:cNvPicPr>
-          <p:nvPr/>
-        </p:nvPicPr>
-        <p:blipFill>
-          <a:blip r:embed="rId2"/>
-          <a:stretch>
-            <a:fillRect/>
-          </a:stretch>
-        </p:blipFill>
-        <p:spPr>
-          <a:xfrm>
-            <a:off x="92620" y="1113792"/>
-            <a:ext cx="5922286" cy="5613577"/>
-          </a:xfrm>
-          <a:prstGeom prst="rect">
-            <a:avLst/>
-          </a:prstGeom>
-        </p:spPr>
-      </p:pic>
-      <p:pic>
-        <p:nvPicPr>
-          <p:cNvPr id="6" name="Picture 5">
-            <a:extLst>
-              <a:ext uri="{FF2B5EF4-FFF2-40B4-BE49-F238E27FC236}">
-                <a16:creationId xmlns:a16="http://schemas.microsoft.com/office/drawing/2014/main" id="{0D831035-B0F9-D51B-F088-A270599F8790}"/>
-              </a:ext>
-            </a:extLst>
-          </p:cNvPr>
-          <p:cNvPicPr>
-            <a:picLocks noChangeAspect="1"/>
-          </p:cNvPicPr>
-          <p:nvPr/>
-        </p:nvPicPr>
-        <p:blipFill>
-          <a:blip r:embed="rId3"/>
-          <a:srcRect r="8924"/>
-          <a:stretch>
-            <a:fillRect/>
-          </a:stretch>
-        </p:blipFill>
-        <p:spPr>
-          <a:xfrm>
-            <a:off x="6014906" y="1210339"/>
-            <a:ext cx="6003380" cy="5420481"/>
-          </a:xfrm>
-          <a:prstGeom prst="rect">
-            <a:avLst/>
-          </a:prstGeom>
-        </p:spPr>
-      </p:pic>
-    </p:spTree>
-    <p:extLst>
-      <p:ext uri="{BB962C8B-B14F-4D97-AF65-F5344CB8AC3E}">
-        <p14:creationId xmlns:p14="http://schemas.microsoft.com/office/powerpoint/2010/main" val="3519393868"/>
-      </p:ext>
-    </p:extLst>
-  </p:cSld>
-  <p:clrMapOvr>
-    <a:masterClrMapping/>
-  </p:clrMapOvr>
-</p:sld>
-</file>
-
-<file path=ppt/slides/slide6.xml><?xml version="1.0" encoding="utf-8"?>
-<p:sld xmlns:a="http://schemas.openxmlformats.org/drawingml/2006/main" xmlns:r="http://schemas.openxmlformats.org/officeDocument/2006/relationships" xmlns:p="http://schemas.openxmlformats.org/presentationml/2006/main" showMasterSp="0">
-  <p:cSld>
-    <p:spTree>
-      <p:nvGrpSpPr>
-        <p:cNvPr id="1" name=""/>
-        <p:cNvGrpSpPr/>
-        <p:nvPr/>
-      </p:nvGrpSpPr>
-      <p:grpSpPr>
-        <a:xfrm>
-          <a:off x="0" y="0"/>
-          <a:ext cx="0" cy="0"/>
-          <a:chOff x="0" y="0"/>
-          <a:chExt cx="0" cy="0"/>
-        </a:xfrm>
-      </p:grpSpPr>
-      <p:pic>
-        <p:nvPicPr>
-          <p:cNvPr id="2" name="Content Placeholder 9">
-            <a:extLst>
-              <a:ext uri="{FF2B5EF4-FFF2-40B4-BE49-F238E27FC236}">
-                <a16:creationId xmlns:a16="http://schemas.microsoft.com/office/drawing/2014/main" id="{50F1EF00-FF36-5FE2-3A17-ACFCB7836C9D}"/>
-              </a:ext>
-            </a:extLst>
-          </p:cNvPr>
-          <p:cNvPicPr>
-            <a:picLocks noChangeAspect="1"/>
-          </p:cNvPicPr>
-          <p:nvPr/>
-        </p:nvPicPr>
-        <p:blipFill>
-          <a:blip r:embed="rId2"/>
-          <a:stretch>
-            <a:fillRect/>
-          </a:stretch>
-        </p:blipFill>
-        <p:spPr>
-          <a:xfrm>
-            <a:off x="579888" y="643466"/>
-            <a:ext cx="6629441" cy="5966774"/>
-          </a:xfrm>
-          <a:prstGeom prst="rect">
-            <a:avLst/>
-          </a:prstGeom>
-        </p:spPr>
-      </p:pic>
-      <p:sp>
-        <p:nvSpPr>
-          <p:cNvPr id="4" name="TextBox 3">
-            <a:extLst>
-              <a:ext uri="{FF2B5EF4-FFF2-40B4-BE49-F238E27FC236}">
-                <a16:creationId xmlns:a16="http://schemas.microsoft.com/office/drawing/2014/main" id="{BA9CA9B4-B8A9-312E-04A1-1DD11E43773A}"/>
-              </a:ext>
-            </a:extLst>
-          </p:cNvPr>
-          <p:cNvSpPr txBox="1"/>
-          <p:nvPr/>
-        </p:nvSpPr>
-        <p:spPr>
-          <a:xfrm>
-            <a:off x="7209329" y="1487842"/>
-            <a:ext cx="5287471" cy="461665"/>
-          </a:xfrm>
-          <a:prstGeom prst="rect">
-            <a:avLst/>
-          </a:prstGeom>
-          <a:noFill/>
-        </p:spPr>
-        <p:txBody>
-          <a:bodyPr wrap="square">
-            <a:spAutoFit/>
-          </a:bodyPr>
-          <a:lstStyle/>
-          <a:p>
-            <a:r>
-              <a:rPr lang="en-US" sz="2400" b="1" dirty="0">
-                <a:solidFill>
-                  <a:schemeClr val="tx1">
-                    <a:lumMod val="95000"/>
-                    <a:lumOff val="5000"/>
-                  </a:schemeClr>
-                </a:solidFill>
-                <a:latin typeface="Times New Roman" panose="02020603050405020304" pitchFamily="18" charset="0"/>
-                <a:cs typeface="Times New Roman" panose="02020603050405020304" pitchFamily="18" charset="0"/>
-              </a:rPr>
-              <a:t>States are selected by median income</a:t>
-            </a:r>
-          </a:p>
-        </p:txBody>
-      </p:sp>
-      <p:sp>
-        <p:nvSpPr>
-          <p:cNvPr id="5" name="TextBox 4">
-            <a:extLst>
-              <a:ext uri="{FF2B5EF4-FFF2-40B4-BE49-F238E27FC236}">
-                <a16:creationId xmlns:a16="http://schemas.microsoft.com/office/drawing/2014/main" id="{A649F697-E62B-172F-B1B7-80BD1A97C737}"/>
-              </a:ext>
-            </a:extLst>
-          </p:cNvPr>
-          <p:cNvSpPr txBox="1"/>
-          <p:nvPr/>
-        </p:nvSpPr>
-        <p:spPr>
-          <a:xfrm>
-            <a:off x="7209329" y="3198166"/>
-            <a:ext cx="4560887" cy="461665"/>
-          </a:xfrm>
-          <a:prstGeom prst="rect">
-            <a:avLst/>
-          </a:prstGeom>
-          <a:noFill/>
-        </p:spPr>
-        <p:txBody>
-          <a:bodyPr wrap="square" rtlCol="0">
-            <a:spAutoFit/>
-          </a:bodyPr>
-          <a:lstStyle/>
-          <a:p>
-            <a:r>
-              <a:rPr lang="en-US" sz="2400" b="1" dirty="0">
-                <a:solidFill>
-                  <a:schemeClr val="tx1">
-                    <a:lumMod val="95000"/>
-                    <a:lumOff val="5000"/>
-                  </a:schemeClr>
-                </a:solidFill>
-                <a:latin typeface="Times New Roman" panose="02020603050405020304" pitchFamily="18" charset="0"/>
-                <a:cs typeface="Times New Roman" panose="02020603050405020304" pitchFamily="18" charset="0"/>
-              </a:rPr>
-              <a:t>The box shows range of income</a:t>
-            </a:r>
-          </a:p>
-        </p:txBody>
-      </p:sp>
-      <p:sp>
-        <p:nvSpPr>
-          <p:cNvPr id="7" name="TextBox 6">
-            <a:extLst>
-              <a:ext uri="{FF2B5EF4-FFF2-40B4-BE49-F238E27FC236}">
-                <a16:creationId xmlns:a16="http://schemas.microsoft.com/office/drawing/2014/main" id="{19DCACAA-1283-8EF6-A0A2-99671CF27632}"/>
-              </a:ext>
-            </a:extLst>
-          </p:cNvPr>
-          <p:cNvSpPr txBox="1"/>
-          <p:nvPr/>
-        </p:nvSpPr>
-        <p:spPr>
-          <a:xfrm>
-            <a:off x="7209329" y="4788787"/>
-            <a:ext cx="4906947" cy="461665"/>
-          </a:xfrm>
-          <a:prstGeom prst="rect">
-            <a:avLst/>
-          </a:prstGeom>
-          <a:noFill/>
-        </p:spPr>
-        <p:txBody>
-          <a:bodyPr wrap="square">
-            <a:spAutoFit/>
-          </a:bodyPr>
-          <a:lstStyle/>
-          <a:p>
-            <a:r>
-              <a:rPr lang="en-US" sz="2400" b="1" dirty="0">
-                <a:solidFill>
-                  <a:schemeClr val="tx1">
-                    <a:lumMod val="95000"/>
-                    <a:lumOff val="5000"/>
-                  </a:schemeClr>
-                </a:solidFill>
-                <a:latin typeface="Times New Roman" panose="02020603050405020304" pitchFamily="18" charset="0"/>
-                <a:cs typeface="Times New Roman" panose="02020603050405020304" pitchFamily="18" charset="0"/>
-              </a:rPr>
-              <a:t>Outliers indicates wealthy counties</a:t>
-            </a:r>
-          </a:p>
-        </p:txBody>
-      </p:sp>
-    </p:spTree>
-    <p:extLst>
-      <p:ext uri="{BB962C8B-B14F-4D97-AF65-F5344CB8AC3E}">
-        <p14:creationId xmlns:p14="http://schemas.microsoft.com/office/powerpoint/2010/main" val="1728606901"/>
-      </p:ext>
-    </p:extLst>
-  </p:cSld>
-  <p:clrMapOvr>
-    <a:masterClrMapping/>
-  </p:clrMapOvr>
-</p:sld>
-</file>
-
-<file path=ppt/slides/slide7.xml><?xml version="1.0" encoding="utf-8"?>
-<p:sld xmlns:a="http://schemas.openxmlformats.org/drawingml/2006/main" xmlns:r="http://schemas.openxmlformats.org/officeDocument/2006/relationships" xmlns:p="http://schemas.openxmlformats.org/presentationml/2006/main">
-  <p:cSld>
-    <p:spTree>
-      <p:nvGrpSpPr>
-        <p:cNvPr id="1" name="">
-          <a:extLst>
-            <a:ext uri="{FF2B5EF4-FFF2-40B4-BE49-F238E27FC236}">
-              <a16:creationId xmlns:a16="http://schemas.microsoft.com/office/drawing/2014/main" id="{43C09FBB-BD43-76DC-7917-A120C21EAE29}"/>
-            </a:ext>
-          </a:extLst>
-        </p:cNvPr>
-        <p:cNvGrpSpPr/>
-        <p:nvPr/>
-      </p:nvGrpSpPr>
-      <p:grpSpPr>
-        <a:xfrm>
-          <a:off x="0" y="0"/>
-          <a:ext cx="0" cy="0"/>
-          <a:chOff x="0" y="0"/>
-          <a:chExt cx="0" cy="0"/>
-        </a:xfrm>
-      </p:grpSpPr>
-      <p:sp>
-        <p:nvSpPr>
-          <p:cNvPr id="4" name="TextBox 3">
-            <a:extLst>
-              <a:ext uri="{FF2B5EF4-FFF2-40B4-BE49-F238E27FC236}">
-                <a16:creationId xmlns:a16="http://schemas.microsoft.com/office/drawing/2014/main" id="{BC61B393-9F33-1479-1DAE-DAA8C1639076}"/>
-              </a:ext>
-            </a:extLst>
-          </p:cNvPr>
-          <p:cNvSpPr txBox="1"/>
-          <p:nvPr/>
-        </p:nvSpPr>
-        <p:spPr>
-          <a:xfrm>
-            <a:off x="461736" y="303235"/>
-            <a:ext cx="3969100" cy="584775"/>
-          </a:xfrm>
-          <a:prstGeom prst="rect">
-            <a:avLst/>
-          </a:prstGeom>
-          <a:noFill/>
-        </p:spPr>
-        <p:txBody>
-          <a:bodyPr wrap="none" rtlCol="0">
-            <a:spAutoFit/>
-          </a:bodyPr>
-          <a:lstStyle/>
-          <a:p>
-            <a:r>
-              <a:rPr lang="en-US" sz="3200" b="1" u="sng" dirty="0">
-                <a:latin typeface="Times New Roman" panose="02020603050405020304" pitchFamily="18" charset="0"/>
-                <a:cs typeface="Times New Roman" panose="02020603050405020304" pitchFamily="18" charset="0"/>
-              </a:rPr>
-              <a:t>Testing for Normality</a:t>
-            </a:r>
-          </a:p>
-        </p:txBody>
-      </p:sp>
-      <p:pic>
-        <p:nvPicPr>
-          <p:cNvPr id="10" name="Picture 9">
-            <a:extLst>
-              <a:ext uri="{FF2B5EF4-FFF2-40B4-BE49-F238E27FC236}">
-                <a16:creationId xmlns:a16="http://schemas.microsoft.com/office/drawing/2014/main" id="{2E879EF6-439E-83C8-2AF7-3F8ED227AF6D}"/>
-              </a:ext>
-            </a:extLst>
-          </p:cNvPr>
-          <p:cNvPicPr>
-            <a:picLocks noChangeAspect="1"/>
-          </p:cNvPicPr>
-          <p:nvPr/>
-        </p:nvPicPr>
-        <p:blipFill>
-          <a:blip r:embed="rId3"/>
-          <a:srcRect r="2500" b="4587"/>
-          <a:stretch>
-            <a:fillRect/>
-          </a:stretch>
-        </p:blipFill>
-        <p:spPr>
-          <a:xfrm>
-            <a:off x="33996" y="1186482"/>
-            <a:ext cx="12124007" cy="3006546"/>
-          </a:xfrm>
-          <a:prstGeom prst="rect">
-            <a:avLst/>
-          </a:prstGeom>
-        </p:spPr>
-      </p:pic>
-      <p:sp>
-        <p:nvSpPr>
-          <p:cNvPr id="12" name="TextBox 11">
-            <a:extLst>
-              <a:ext uri="{FF2B5EF4-FFF2-40B4-BE49-F238E27FC236}">
-                <a16:creationId xmlns:a16="http://schemas.microsoft.com/office/drawing/2014/main" id="{D2C80A17-5899-D78E-05F1-EFB131698E3B}"/>
-              </a:ext>
-            </a:extLst>
-          </p:cNvPr>
-          <p:cNvSpPr txBox="1"/>
-          <p:nvPr/>
-        </p:nvSpPr>
-        <p:spPr>
-          <a:xfrm>
-            <a:off x="402672" y="4276322"/>
-            <a:ext cx="11660697" cy="1477328"/>
-          </a:xfrm>
-          <a:prstGeom prst="rect">
-            <a:avLst/>
-          </a:prstGeom>
-          <a:noFill/>
-        </p:spPr>
-        <p:txBody>
-          <a:bodyPr wrap="square" rtlCol="0">
-            <a:spAutoFit/>
-          </a:bodyPr>
-          <a:lstStyle/>
-          <a:p>
-            <a:r>
-              <a:rPr lang="en-US" dirty="0"/>
-              <a:t>Per-capita income (2020): points bend above the line in the upper tail. Mild deviation in lower tail.</a:t>
-            </a:r>
-          </a:p>
-          <a:p>
-            <a:r>
-              <a:rPr lang="en-US" dirty="0"/>
-              <a:t>→ positive skew / heavy right tail (a few very high-income counties). </a:t>
-            </a:r>
-          </a:p>
-          <a:p>
-            <a:endParaRPr lang="en-US" dirty="0"/>
-          </a:p>
-          <a:p>
-            <a:r>
-              <a:rPr lang="en-US" dirty="0"/>
-              <a:t>Bachelor/Associate numbers (2016–2020): extreme curvature and long upper tails. Many dots are piled near zero </a:t>
-            </a:r>
-          </a:p>
-          <a:p>
-            <a:r>
-              <a:rPr lang="en-US" dirty="0"/>
-              <a:t>→ lots of small counties + a few huge metros. </a:t>
-            </a:r>
-          </a:p>
-        </p:txBody>
-      </p:sp>
-    </p:spTree>
-    <p:extLst>
-      <p:ext uri="{BB962C8B-B14F-4D97-AF65-F5344CB8AC3E}">
-        <p14:creationId xmlns:p14="http://schemas.microsoft.com/office/powerpoint/2010/main" val="386736367"/>
-      </p:ext>
-    </p:extLst>
-  </p:cSld>
-  <p:clrMapOvr>
-    <a:masterClrMapping/>
-  </p:clrMapOvr>
-</p:sld>
-</file>
-
-<file path=ppt/slides/slide8.xml><?xml version="1.0" encoding="utf-8"?>
-<p:sld xmlns:a="http://schemas.openxmlformats.org/drawingml/2006/main" xmlns:r="http://schemas.openxmlformats.org/officeDocument/2006/relationships" xmlns:p="http://schemas.openxmlformats.org/presentationml/2006/main">
-  <p:cSld>
-    <p:spTree>
-      <p:nvGrpSpPr>
-        <p:cNvPr id="1" name=""/>
-        <p:cNvGrpSpPr/>
-        <p:nvPr/>
-      </p:nvGrpSpPr>
-      <p:grpSpPr>
-        <a:xfrm>
-          <a:off x="0" y="0"/>
-          <a:ext cx="0" cy="0"/>
-          <a:chOff x="0" y="0"/>
-          <a:chExt cx="0" cy="0"/>
-        </a:xfrm>
-      </p:grpSpPr>
-      <p:pic>
-        <p:nvPicPr>
-          <p:cNvPr id="6" name="Picture 5" descr="A graph of a number of people&#10;&#10;AI-generated content may be incorrect.">
-            <a:extLst>
-              <a:ext uri="{FF2B5EF4-FFF2-40B4-BE49-F238E27FC236}">
-                <a16:creationId xmlns:a16="http://schemas.microsoft.com/office/drawing/2014/main" id="{E9516D58-B60B-F812-63D7-216F067BC27F}"/>
-              </a:ext>
-            </a:extLst>
-          </p:cNvPr>
-          <p:cNvPicPr>
-            <a:picLocks noChangeAspect="1"/>
-          </p:cNvPicPr>
-          <p:nvPr/>
-        </p:nvPicPr>
-        <p:blipFill>
-          <a:blip r:embed="rId2"/>
-          <a:stretch>
-            <a:fillRect/>
-          </a:stretch>
-        </p:blipFill>
-        <p:spPr>
-          <a:xfrm>
-            <a:off x="1457739" y="355404"/>
-            <a:ext cx="9276522" cy="6147191"/>
-          </a:xfrm>
-          <a:prstGeom prst="rect">
-            <a:avLst/>
-          </a:prstGeom>
-        </p:spPr>
-      </p:pic>
-    </p:spTree>
-    <p:extLst>
-      <p:ext uri="{BB962C8B-B14F-4D97-AF65-F5344CB8AC3E}">
-        <p14:creationId xmlns:p14="http://schemas.microsoft.com/office/powerpoint/2010/main" val="2096460332"/>
-      </p:ext>
-    </p:extLst>
-  </p:cSld>
-  <p:clrMapOvr>
-    <a:masterClrMapping/>
-  </p:clrMapOvr>
-</p:sld>
-</file>
-
-<file path=ppt/slides/slide9.xml><?xml version="1.0" encoding="utf-8"?>
-<p:sld xmlns:a="http://schemas.openxmlformats.org/drawingml/2006/main" xmlns:r="http://schemas.openxmlformats.org/officeDocument/2006/relationships" xmlns:p="http://schemas.openxmlformats.org/presentationml/2006/main">
-  <p:cSld>
-    <p:spTree>
-      <p:nvGrpSpPr>
-        <p:cNvPr id="1" name=""/>
-        <p:cNvGrpSpPr/>
-        <p:nvPr/>
-      </p:nvGrpSpPr>
-      <p:grpSpPr>
-        <a:xfrm>
-          <a:off x="0" y="0"/>
-          <a:ext cx="0" cy="0"/>
-          <a:chOff x="0" y="0"/>
-          <a:chExt cx="0" cy="0"/>
-        </a:xfrm>
-      </p:grpSpPr>
-      <p:pic>
-        <p:nvPicPr>
-          <p:cNvPr id="3" name="Picture 2" descr="A graph of a number of bachelor degree from 2016-2020&#10;&#10;AI-generated content may be incorrect.">
-            <a:extLst>
-              <a:ext uri="{FF2B5EF4-FFF2-40B4-BE49-F238E27FC236}">
-                <a16:creationId xmlns:a16="http://schemas.microsoft.com/office/drawing/2014/main" id="{38BAFD42-545A-2035-E2DE-10A2429DE678}"/>
-              </a:ext>
-            </a:extLst>
-          </p:cNvPr>
-          <p:cNvPicPr>
-            <a:picLocks noChangeAspect="1"/>
-          </p:cNvPicPr>
-          <p:nvPr/>
-        </p:nvPicPr>
-        <p:blipFill>
-          <a:blip r:embed="rId2"/>
-          <a:stretch>
-            <a:fillRect/>
-          </a:stretch>
-        </p:blipFill>
-        <p:spPr>
-          <a:xfrm>
-            <a:off x="1838981" y="137996"/>
-            <a:ext cx="8776010" cy="6582008"/>
-          </a:xfrm>
-          <a:prstGeom prst="rect">
-            <a:avLst/>
-          </a:prstGeom>
-        </p:spPr>
-      </p:pic>
-    </p:spTree>
-    <p:extLst>
-      <p:ext uri="{BB962C8B-B14F-4D97-AF65-F5344CB8AC3E}">
-        <p14:creationId xmlns:p14="http://schemas.microsoft.com/office/powerpoint/2010/main" val="1016991512"/>
       </p:ext>
     </p:extLst>
   </p:cSld>
@@ -8547,299 +4795,4 @@
     </a:ext>
   </a:extLst>
 </a:theme>
-</file>
-
-<file path=ppt/theme/theme2.xml><?xml version="1.0" encoding="utf-8"?>
-<a:theme xmlns:a="http://schemas.openxmlformats.org/drawingml/2006/main" name="Office Theme">
-  <a:themeElements>
-    <a:clrScheme name="Office">
-      <a:dk1>
-        <a:sysClr val="windowText" lastClr="000000"/>
-      </a:dk1>
-      <a:lt1>
-        <a:sysClr val="window" lastClr="FFFFFF"/>
-      </a:lt1>
-      <a:dk2>
-        <a:srgbClr val="44546A"/>
-      </a:dk2>
-      <a:lt2>
-        <a:srgbClr val="E7E6E6"/>
-      </a:lt2>
-      <a:accent1>
-        <a:srgbClr val="4472C4"/>
-      </a:accent1>
-      <a:accent2>
-        <a:srgbClr val="ED7D31"/>
-      </a:accent2>
-      <a:accent3>
-        <a:srgbClr val="A5A5A5"/>
-      </a:accent3>
-      <a:accent4>
-        <a:srgbClr val="FFC000"/>
-      </a:accent4>
-      <a:accent5>
-        <a:srgbClr val="5B9BD5"/>
-      </a:accent5>
-      <a:accent6>
-        <a:srgbClr val="70AD47"/>
-      </a:accent6>
-      <a:hlink>
-        <a:srgbClr val="0563C1"/>
-      </a:hlink>
-      <a:folHlink>
-        <a:srgbClr val="954F72"/>
-      </a:folHlink>
-    </a:clrScheme>
-    <a:fontScheme name="Office">
-      <a:majorFont>
-        <a:latin typeface="Calibri Light" panose="020F0302020204030204"/>
-        <a:ea typeface=""/>
-        <a:cs typeface=""/>
-        <a:font script="Jpan" typeface="游ゴシック Light"/>
-        <a:font script="Hang" typeface="맑은 고딕"/>
-        <a:font script="Hans" typeface="等线 Light"/>
-        <a:font script="Hant" typeface="新細明體"/>
-        <a:font script="Arab" typeface="Times New Roman"/>
-        <a:font script="Hebr" typeface="Times New Roman"/>
-        <a:font script="Thai" typeface="Angsana New"/>
-        <a:font script="Ethi" typeface="Nyala"/>
-        <a:font script="Beng" typeface="Vrinda"/>
-        <a:font script="Gujr" typeface="Shruti"/>
-        <a:font script="Khmr" typeface="MoolBoran"/>
-        <a:font script="Knda" typeface="Tunga"/>
-        <a:font script="Guru" typeface="Raavi"/>
-        <a:font script="Cans" typeface="Euphemia"/>
-        <a:font script="Cher" typeface="Plantagenet Cherokee"/>
-        <a:font script="Yiii" typeface="Microsoft Yi Baiti"/>
-        <a:font script="Tibt" typeface="Microsoft Himalaya"/>
-        <a:font script="Thaa" typeface="MV Boli"/>
-        <a:font script="Deva" typeface="Mangal"/>
-        <a:font script="Telu" typeface="Gautami"/>
-        <a:font script="Taml" typeface="Latha"/>
-        <a:font script="Syrc" typeface="Estrangelo Edessa"/>
-        <a:font script="Orya" typeface="Kalinga"/>
-        <a:font script="Mlym" typeface="Kartika"/>
-        <a:font script="Laoo" typeface="DokChampa"/>
-        <a:font script="Sinh" typeface="Iskoola Pota"/>
-        <a:font script="Mong" typeface="Mongolian Baiti"/>
-        <a:font script="Viet" typeface="Times New Roman"/>
-        <a:font script="Uigh" typeface="Microsoft Uighur"/>
-        <a:font script="Geor" typeface="Sylfaen"/>
-        <a:font script="Armn" typeface="Arial"/>
-        <a:font script="Bugi" typeface="Leelawadee UI"/>
-        <a:font script="Bopo" typeface="Microsoft JhengHei"/>
-        <a:font script="Java" typeface="Javanese Text"/>
-        <a:font script="Lisu" typeface="Segoe UI"/>
-        <a:font script="Mymr" typeface="Myanmar Text"/>
-        <a:font script="Nkoo" typeface="Ebrima"/>
-        <a:font script="Olck" typeface="Nirmala UI"/>
-        <a:font script="Osma" typeface="Ebrima"/>
-        <a:font script="Phag" typeface="Phagspa"/>
-        <a:font script="Syrn" typeface="Estrangelo Edessa"/>
-        <a:font script="Syrj" typeface="Estrangelo Edessa"/>
-        <a:font script="Syre" typeface="Estrangelo Edessa"/>
-        <a:font script="Sora" typeface="Nirmala UI"/>
-        <a:font script="Tale" typeface="Microsoft Tai Le"/>
-        <a:font script="Talu" typeface="Microsoft New Tai Lue"/>
-        <a:font script="Tfng" typeface="Ebrima"/>
-      </a:majorFont>
-      <a:minorFont>
-        <a:latin typeface="Calibri" panose="020F0502020204030204"/>
-        <a:ea typeface=""/>
-        <a:cs typeface=""/>
-        <a:font script="Jpan" typeface="游ゴシック"/>
-        <a:font script="Hang" typeface="맑은 고딕"/>
-        <a:font script="Hans" typeface="等线"/>
-        <a:font script="Hant" typeface="新細明體"/>
-        <a:font script="Arab" typeface="Arial"/>
-        <a:font script="Hebr" typeface="Arial"/>
-        <a:font script="Thai" typeface="Cordia New"/>
-        <a:font script="Ethi" typeface="Nyala"/>
-        <a:font script="Beng" typeface="Vrinda"/>
-        <a:font script="Gujr" typeface="Shruti"/>
-        <a:font script="Khmr" typeface="DaunPenh"/>
-        <a:font script="Knda" typeface="Tunga"/>
-        <a:font script="Guru" typeface="Raavi"/>
-        <a:font script="Cans" typeface="Euphemia"/>
-        <a:font script="Cher" typeface="Plantagenet Cherokee"/>
-        <a:font script="Yiii" typeface="Microsoft Yi Baiti"/>
-        <a:font script="Tibt" typeface="Microsoft Himalaya"/>
-        <a:font script="Thaa" typeface="MV Boli"/>
-        <a:font script="Deva" typeface="Mangal"/>
-        <a:font script="Telu" typeface="Gautami"/>
-        <a:font script="Taml" typeface="Latha"/>
-        <a:font script="Syrc" typeface="Estrangelo Edessa"/>
-        <a:font script="Orya" typeface="Kalinga"/>
-        <a:font script="Mlym" typeface="Kartika"/>
-        <a:font script="Laoo" typeface="DokChampa"/>
-        <a:font script="Sinh" typeface="Iskoola Pota"/>
-        <a:font script="Mong" typeface="Mongolian Baiti"/>
-        <a:font script="Viet" typeface="Arial"/>
-        <a:font script="Uigh" typeface="Microsoft Uighur"/>
-        <a:font script="Geor" typeface="Sylfaen"/>
-        <a:font script="Armn" typeface="Arial"/>
-        <a:font script="Bugi" typeface="Leelawadee UI"/>
-        <a:font script="Bopo" typeface="Microsoft JhengHei"/>
-        <a:font script="Java" typeface="Javanese Text"/>
-        <a:font script="Lisu" typeface="Segoe UI"/>
-        <a:font script="Mymr" typeface="Myanmar Text"/>
-        <a:font script="Nkoo" typeface="Ebrima"/>
-        <a:font script="Olck" typeface="Nirmala UI"/>
-        <a:font script="Osma" typeface="Ebrima"/>
-        <a:font script="Phag" typeface="Phagspa"/>
-        <a:font script="Syrn" typeface="Estrangelo Edessa"/>
-        <a:font script="Syrj" typeface="Estrangelo Edessa"/>
-        <a:font script="Syre" typeface="Estrangelo Edessa"/>
-        <a:font script="Sora" typeface="Nirmala UI"/>
-        <a:font script="Tale" typeface="Microsoft Tai Le"/>
-        <a:font script="Talu" typeface="Microsoft New Tai Lue"/>
-        <a:font script="Tfng" typeface="Ebrima"/>
-      </a:minorFont>
-    </a:fontScheme>
-    <a:fmtScheme name="Office">
-      <a:fillStyleLst>
-        <a:solidFill>
-          <a:schemeClr val="phClr"/>
-        </a:solidFill>
-        <a:gradFill rotWithShape="1">
-          <a:gsLst>
-            <a:gs pos="0">
-              <a:schemeClr val="phClr">
-                <a:lumMod val="110000"/>
-                <a:satMod val="105000"/>
-                <a:tint val="67000"/>
-              </a:schemeClr>
-            </a:gs>
-            <a:gs pos="50000">
-              <a:schemeClr val="phClr">
-                <a:lumMod val="105000"/>
-                <a:satMod val="103000"/>
-                <a:tint val="73000"/>
-              </a:schemeClr>
-            </a:gs>
-            <a:gs pos="100000">
-              <a:schemeClr val="phClr">
-                <a:lumMod val="105000"/>
-                <a:satMod val="109000"/>
-                <a:tint val="81000"/>
-              </a:schemeClr>
-            </a:gs>
-          </a:gsLst>
-          <a:lin ang="5400000" scaled="0"/>
-        </a:gradFill>
-        <a:gradFill rotWithShape="1">
-          <a:gsLst>
-            <a:gs pos="0">
-              <a:schemeClr val="phClr">
-                <a:satMod val="103000"/>
-                <a:lumMod val="102000"/>
-                <a:tint val="94000"/>
-              </a:schemeClr>
-            </a:gs>
-            <a:gs pos="50000">
-              <a:schemeClr val="phClr">
-                <a:satMod val="110000"/>
-                <a:lumMod val="100000"/>
-                <a:shade val="100000"/>
-              </a:schemeClr>
-            </a:gs>
-            <a:gs pos="100000">
-              <a:schemeClr val="phClr">
-                <a:lumMod val="99000"/>
-                <a:satMod val="120000"/>
-                <a:shade val="78000"/>
-              </a:schemeClr>
-            </a:gs>
-          </a:gsLst>
-          <a:lin ang="5400000" scaled="0"/>
-        </a:gradFill>
-      </a:fillStyleLst>
-      <a:lnStyleLst>
-        <a:ln w="6350" cap="flat" cmpd="sng" algn="ctr">
-          <a:solidFill>
-            <a:schemeClr val="phClr"/>
-          </a:solidFill>
-          <a:prstDash val="solid"/>
-          <a:miter lim="800000"/>
-        </a:ln>
-        <a:ln w="12700" cap="flat" cmpd="sng" algn="ctr">
-          <a:solidFill>
-            <a:schemeClr val="phClr"/>
-          </a:solidFill>
-          <a:prstDash val="solid"/>
-          <a:miter lim="800000"/>
-        </a:ln>
-        <a:ln w="19050" cap="flat" cmpd="sng" algn="ctr">
-          <a:solidFill>
-            <a:schemeClr val="phClr"/>
-          </a:solidFill>
-          <a:prstDash val="solid"/>
-          <a:miter lim="800000"/>
-        </a:ln>
-      </a:lnStyleLst>
-      <a:effectStyleLst>
-        <a:effectStyle>
-          <a:effectLst/>
-        </a:effectStyle>
-        <a:effectStyle>
-          <a:effectLst/>
-        </a:effectStyle>
-        <a:effectStyle>
-          <a:effectLst>
-            <a:outerShdw blurRad="57150" dist="19050" dir="5400000" algn="ctr" rotWithShape="0">
-              <a:srgbClr val="000000">
-                <a:alpha val="63000"/>
-              </a:srgbClr>
-            </a:outerShdw>
-          </a:effectLst>
-        </a:effectStyle>
-      </a:effectStyleLst>
-      <a:bgFillStyleLst>
-        <a:solidFill>
-          <a:schemeClr val="phClr"/>
-        </a:solidFill>
-        <a:solidFill>
-          <a:schemeClr val="phClr">
-            <a:tint val="95000"/>
-            <a:satMod val="170000"/>
-          </a:schemeClr>
-        </a:solidFill>
-        <a:gradFill rotWithShape="1">
-          <a:gsLst>
-            <a:gs pos="0">
-              <a:schemeClr val="phClr">
-                <a:tint val="93000"/>
-                <a:satMod val="150000"/>
-                <a:shade val="98000"/>
-                <a:lumMod val="102000"/>
-              </a:schemeClr>
-            </a:gs>
-            <a:gs pos="50000">
-              <a:schemeClr val="phClr">
-                <a:tint val="98000"/>
-                <a:satMod val="130000"/>
-                <a:shade val="90000"/>
-                <a:lumMod val="103000"/>
-              </a:schemeClr>
-            </a:gs>
-            <a:gs pos="100000">
-              <a:schemeClr val="phClr">
-                <a:shade val="63000"/>
-                <a:satMod val="120000"/>
-              </a:schemeClr>
-            </a:gs>
-          </a:gsLst>
-          <a:lin ang="5400000" scaled="0"/>
-        </a:gradFill>
-      </a:bgFillStyleLst>
-    </a:fmtScheme>
-  </a:themeElements>
-  <a:objectDefaults/>
-  <a:extraClrSchemeLst/>
-  <a:extLst>
-    <a:ext uri="{05A4C25C-085E-4340-85A3-A5531E510DB2}">
-      <thm15:themeFamily xmlns:thm15="http://schemas.microsoft.com/office/thememl/2012/main" name="Office Theme" id="{62F939B6-93AF-4DB8-9C6B-D6C7DFDC589F}" vid="{4A3C46E8-61CC-4603-A589-7422A47A8E4A}"/>
-    </a:ext>
-  </a:extLst>
-</a:theme>
 </file>